--- a/ppt/2022-8-3技术分享.pptx
+++ b/ppt/2022-8-3技术分享.pptx
@@ -5,28 +5,29 @@
     <p:sldMasterId id="2147483648" r:id="rId1"/>
   </p:sldMasterIdLst>
   <p:notesMasterIdLst>
-    <p:notesMasterId r:id="rId13"/>
+    <p:notesMasterId r:id="rId14"/>
   </p:notesMasterIdLst>
   <p:handoutMasterIdLst>
-    <p:handoutMasterId r:id="rId14"/>
+    <p:handoutMasterId r:id="rId15"/>
   </p:handoutMasterIdLst>
   <p:sldIdLst>
     <p:sldId id="256" r:id="rId2"/>
     <p:sldId id="387" r:id="rId3"/>
-    <p:sldId id="382" r:id="rId4"/>
-    <p:sldId id="388" r:id="rId5"/>
-    <p:sldId id="392" r:id="rId6"/>
-    <p:sldId id="390" r:id="rId7"/>
-    <p:sldId id="391" r:id="rId8"/>
-    <p:sldId id="389" r:id="rId9"/>
-    <p:sldId id="393" r:id="rId10"/>
-    <p:sldId id="386" r:id="rId11"/>
-    <p:sldId id="272" r:id="rId12"/>
+    <p:sldId id="394" r:id="rId4"/>
+    <p:sldId id="382" r:id="rId5"/>
+    <p:sldId id="388" r:id="rId6"/>
+    <p:sldId id="392" r:id="rId7"/>
+    <p:sldId id="390" r:id="rId8"/>
+    <p:sldId id="391" r:id="rId9"/>
+    <p:sldId id="389" r:id="rId10"/>
+    <p:sldId id="393" r:id="rId11"/>
+    <p:sldId id="386" r:id="rId12"/>
+    <p:sldId id="272" r:id="rId13"/>
   </p:sldIdLst>
   <p:sldSz cx="9144000" cy="5143500" type="screen16x9"/>
   <p:notesSz cx="6858000" cy="9144000"/>
   <p:custDataLst>
-    <p:tags r:id="rId15"/>
+    <p:tags r:id="rId16"/>
   </p:custDataLst>
   <p:defaultTextStyle>
     <a:defPPr>
@@ -208,7 +209,7 @@
           <a:p>
             <a:fld id="{0F9B84EA-7D68-4D60-9CB1-D50884785D1C}" type="datetimeFigureOut">
               <a:rPr lang="zh-CN" altLang="en-US" smtClean="0"/>
-              <a:t>2022/8/1</a:t>
+              <a:t>2022/8/2</a:t>
             </a:fld>
             <a:endParaRPr lang="zh-CN" altLang="en-US"/>
           </a:p>
@@ -373,7 +374,7 @@
           <a:p>
             <a:fld id="{7CE908D5-C41D-4D38-8B48-5AFE471E159B}" type="datetimeFigureOut">
               <a:rPr lang="zh-CN" altLang="en-US" smtClean="0"/>
-              <a:t>2022/8/1</a:t>
+              <a:t>2022/8/2</a:t>
             </a:fld>
             <a:endParaRPr lang="zh-CN" altLang="en-US"/>
           </a:p>
@@ -875,7 +876,7 @@
           <a:p>
             <a:fld id="{04B9B3C3-D605-4CD9-9803-7C80A9FCF189}" type="datetimeFigureOut">
               <a:rPr lang="zh-CN" altLang="en-US" smtClean="0"/>
-              <a:t>2022/8/1</a:t>
+              <a:t>2022/8/2</a:t>
             </a:fld>
             <a:endParaRPr lang="zh-CN" altLang="en-US"/>
           </a:p>
@@ -1224,7 +1225,7 @@
           <a:p>
             <a:fld id="{04B9B3C3-D605-4CD9-9803-7C80A9FCF189}" type="datetimeFigureOut">
               <a:rPr lang="zh-CN" altLang="en-US" smtClean="0"/>
-              <a:t>2022/8/1</a:t>
+              <a:t>2022/8/2</a:t>
             </a:fld>
             <a:endParaRPr lang="zh-CN" altLang="en-US"/>
           </a:p>
@@ -1422,7 +1423,7 @@
           <a:p>
             <a:fld id="{04B9B3C3-D605-4CD9-9803-7C80A9FCF189}" type="datetimeFigureOut">
               <a:rPr lang="zh-CN" altLang="en-US" smtClean="0"/>
-              <a:t>2022/8/1</a:t>
+              <a:t>2022/8/2</a:t>
             </a:fld>
             <a:endParaRPr lang="zh-CN" altLang="en-US"/>
           </a:p>
@@ -1615,7 +1616,7 @@
           <a:p>
             <a:fld id="{04B9B3C3-D605-4CD9-9803-7C80A9FCF189}" type="datetimeFigureOut">
               <a:rPr lang="zh-CN" altLang="en-US" smtClean="0"/>
-              <a:t>2022/8/1</a:t>
+              <a:t>2022/8/2</a:t>
             </a:fld>
             <a:endParaRPr lang="zh-CN" altLang="en-US"/>
           </a:p>
@@ -1705,7 +1706,7 @@
           <a:p>
             <a:fld id="{04B9B3C3-D605-4CD9-9803-7C80A9FCF189}" type="datetimeFigureOut">
               <a:rPr lang="zh-CN" altLang="en-US" smtClean="0"/>
-              <a:t>2022/8/1</a:t>
+              <a:t>2022/8/2</a:t>
             </a:fld>
             <a:endParaRPr lang="zh-CN" altLang="en-US"/>
           </a:p>
@@ -1911,7 +1912,7 @@
           <a:p>
             <a:fld id="{04B9B3C3-D605-4CD9-9803-7C80A9FCF189}" type="datetimeFigureOut">
               <a:rPr lang="zh-CN" altLang="en-US" smtClean="0"/>
-              <a:t>2022/8/1</a:t>
+              <a:t>2022/8/2</a:t>
             </a:fld>
             <a:endParaRPr lang="zh-CN" altLang="en-US"/>
           </a:p>
@@ -2456,239 +2457,31 @@
       </p:grpSpPr>
       <p:sp>
         <p:nvSpPr>
-          <p:cNvPr id="4" name="AutoShape 3"/>
-          <p:cNvSpPr>
-            <a:spLocks noChangeAspect="1" noChangeArrowheads="1" noTextEdit="1"/>
-          </p:cNvSpPr>
+          <p:cNvPr id="2" name="矩形 1"/>
+          <p:cNvSpPr/>
           <p:nvPr/>
         </p:nvSpPr>
-        <p:spPr bwMode="auto">
-          <a:xfrm>
-            <a:off x="-92392" y="-75565"/>
-            <a:ext cx="12188825" cy="6858000"/>
-          </a:xfrm>
-          <a:prstGeom prst="rect">
-            <a:avLst/>
-          </a:prstGeom>
-          <a:noFill/>
-          <a:ln>
-            <a:noFill/>
-          </a:ln>
-          <a:extLst>
-            <a:ext uri="{909E8E84-426E-40DD-AFC4-6F175D3DCCD1}">
-              <a14:hiddenFill xmlns:a14="http://schemas.microsoft.com/office/drawing/2010/main">
-                <a:solidFill>
-                  <a:srgbClr val="FFFFFF"/>
-                </a:solidFill>
-              </a14:hiddenFill>
-            </a:ext>
-            <a:ext uri="{91240B29-F687-4F45-9708-019B960494DF}">
-              <a14:hiddenLine xmlns:a14="http://schemas.microsoft.com/office/drawing/2010/main" w="9525">
-                <a:solidFill>
-                  <a:srgbClr val="000000"/>
-                </a:solidFill>
-                <a:miter lim="800000"/>
-                <a:headEnd/>
-                <a:tailEnd/>
-              </a14:hiddenLine>
-            </a:ext>
-          </a:extLst>
-        </p:spPr>
-        <p:txBody>
-          <a:bodyPr vert="horz" wrap="square" lIns="91440" tIns="45720" rIns="91440" bIns="45720" numCol="1" anchor="t" anchorCtr="0" compatLnSpc="1"/>
-          <a:lstStyle/>
-          <a:p>
-            <a:endParaRPr lang="zh-CN" altLang="en-US" dirty="0">
-              <a:cs typeface="+mn-ea"/>
-              <a:sym typeface="+mn-lt"/>
-            </a:endParaRPr>
-          </a:p>
-        </p:txBody>
-      </p:sp>
-      <p:sp>
-        <p:nvSpPr>
-          <p:cNvPr id="5" name="AutoShape 3"/>
-          <p:cNvSpPr>
-            <a:spLocks noChangeAspect="1" noChangeArrowheads="1" noTextEdit="1"/>
-          </p:cNvSpPr>
-          <p:nvPr/>
-        </p:nvSpPr>
-        <p:spPr bwMode="auto">
-          <a:xfrm>
-            <a:off x="34608" y="51435"/>
-            <a:ext cx="12188825" cy="6858000"/>
-          </a:xfrm>
-          <a:prstGeom prst="rect">
-            <a:avLst/>
-          </a:prstGeom>
-          <a:noFill/>
-          <a:ln>
-            <a:noFill/>
-          </a:ln>
-          <a:extLst>
-            <a:ext uri="{909E8E84-426E-40DD-AFC4-6F175D3DCCD1}">
-              <a14:hiddenFill xmlns:a14="http://schemas.microsoft.com/office/drawing/2010/main">
-                <a:solidFill>
-                  <a:srgbClr val="FFFFFF"/>
-                </a:solidFill>
-              </a14:hiddenFill>
-            </a:ext>
-            <a:ext uri="{91240B29-F687-4F45-9708-019B960494DF}">
-              <a14:hiddenLine xmlns:a14="http://schemas.microsoft.com/office/drawing/2010/main" w="9525">
-                <a:solidFill>
-                  <a:srgbClr val="000000"/>
-                </a:solidFill>
-                <a:miter lim="800000"/>
-                <a:headEnd/>
-                <a:tailEnd/>
-              </a14:hiddenLine>
-            </a:ext>
-          </a:extLst>
-        </p:spPr>
-        <p:txBody>
-          <a:bodyPr vert="horz" wrap="square" lIns="91440" tIns="45720" rIns="91440" bIns="45720" numCol="1" anchor="t" anchorCtr="0" compatLnSpc="1"/>
-          <a:lstStyle/>
-          <a:p>
-            <a:endParaRPr lang="zh-CN" altLang="en-US" dirty="0">
-              <a:cs typeface="+mn-ea"/>
-              <a:sym typeface="+mn-lt"/>
-            </a:endParaRPr>
-          </a:p>
-        </p:txBody>
-      </p:sp>
-      <p:pic>
-        <p:nvPicPr>
-          <p:cNvPr id="6" name="Picture 5"/>
-          <p:cNvPicPr>
-            <a:picLocks noChangeAspect="1" noChangeArrowheads="1"/>
-          </p:cNvPicPr>
-          <p:nvPr/>
-        </p:nvPicPr>
-        <p:blipFill>
-          <a:blip r:embed="rId2" cstate="screen"/>
-          <a:srcRect/>
-          <a:stretch>
-            <a:fillRect/>
-          </a:stretch>
-        </p:blipFill>
-        <p:spPr bwMode="auto">
-          <a:xfrm>
-            <a:off x="10462896" y="332423"/>
-            <a:ext cx="285750" cy="285750"/>
-          </a:xfrm>
-          <a:prstGeom prst="rect">
-            <a:avLst/>
-          </a:prstGeom>
-          <a:noFill/>
-          <a:ln>
-            <a:noFill/>
-          </a:ln>
-          <a:extLst>
-            <a:ext uri="{909E8E84-426E-40DD-AFC4-6F175D3DCCD1}">
-              <a14:hiddenFill xmlns:a14="http://schemas.microsoft.com/office/drawing/2010/main">
-                <a:solidFill>
-                  <a:srgbClr val="FFFFFF"/>
-                </a:solidFill>
-              </a14:hiddenFill>
-            </a:ext>
-            <a:ext uri="{91240B29-F687-4F45-9708-019B960494DF}">
-              <a14:hiddenLine xmlns:a14="http://schemas.microsoft.com/office/drawing/2010/main" w="9525">
-                <a:solidFill>
-                  <a:srgbClr val="000000"/>
-                </a:solidFill>
-                <a:miter lim="800000"/>
-                <a:headEnd/>
-                <a:tailEnd/>
-              </a14:hiddenLine>
-            </a:ext>
-          </a:extLst>
-        </p:spPr>
-      </p:pic>
-      <p:pic>
-        <p:nvPicPr>
-          <p:cNvPr id="7" name="Picture 6"/>
-          <p:cNvPicPr>
-            <a:picLocks noChangeAspect="1" noChangeArrowheads="1"/>
-          </p:cNvPicPr>
-          <p:nvPr/>
-        </p:nvPicPr>
-        <p:blipFill>
-          <a:blip r:embed="rId3" cstate="screen"/>
-          <a:srcRect/>
-          <a:stretch>
-            <a:fillRect/>
-          </a:stretch>
-        </p:blipFill>
-        <p:spPr bwMode="auto">
-          <a:xfrm>
-            <a:off x="10859771" y="-73977"/>
-            <a:ext cx="1238250" cy="833438"/>
-          </a:xfrm>
-          <a:prstGeom prst="rect">
-            <a:avLst/>
-          </a:prstGeom>
-          <a:noFill/>
-          <a:ln>
-            <a:noFill/>
-          </a:ln>
-          <a:extLst>
-            <a:ext uri="{909E8E84-426E-40DD-AFC4-6F175D3DCCD1}">
-              <a14:hiddenFill xmlns:a14="http://schemas.microsoft.com/office/drawing/2010/main">
-                <a:solidFill>
-                  <a:srgbClr val="FFFFFF"/>
-                </a:solidFill>
-              </a14:hiddenFill>
-            </a:ext>
-            <a:ext uri="{91240B29-F687-4F45-9708-019B960494DF}">
-              <a14:hiddenLine xmlns:a14="http://schemas.microsoft.com/office/drawing/2010/main" w="9525">
-                <a:solidFill>
-                  <a:srgbClr val="000000"/>
-                </a:solidFill>
-                <a:miter lim="800000"/>
-                <a:headEnd/>
-                <a:tailEnd/>
-              </a14:hiddenLine>
-            </a:ext>
-          </a:extLst>
-        </p:spPr>
-      </p:pic>
-      <p:sp>
-        <p:nvSpPr>
-          <p:cNvPr id="11" name="文本框 10"/>
-          <p:cNvSpPr txBox="1"/>
-          <p:nvPr/>
-        </p:nvSpPr>
         <p:spPr>
           <a:xfrm>
-            <a:off x="683568" y="436299"/>
-            <a:ext cx="2232248" cy="584775"/>
-          </a:xfrm>
-          <a:prstGeom prst="rect">
-            <a:avLst/>
-          </a:prstGeom>
-          <a:noFill/>
-        </p:spPr>
-        <p:txBody>
-          <a:bodyPr wrap="square" rtlCol="0" anchor="ctr" anchorCtr="1">
+            <a:off x="611560" y="555526"/>
+            <a:ext cx="2031326" cy="369332"/>
+          </a:xfrm>
+          <a:prstGeom prst="rect">
+            <a:avLst/>
+          </a:prstGeom>
+        </p:spPr>
+        <p:txBody>
+          <a:bodyPr wrap="none">
             <a:spAutoFit/>
-            <a:scene3d>
-              <a:camera prst="orthographicFront"/>
-              <a:lightRig rig="threePt" dir="t"/>
-            </a:scene3d>
-            <a:sp3d contourW="12700"/>
           </a:bodyPr>
           <a:lstStyle/>
           <a:p>
             <a:pPr algn="ctr"/>
             <a:r>
-              <a:rPr lang="zh-CN" altLang="en-US" sz="3200" dirty="0" smtClean="0"/>
-              <a:t>适应</a:t>
-            </a:r>
-            <a:r>
-              <a:rPr lang="zh-CN" altLang="en-US" sz="3200" dirty="0"/>
-              <a:t>场景</a:t>
-            </a:r>
-            <a:endParaRPr lang="zh-CN" altLang="en-US" sz="3200" b="1" dirty="0">
+              <a:rPr lang="zh-CN" altLang="en-US" dirty="0" smtClean="0"/>
+              <a:t>熔断器逻辑示意图</a:t>
+            </a:r>
+            <a:endParaRPr lang="zh-CN" altLang="en-US" b="1" dirty="0">
               <a:solidFill>
                 <a:schemeClr val="tx1">
                   <a:lumMod val="65000"/>
@@ -2701,102 +2494,16 @@
           </a:p>
         </p:txBody>
       </p:sp>
-      <p:sp>
-        <p:nvSpPr>
-          <p:cNvPr id="9" name="文本框 10"/>
-          <p:cNvSpPr txBox="1"/>
-          <p:nvPr/>
-        </p:nvSpPr>
-        <p:spPr>
-          <a:xfrm>
-            <a:off x="1079612" y="1203598"/>
-            <a:ext cx="1260140" cy="276999"/>
-          </a:xfrm>
-          <a:prstGeom prst="rect">
-            <a:avLst/>
-          </a:prstGeom>
-          <a:noFill/>
-        </p:spPr>
-        <p:txBody>
-          <a:bodyPr wrap="square" rtlCol="0" anchor="ctr" anchorCtr="1">
-            <a:spAutoFit/>
-            <a:scene3d>
-              <a:camera prst="orthographicFront"/>
-              <a:lightRig rig="threePt" dir="t"/>
-            </a:scene3d>
-            <a:sp3d contourW="12700"/>
-          </a:bodyPr>
-          <a:lstStyle/>
-          <a:p>
-            <a:r>
-              <a:rPr lang="en-US" altLang="zh-CN" sz="1200" dirty="0" smtClean="0"/>
-              <a:t>1.</a:t>
-            </a:r>
-            <a:r>
-              <a:rPr lang="zh-CN" altLang="en-US" sz="1200" dirty="0" smtClean="0"/>
-              <a:t>高</a:t>
-            </a:r>
-            <a:r>
-              <a:rPr lang="zh-CN" altLang="en-US" sz="1200" dirty="0" smtClean="0"/>
-              <a:t>并发接口</a:t>
-            </a:r>
-            <a:endParaRPr lang="zh-CN" altLang="en-US" sz="1200" dirty="0"/>
-          </a:p>
-        </p:txBody>
-      </p:sp>
-      <p:sp>
-        <p:nvSpPr>
-          <p:cNvPr id="8" name="文本框 10"/>
-          <p:cNvSpPr txBox="1"/>
-          <p:nvPr/>
-        </p:nvSpPr>
-        <p:spPr>
-          <a:xfrm>
-            <a:off x="1115616" y="1645977"/>
-            <a:ext cx="1062118" cy="276999"/>
-          </a:xfrm>
-          <a:prstGeom prst="rect">
-            <a:avLst/>
-          </a:prstGeom>
-          <a:noFill/>
-        </p:spPr>
-        <p:txBody>
-          <a:bodyPr wrap="square" rtlCol="0" anchor="ctr" anchorCtr="1">
-            <a:spAutoFit/>
-            <a:scene3d>
-              <a:camera prst="orthographicFront"/>
-              <a:lightRig rig="threePt" dir="t"/>
-            </a:scene3d>
-            <a:sp3d contourW="12700"/>
-          </a:bodyPr>
-          <a:lstStyle/>
-          <a:p>
-            <a:r>
-              <a:rPr lang="en-US" altLang="zh-CN" sz="1200" dirty="0" smtClean="0"/>
-              <a:t>2</a:t>
-            </a:r>
-            <a:r>
-              <a:rPr lang="en-US" altLang="zh-CN" sz="1200" dirty="0" smtClean="0"/>
-              <a:t>.</a:t>
-            </a:r>
-            <a:r>
-              <a:rPr lang="zh-CN" altLang="en-US" sz="1200" dirty="0" smtClean="0"/>
-              <a:t>接口限流</a:t>
-            </a:r>
-            <a:endParaRPr lang="zh-CN" altLang="en-US" sz="1200" dirty="0"/>
-          </a:p>
-        </p:txBody>
-      </p:sp>
       <p:pic>
         <p:nvPicPr>
-          <p:cNvPr id="2050" name="Picture 2"/>
+          <p:cNvPr id="3074" name="Picture 2" descr="在这里插入图片描述"/>
           <p:cNvPicPr>
             <a:picLocks noChangeAspect="1" noChangeArrowheads="1"/>
           </p:cNvPicPr>
           <p:nvPr/>
         </p:nvPicPr>
         <p:blipFill>
-          <a:blip r:embed="rId4" cstate="print">
+          <a:blip r:embed="rId2">
             <a:extLst>
               <a:ext uri="{28A0092B-C50C-407E-A947-70E740481C1C}">
                 <a14:useLocalDpi xmlns:a14="http://schemas.microsoft.com/office/drawing/2010/main" val="0"/>
@@ -2810,41 +2517,136 @@
         </p:blipFill>
         <p:spPr bwMode="auto">
           <a:xfrm>
-            <a:off x="2987824" y="483518"/>
-            <a:ext cx="3327638" cy="4421062"/>
+            <a:off x="4355976" y="699542"/>
+            <a:ext cx="4286250" cy="3867150"/>
           </a:xfrm>
           <a:prstGeom prst="rect">
             <a:avLst/>
           </a:prstGeom>
           <a:noFill/>
-          <a:ln>
-            <a:noFill/>
-          </a:ln>
           <a:extLst>
             <a:ext uri="{909E8E84-426E-40DD-AFC4-6F175D3DCCD1}">
               <a14:hiddenFill xmlns:a14="http://schemas.microsoft.com/office/drawing/2010/main">
                 <a:solidFill>
-                  <a:schemeClr val="accent1"/>
+                  <a:srgbClr val="FFFFFF"/>
                 </a:solidFill>
               </a14:hiddenFill>
             </a:ext>
-            <a:ext uri="{91240B29-F687-4F45-9708-019B960494DF}">
-              <a14:hiddenLine xmlns:a14="http://schemas.microsoft.com/office/drawing/2010/main" w="9525">
-                <a:solidFill>
-                  <a:schemeClr val="tx1"/>
-                </a:solidFill>
-                <a:miter lim="800000"/>
-                <a:headEnd/>
-                <a:tailEnd/>
-              </a14:hiddenLine>
-            </a:ext>
           </a:extLst>
         </p:spPr>
       </p:pic>
+      <p:sp>
+        <p:nvSpPr>
+          <p:cNvPr id="19" name="文本框 10"/>
+          <p:cNvSpPr txBox="1"/>
+          <p:nvPr/>
+        </p:nvSpPr>
+        <p:spPr>
+          <a:xfrm>
+            <a:off x="646383" y="1563638"/>
+            <a:ext cx="3384376" cy="1954381"/>
+          </a:xfrm>
+          <a:prstGeom prst="rect">
+            <a:avLst/>
+          </a:prstGeom>
+          <a:noFill/>
+        </p:spPr>
+        <p:txBody>
+          <a:bodyPr wrap="square" rtlCol="0" anchor="ctr" anchorCtr="1">
+            <a:spAutoFit/>
+            <a:scene3d>
+              <a:camera prst="orthographicFront"/>
+              <a:lightRig rig="threePt" dir="t"/>
+            </a:scene3d>
+            <a:sp3d contourW="12700"/>
+          </a:bodyPr>
+          <a:lstStyle/>
+          <a:p>
+            <a:r>
+              <a:rPr lang="zh-CN" altLang="en-US" sz="1100" dirty="0"/>
+              <a:t>（</a:t>
+            </a:r>
+            <a:r>
+              <a:rPr lang="en-US" altLang="zh-CN" sz="1100" dirty="0"/>
+              <a:t>1</a:t>
+            </a:r>
+            <a:r>
+              <a:rPr lang="zh-CN" altLang="en-US" sz="1100" dirty="0"/>
+              <a:t>）熔断关闭：熔断关闭不会对服务熔断</a:t>
+            </a:r>
+            <a:r>
+              <a:rPr lang="zh-CN" altLang="en-US" sz="1100" dirty="0" smtClean="0"/>
+              <a:t>。</a:t>
+            </a:r>
+            <a:endParaRPr lang="en-US" altLang="zh-CN" sz="1100" dirty="0" smtClean="0"/>
+          </a:p>
+          <a:p>
+            <a:endParaRPr lang="en-US" altLang="zh-CN" sz="1100" dirty="0"/>
+          </a:p>
+          <a:p>
+            <a:r>
+              <a:rPr lang="zh-CN" altLang="en-US" sz="1100" dirty="0"/>
+              <a:t/>
+            </a:r>
+            <a:br>
+              <a:rPr lang="zh-CN" altLang="en-US" sz="1100" dirty="0"/>
+            </a:br>
+            <a:r>
+              <a:rPr lang="zh-CN" altLang="en-US" sz="1100" dirty="0"/>
+              <a:t>（</a:t>
+            </a:r>
+            <a:r>
+              <a:rPr lang="en-US" altLang="zh-CN" sz="1100" dirty="0"/>
+              <a:t>2</a:t>
+            </a:r>
+            <a:r>
+              <a:rPr lang="zh-CN" altLang="en-US" sz="1100" dirty="0"/>
+              <a:t>）熔断打开：请求不在进行调用当前服务，内部设置时钟一般为</a:t>
+            </a:r>
+            <a:r>
+              <a:rPr lang="en-US" altLang="zh-CN" sz="1100" dirty="0"/>
+              <a:t>MTTR</a:t>
+            </a:r>
+            <a:r>
+              <a:rPr lang="zh-CN" altLang="en-US" sz="1100" dirty="0"/>
+              <a:t>（平均故障处理时间），当打开时长达到所设置时钟则进入半熔断状态</a:t>
+            </a:r>
+            <a:r>
+              <a:rPr lang="zh-CN" altLang="en-US" sz="1100" dirty="0" smtClean="0"/>
+              <a:t>。</a:t>
+            </a:r>
+            <a:endParaRPr lang="en-US" altLang="zh-CN" sz="1100" dirty="0" smtClean="0"/>
+          </a:p>
+          <a:p>
+            <a:endParaRPr lang="en-US" altLang="zh-CN" sz="1100" dirty="0"/>
+          </a:p>
+          <a:p>
+            <a:r>
+              <a:rPr lang="zh-CN" altLang="en-US" sz="1100" dirty="0"/>
+              <a:t/>
+            </a:r>
+            <a:br>
+              <a:rPr lang="zh-CN" altLang="en-US" sz="1100" dirty="0"/>
+            </a:br>
+            <a:r>
+              <a:rPr lang="zh-CN" altLang="en-US" sz="1100" dirty="0"/>
+              <a:t>（</a:t>
+            </a:r>
+            <a:r>
+              <a:rPr lang="en-US" altLang="zh-CN" sz="1100" dirty="0"/>
+              <a:t>3</a:t>
+            </a:r>
+            <a:r>
+              <a:rPr lang="zh-CN" altLang="en-US" sz="1100" dirty="0"/>
+              <a:t>）熔断半开：部分请求根据规则条用当前服务，如果请求成功且符合规则，则认为当前服务恢复正常，关闭熔断。</a:t>
+            </a:r>
+          </a:p>
+        </p:txBody>
+      </p:sp>
     </p:spTree>
     <p:extLst>
       <p:ext uri="{BB962C8B-B14F-4D97-AF65-F5344CB8AC3E}">
-        <p14:creationId xmlns:p14="http://schemas.microsoft.com/office/powerpoint/2010/main" val="2103595609"/>
+        <p14:creationId xmlns:p14="http://schemas.microsoft.com/office/powerpoint/2010/main" val="4262590657"/>
       </p:ext>
     </p:extLst>
   </p:cSld>
@@ -2863,9 +2665,6 @@
                     <p:cTn id="3" fill="hold">
                       <p:stCondLst>
                         <p:cond delay="indefinite"/>
-                        <p:cond evt="onBegin" delay="0">
-                          <p:tn val="2"/>
-                        </p:cond>
                       </p:stCondLst>
                       <p:childTnLst>
                         <p:par>
@@ -2875,7 +2674,7 @@
                             </p:stCondLst>
                             <p:childTnLst>
                               <p:par>
-                                <p:cTn id="5" presetID="22" presetClass="entr" presetSubtype="8" fill="hold" grpId="0" nodeType="afterEffect">
+                                <p:cTn id="5" presetID="22" presetClass="entr" presetSubtype="8" fill="hold" grpId="0" nodeType="clickEffect">
                                   <p:stCondLst>
                                     <p:cond delay="0"/>
                                   </p:stCondLst>
@@ -2888,7 +2687,7 @@
                                           </p:stCondLst>
                                         </p:cTn>
                                         <p:tgtEl>
-                                          <p:spTgt spid="11"/>
+                                          <p:spTgt spid="19"/>
                                         </p:tgtEl>
                                         <p:attrNameLst>
                                           <p:attrName>style.visibility</p:attrName>
@@ -2902,7 +2701,7 @@
                                       <p:cBhvr>
                                         <p:cTn id="7" dur="500"/>
                                         <p:tgtEl>
-                                          <p:spTgt spid="11"/>
+                                          <p:spTgt spid="19"/>
                                         </p:tgtEl>
                                       </p:cBhvr>
                                     </p:animEffect>
@@ -2912,27 +2711,36 @@
                             </p:childTnLst>
                           </p:cTn>
                         </p:par>
+                      </p:childTnLst>
+                    </p:cTn>
+                  </p:par>
+                  <p:par>
+                    <p:cTn id="8" fill="hold">
+                      <p:stCondLst>
+                        <p:cond delay="indefinite"/>
+                      </p:stCondLst>
+                      <p:childTnLst>
                         <p:par>
-                          <p:cTn id="8" fill="hold">
+                          <p:cTn id="9" fill="hold">
                             <p:stCondLst>
-                              <p:cond delay="500"/>
+                              <p:cond delay="0"/>
                             </p:stCondLst>
                             <p:childTnLst>
                               <p:par>
-                                <p:cTn id="9" presetID="22" presetClass="entr" presetSubtype="8" fill="hold" grpId="0" nodeType="afterEffect">
+                                <p:cTn id="10" presetID="22" presetClass="entr" presetSubtype="4" fill="hold" nodeType="clickEffect">
                                   <p:stCondLst>
                                     <p:cond delay="0"/>
                                   </p:stCondLst>
                                   <p:childTnLst>
                                     <p:set>
                                       <p:cBhvr>
-                                        <p:cTn id="10" dur="1" fill="hold">
+                                        <p:cTn id="11" dur="1" fill="hold">
                                           <p:stCondLst>
                                             <p:cond delay="0"/>
                                           </p:stCondLst>
                                         </p:cTn>
                                         <p:tgtEl>
-                                          <p:spTgt spid="9"/>
+                                          <p:spTgt spid="3074"/>
                                         </p:tgtEl>
                                         <p:attrNameLst>
                                           <p:attrName>style.visibility</p:attrName>
@@ -2942,55 +2750,11 @@
                                         <p:strVal val="visible"/>
                                       </p:to>
                                     </p:set>
-                                    <p:animEffect transition="in" filter="wipe(left)">
+                                    <p:animEffect transition="in" filter="wipe(down)">
                                       <p:cBhvr>
-                                        <p:cTn id="11" dur="500"/>
+                                        <p:cTn id="12" dur="500"/>
                                         <p:tgtEl>
-                                          <p:spTgt spid="9"/>
-                                        </p:tgtEl>
-                                      </p:cBhvr>
-                                    </p:animEffect>
-                                  </p:childTnLst>
-                                </p:cTn>
-                              </p:par>
-                            </p:childTnLst>
-                          </p:cTn>
-                        </p:par>
-                        <p:par>
-                          <p:cTn id="12" fill="hold">
-                            <p:stCondLst>
-                              <p:cond delay="1000"/>
-                            </p:stCondLst>
-                            <p:childTnLst>
-                              <p:par>
-                                <p:cTn id="13" presetID="22" presetClass="entr" presetSubtype="8" fill="hold" grpId="0" nodeType="afterEffect">
-                                  <p:stCondLst>
-                                    <p:cond delay="0"/>
-                                  </p:stCondLst>
-                                  <p:childTnLst>
-                                    <p:set>
-                                      <p:cBhvr>
-                                        <p:cTn id="14" dur="1" fill="hold">
-                                          <p:stCondLst>
-                                            <p:cond delay="0"/>
-                                          </p:stCondLst>
-                                        </p:cTn>
-                                        <p:tgtEl>
-                                          <p:spTgt spid="8"/>
-                                        </p:tgtEl>
-                                        <p:attrNameLst>
-                                          <p:attrName>style.visibility</p:attrName>
-                                        </p:attrNameLst>
-                                      </p:cBhvr>
-                                      <p:to>
-                                        <p:strVal val="visible"/>
-                                      </p:to>
-                                    </p:set>
-                                    <p:animEffect transition="in" filter="wipe(left)">
-                                      <p:cBhvr>
-                                        <p:cTn id="15" dur="500"/>
-                                        <p:tgtEl>
-                                          <p:spTgt spid="8"/>
+                                          <p:spTgt spid="3074"/>
                                         </p:tgtEl>
                                       </p:cBhvr>
                                     </p:animEffect>
@@ -3025,15 +2789,429 @@
       </p:par>
     </p:tnLst>
     <p:bldLst>
-      <p:bldP spid="11" grpId="0"/>
-      <p:bldP spid="9" grpId="0"/>
-      <p:bldP spid="8" grpId="0"/>
+      <p:bldP spid="19" grpId="0"/>
     </p:bldLst>
   </p:timing>
 </p:sld>
 </file>
 
 <file path=ppt/slides/slide11.xml><?xml version="1.0" encoding="utf-8"?>
+<p:sld xmlns:a="http://schemas.openxmlformats.org/drawingml/2006/main" xmlns:r="http://schemas.openxmlformats.org/officeDocument/2006/relationships" xmlns:p="http://schemas.openxmlformats.org/presentationml/2006/main">
+  <p:cSld>
+    <p:spTree>
+      <p:nvGrpSpPr>
+        <p:cNvPr id="1" name=""/>
+        <p:cNvGrpSpPr/>
+        <p:nvPr/>
+      </p:nvGrpSpPr>
+      <p:grpSpPr>
+        <a:xfrm>
+          <a:off x="0" y="0"/>
+          <a:ext cx="0" cy="0"/>
+          <a:chOff x="0" y="0"/>
+          <a:chExt cx="0" cy="0"/>
+        </a:xfrm>
+      </p:grpSpPr>
+      <p:sp>
+        <p:nvSpPr>
+          <p:cNvPr id="4" name="AutoShape 3"/>
+          <p:cNvSpPr>
+            <a:spLocks noChangeAspect="1" noChangeArrowheads="1" noTextEdit="1"/>
+          </p:cNvSpPr>
+          <p:nvPr/>
+        </p:nvSpPr>
+        <p:spPr bwMode="auto">
+          <a:xfrm>
+            <a:off x="-92392" y="-75565"/>
+            <a:ext cx="12188825" cy="6858000"/>
+          </a:xfrm>
+          <a:prstGeom prst="rect">
+            <a:avLst/>
+          </a:prstGeom>
+          <a:noFill/>
+          <a:ln>
+            <a:noFill/>
+          </a:ln>
+          <a:extLst>
+            <a:ext uri="{909E8E84-426E-40DD-AFC4-6F175D3DCCD1}">
+              <a14:hiddenFill xmlns:a14="http://schemas.microsoft.com/office/drawing/2010/main">
+                <a:solidFill>
+                  <a:srgbClr val="FFFFFF"/>
+                </a:solidFill>
+              </a14:hiddenFill>
+            </a:ext>
+            <a:ext uri="{91240B29-F687-4F45-9708-019B960494DF}">
+              <a14:hiddenLine xmlns:a14="http://schemas.microsoft.com/office/drawing/2010/main" w="9525">
+                <a:solidFill>
+                  <a:srgbClr val="000000"/>
+                </a:solidFill>
+                <a:miter lim="800000"/>
+                <a:headEnd/>
+                <a:tailEnd/>
+              </a14:hiddenLine>
+            </a:ext>
+          </a:extLst>
+        </p:spPr>
+        <p:txBody>
+          <a:bodyPr vert="horz" wrap="square" lIns="91440" tIns="45720" rIns="91440" bIns="45720" numCol="1" anchor="t" anchorCtr="0" compatLnSpc="1"/>
+          <a:lstStyle/>
+          <a:p>
+            <a:endParaRPr lang="zh-CN" altLang="en-US" dirty="0">
+              <a:cs typeface="+mn-ea"/>
+              <a:sym typeface="+mn-lt"/>
+            </a:endParaRPr>
+          </a:p>
+        </p:txBody>
+      </p:sp>
+      <p:sp>
+        <p:nvSpPr>
+          <p:cNvPr id="5" name="AutoShape 3"/>
+          <p:cNvSpPr>
+            <a:spLocks noChangeAspect="1" noChangeArrowheads="1" noTextEdit="1"/>
+          </p:cNvSpPr>
+          <p:nvPr/>
+        </p:nvSpPr>
+        <p:spPr bwMode="auto">
+          <a:xfrm>
+            <a:off x="34608" y="51435"/>
+            <a:ext cx="12188825" cy="6858000"/>
+          </a:xfrm>
+          <a:prstGeom prst="rect">
+            <a:avLst/>
+          </a:prstGeom>
+          <a:noFill/>
+          <a:ln>
+            <a:noFill/>
+          </a:ln>
+          <a:extLst>
+            <a:ext uri="{909E8E84-426E-40DD-AFC4-6F175D3DCCD1}">
+              <a14:hiddenFill xmlns:a14="http://schemas.microsoft.com/office/drawing/2010/main">
+                <a:solidFill>
+                  <a:srgbClr val="FFFFFF"/>
+                </a:solidFill>
+              </a14:hiddenFill>
+            </a:ext>
+            <a:ext uri="{91240B29-F687-4F45-9708-019B960494DF}">
+              <a14:hiddenLine xmlns:a14="http://schemas.microsoft.com/office/drawing/2010/main" w="9525">
+                <a:solidFill>
+                  <a:srgbClr val="000000"/>
+                </a:solidFill>
+                <a:miter lim="800000"/>
+                <a:headEnd/>
+                <a:tailEnd/>
+              </a14:hiddenLine>
+            </a:ext>
+          </a:extLst>
+        </p:spPr>
+        <p:txBody>
+          <a:bodyPr vert="horz" wrap="square" lIns="91440" tIns="45720" rIns="91440" bIns="45720" numCol="1" anchor="t" anchorCtr="0" compatLnSpc="1"/>
+          <a:lstStyle/>
+          <a:p>
+            <a:endParaRPr lang="zh-CN" altLang="en-US" dirty="0">
+              <a:cs typeface="+mn-ea"/>
+              <a:sym typeface="+mn-lt"/>
+            </a:endParaRPr>
+          </a:p>
+        </p:txBody>
+      </p:sp>
+      <p:pic>
+        <p:nvPicPr>
+          <p:cNvPr id="6" name="Picture 5"/>
+          <p:cNvPicPr>
+            <a:picLocks noChangeAspect="1" noChangeArrowheads="1"/>
+          </p:cNvPicPr>
+          <p:nvPr/>
+        </p:nvPicPr>
+        <p:blipFill>
+          <a:blip r:embed="rId2" cstate="screen"/>
+          <a:srcRect/>
+          <a:stretch>
+            <a:fillRect/>
+          </a:stretch>
+        </p:blipFill>
+        <p:spPr bwMode="auto">
+          <a:xfrm>
+            <a:off x="10462896" y="332423"/>
+            <a:ext cx="285750" cy="285750"/>
+          </a:xfrm>
+          <a:prstGeom prst="rect">
+            <a:avLst/>
+          </a:prstGeom>
+          <a:noFill/>
+          <a:ln>
+            <a:noFill/>
+          </a:ln>
+          <a:extLst>
+            <a:ext uri="{909E8E84-426E-40DD-AFC4-6F175D3DCCD1}">
+              <a14:hiddenFill xmlns:a14="http://schemas.microsoft.com/office/drawing/2010/main">
+                <a:solidFill>
+                  <a:srgbClr val="FFFFFF"/>
+                </a:solidFill>
+              </a14:hiddenFill>
+            </a:ext>
+            <a:ext uri="{91240B29-F687-4F45-9708-019B960494DF}">
+              <a14:hiddenLine xmlns:a14="http://schemas.microsoft.com/office/drawing/2010/main" w="9525">
+                <a:solidFill>
+                  <a:srgbClr val="000000"/>
+                </a:solidFill>
+                <a:miter lim="800000"/>
+                <a:headEnd/>
+                <a:tailEnd/>
+              </a14:hiddenLine>
+            </a:ext>
+          </a:extLst>
+        </p:spPr>
+      </p:pic>
+      <p:pic>
+        <p:nvPicPr>
+          <p:cNvPr id="7" name="Picture 6"/>
+          <p:cNvPicPr>
+            <a:picLocks noChangeAspect="1" noChangeArrowheads="1"/>
+          </p:cNvPicPr>
+          <p:nvPr/>
+        </p:nvPicPr>
+        <p:blipFill>
+          <a:blip r:embed="rId3" cstate="screen"/>
+          <a:srcRect/>
+          <a:stretch>
+            <a:fillRect/>
+          </a:stretch>
+        </p:blipFill>
+        <p:spPr bwMode="auto">
+          <a:xfrm>
+            <a:off x="10859771" y="-73977"/>
+            <a:ext cx="1238250" cy="833438"/>
+          </a:xfrm>
+          <a:prstGeom prst="rect">
+            <a:avLst/>
+          </a:prstGeom>
+          <a:noFill/>
+          <a:ln>
+            <a:noFill/>
+          </a:ln>
+          <a:extLst>
+            <a:ext uri="{909E8E84-426E-40DD-AFC4-6F175D3DCCD1}">
+              <a14:hiddenFill xmlns:a14="http://schemas.microsoft.com/office/drawing/2010/main">
+                <a:solidFill>
+                  <a:srgbClr val="FFFFFF"/>
+                </a:solidFill>
+              </a14:hiddenFill>
+            </a:ext>
+            <a:ext uri="{91240B29-F687-4F45-9708-019B960494DF}">
+              <a14:hiddenLine xmlns:a14="http://schemas.microsoft.com/office/drawing/2010/main" w="9525">
+                <a:solidFill>
+                  <a:srgbClr val="000000"/>
+                </a:solidFill>
+                <a:miter lim="800000"/>
+                <a:headEnd/>
+                <a:tailEnd/>
+              </a14:hiddenLine>
+            </a:ext>
+          </a:extLst>
+        </p:spPr>
+      </p:pic>
+      <p:sp>
+        <p:nvSpPr>
+          <p:cNvPr id="11" name="文本框 10"/>
+          <p:cNvSpPr txBox="1"/>
+          <p:nvPr/>
+        </p:nvSpPr>
+        <p:spPr>
+          <a:xfrm>
+            <a:off x="683568" y="436299"/>
+            <a:ext cx="2232248" cy="584775"/>
+          </a:xfrm>
+          <a:prstGeom prst="rect">
+            <a:avLst/>
+          </a:prstGeom>
+          <a:noFill/>
+        </p:spPr>
+        <p:txBody>
+          <a:bodyPr wrap="square" rtlCol="0" anchor="ctr" anchorCtr="1">
+            <a:spAutoFit/>
+            <a:scene3d>
+              <a:camera prst="orthographicFront"/>
+              <a:lightRig rig="threePt" dir="t"/>
+            </a:scene3d>
+            <a:sp3d contourW="12700"/>
+          </a:bodyPr>
+          <a:lstStyle/>
+          <a:p>
+            <a:pPr algn="ctr"/>
+            <a:r>
+              <a:rPr lang="zh-CN" altLang="en-US" sz="3200" dirty="0" smtClean="0"/>
+              <a:t>适应</a:t>
+            </a:r>
+            <a:r>
+              <a:rPr lang="zh-CN" altLang="en-US" sz="3200" dirty="0"/>
+              <a:t>场景</a:t>
+            </a:r>
+            <a:endParaRPr lang="zh-CN" altLang="en-US" sz="3200" b="1" dirty="0">
+              <a:solidFill>
+                <a:schemeClr val="tx1">
+                  <a:lumMod val="65000"/>
+                  <a:lumOff val="35000"/>
+                </a:schemeClr>
+              </a:solidFill>
+              <a:cs typeface="+mn-ea"/>
+              <a:sym typeface="+mn-lt"/>
+            </a:endParaRPr>
+          </a:p>
+        </p:txBody>
+      </p:sp>
+      <p:sp>
+        <p:nvSpPr>
+          <p:cNvPr id="9" name="文本框 10"/>
+          <p:cNvSpPr txBox="1"/>
+          <p:nvPr/>
+        </p:nvSpPr>
+        <p:spPr>
+          <a:xfrm>
+            <a:off x="1079612" y="1203598"/>
+            <a:ext cx="1260140" cy="276999"/>
+          </a:xfrm>
+          <a:prstGeom prst="rect">
+            <a:avLst/>
+          </a:prstGeom>
+          <a:noFill/>
+        </p:spPr>
+        <p:txBody>
+          <a:bodyPr wrap="square" rtlCol="0" anchor="ctr" anchorCtr="1">
+            <a:spAutoFit/>
+            <a:scene3d>
+              <a:camera prst="orthographicFront"/>
+              <a:lightRig rig="threePt" dir="t"/>
+            </a:scene3d>
+            <a:sp3d contourW="12700"/>
+          </a:bodyPr>
+          <a:lstStyle/>
+          <a:p>
+            <a:r>
+              <a:rPr lang="en-US" altLang="zh-CN" sz="1200" dirty="0" smtClean="0"/>
+              <a:t>1.</a:t>
+            </a:r>
+            <a:r>
+              <a:rPr lang="zh-CN" altLang="en-US" sz="1200" dirty="0" smtClean="0"/>
+              <a:t>高并发接口</a:t>
+            </a:r>
+            <a:endParaRPr lang="zh-CN" altLang="en-US" sz="1200" dirty="0"/>
+          </a:p>
+        </p:txBody>
+      </p:sp>
+      <p:sp>
+        <p:nvSpPr>
+          <p:cNvPr id="8" name="文本框 10"/>
+          <p:cNvSpPr txBox="1"/>
+          <p:nvPr/>
+        </p:nvSpPr>
+        <p:spPr>
+          <a:xfrm>
+            <a:off x="1115616" y="1645977"/>
+            <a:ext cx="1062118" cy="276999"/>
+          </a:xfrm>
+          <a:prstGeom prst="rect">
+            <a:avLst/>
+          </a:prstGeom>
+          <a:noFill/>
+        </p:spPr>
+        <p:txBody>
+          <a:bodyPr wrap="square" rtlCol="0" anchor="ctr" anchorCtr="1">
+            <a:spAutoFit/>
+            <a:scene3d>
+              <a:camera prst="orthographicFront"/>
+              <a:lightRig rig="threePt" dir="t"/>
+            </a:scene3d>
+            <a:sp3d contourW="12700"/>
+          </a:bodyPr>
+          <a:lstStyle/>
+          <a:p>
+            <a:r>
+              <a:rPr lang="en-US" altLang="zh-CN" sz="1200" dirty="0" smtClean="0"/>
+              <a:t>2.</a:t>
+            </a:r>
+            <a:r>
+              <a:rPr lang="zh-CN" altLang="en-US" sz="1200" dirty="0" smtClean="0"/>
+              <a:t>接口限流</a:t>
+            </a:r>
+            <a:endParaRPr lang="zh-CN" altLang="en-US" sz="1200" dirty="0"/>
+          </a:p>
+        </p:txBody>
+      </p:sp>
+      <p:pic>
+        <p:nvPicPr>
+          <p:cNvPr id="2050" name="Picture 2"/>
+          <p:cNvPicPr>
+            <a:picLocks noChangeAspect="1" noChangeArrowheads="1"/>
+          </p:cNvPicPr>
+          <p:nvPr/>
+        </p:nvPicPr>
+        <p:blipFill>
+          <a:blip r:embed="rId4" cstate="print">
+            <a:extLst>
+              <a:ext uri="{28A0092B-C50C-407E-A947-70E740481C1C}">
+                <a14:useLocalDpi xmlns:a14="http://schemas.microsoft.com/office/drawing/2010/main" val="0"/>
+              </a:ext>
+            </a:extLst>
+          </a:blip>
+          <a:srcRect/>
+          <a:stretch>
+            <a:fillRect/>
+          </a:stretch>
+        </p:blipFill>
+        <p:spPr bwMode="auto">
+          <a:xfrm>
+            <a:off x="2987824" y="483518"/>
+            <a:ext cx="3327638" cy="4421062"/>
+          </a:xfrm>
+          <a:prstGeom prst="rect">
+            <a:avLst/>
+          </a:prstGeom>
+          <a:noFill/>
+          <a:ln>
+            <a:noFill/>
+          </a:ln>
+          <a:extLst>
+            <a:ext uri="{909E8E84-426E-40DD-AFC4-6F175D3DCCD1}">
+              <a14:hiddenFill xmlns:a14="http://schemas.microsoft.com/office/drawing/2010/main">
+                <a:solidFill>
+                  <a:schemeClr val="accent1"/>
+                </a:solidFill>
+              </a14:hiddenFill>
+            </a:ext>
+            <a:ext uri="{91240B29-F687-4F45-9708-019B960494DF}">
+              <a14:hiddenLine xmlns:a14="http://schemas.microsoft.com/office/drawing/2010/main" w="9525">
+                <a:solidFill>
+                  <a:schemeClr val="tx1"/>
+                </a:solidFill>
+                <a:miter lim="800000"/>
+                <a:headEnd/>
+                <a:tailEnd/>
+              </a14:hiddenLine>
+            </a:ext>
+          </a:extLst>
+        </p:spPr>
+      </p:pic>
+    </p:spTree>
+    <p:extLst>
+      <p:ext uri="{BB962C8B-B14F-4D97-AF65-F5344CB8AC3E}">
+        <p14:creationId xmlns:p14="http://schemas.microsoft.com/office/powerpoint/2010/main" val="2103595609"/>
+      </p:ext>
+    </p:extLst>
+  </p:cSld>
+  <p:clrMapOvr>
+    <a:masterClrMapping/>
+  </p:clrMapOvr>
+  <p:timing>
+    <p:tnLst>
+      <p:par>
+        <p:cTn id="1" dur="indefinite" restart="never" nodeType="tmRoot"/>
+      </p:par>
+    </p:tnLst>
+  </p:timing>
+</p:sld>
+</file>
+
+<file path=ppt/slides/slide12.xml><?xml version="1.0" encoding="utf-8"?>
 <p:sld xmlns:a="http://schemas.openxmlformats.org/drawingml/2006/main" xmlns:r="http://schemas.openxmlformats.org/officeDocument/2006/relationships" xmlns:p="http://schemas.openxmlformats.org/presentationml/2006/main">
   <p:cSld>
     <p:spTree>
@@ -3487,6 +3665,332 @@
           </a:p>
         </p:txBody>
       </p:sp>
+      <p:sp>
+        <p:nvSpPr>
+          <p:cNvPr id="11" name="文本框 10"/>
+          <p:cNvSpPr txBox="1"/>
+          <p:nvPr/>
+        </p:nvSpPr>
+        <p:spPr>
+          <a:xfrm>
+            <a:off x="1259632" y="1513691"/>
+            <a:ext cx="1944216" cy="461665"/>
+          </a:xfrm>
+          <a:prstGeom prst="rect">
+            <a:avLst/>
+          </a:prstGeom>
+          <a:noFill/>
+        </p:spPr>
+        <p:txBody>
+          <a:bodyPr wrap="square" rtlCol="0" anchor="ctr" anchorCtr="1">
+            <a:spAutoFit/>
+            <a:scene3d>
+              <a:camera prst="orthographicFront"/>
+              <a:lightRig rig="threePt" dir="t"/>
+            </a:scene3d>
+            <a:sp3d contourW="12700"/>
+          </a:bodyPr>
+          <a:lstStyle/>
+          <a:p>
+            <a:r>
+              <a:rPr lang="zh-CN" altLang="en-US" sz="2400" dirty="0" smtClean="0"/>
+              <a:t>设计目的</a:t>
+            </a:r>
+            <a:endParaRPr lang="zh-CN" altLang="en-US" sz="2400" b="1" dirty="0">
+              <a:solidFill>
+                <a:schemeClr val="tx1">
+                  <a:lumMod val="65000"/>
+                  <a:lumOff val="35000"/>
+                </a:schemeClr>
+              </a:solidFill>
+              <a:cs typeface="+mn-ea"/>
+              <a:sym typeface="+mn-lt"/>
+            </a:endParaRPr>
+          </a:p>
+        </p:txBody>
+      </p:sp>
+      <p:sp>
+        <p:nvSpPr>
+          <p:cNvPr id="9" name="文本框 10"/>
+          <p:cNvSpPr txBox="1"/>
+          <p:nvPr/>
+        </p:nvSpPr>
+        <p:spPr>
+          <a:xfrm>
+            <a:off x="1259632" y="3766269"/>
+            <a:ext cx="2808312" cy="461665"/>
+          </a:xfrm>
+          <a:prstGeom prst="rect">
+            <a:avLst/>
+          </a:prstGeom>
+          <a:noFill/>
+        </p:spPr>
+        <p:txBody>
+          <a:bodyPr wrap="square" rtlCol="0" anchor="ctr" anchorCtr="1">
+            <a:spAutoFit/>
+            <a:scene3d>
+              <a:camera prst="orthographicFront"/>
+              <a:lightRig rig="threePt" dir="t"/>
+            </a:scene3d>
+            <a:sp3d contourW="12700"/>
+          </a:bodyPr>
+          <a:lstStyle/>
+          <a:p>
+            <a:pPr algn="ctr"/>
+            <a:r>
+              <a:rPr lang="zh-CN" altLang="en-US" sz="2400" dirty="0" smtClean="0"/>
+              <a:t>适用场景</a:t>
+            </a:r>
+            <a:r>
+              <a:rPr lang="en-US" altLang="zh-CN" sz="2400" dirty="0" smtClean="0"/>
+              <a:t>&amp;</a:t>
+            </a:r>
+            <a:r>
+              <a:rPr lang="zh-CN" altLang="en-US" sz="2400" dirty="0" smtClean="0"/>
+              <a:t>比较</a:t>
+            </a:r>
+            <a:endParaRPr lang="zh-CN" altLang="en-US" sz="2400" b="1" dirty="0">
+              <a:solidFill>
+                <a:schemeClr val="tx1">
+                  <a:lumMod val="65000"/>
+                  <a:lumOff val="35000"/>
+                </a:schemeClr>
+              </a:solidFill>
+              <a:cs typeface="+mn-ea"/>
+              <a:sym typeface="+mn-lt"/>
+            </a:endParaRPr>
+          </a:p>
+        </p:txBody>
+      </p:sp>
+      <p:sp>
+        <p:nvSpPr>
+          <p:cNvPr id="10" name="文本框 10"/>
+          <p:cNvSpPr txBox="1"/>
+          <p:nvPr/>
+        </p:nvSpPr>
+        <p:spPr>
+          <a:xfrm>
+            <a:off x="1259632" y="2639980"/>
+            <a:ext cx="1966383" cy="461665"/>
+          </a:xfrm>
+          <a:prstGeom prst="rect">
+            <a:avLst/>
+          </a:prstGeom>
+          <a:noFill/>
+        </p:spPr>
+        <p:txBody>
+          <a:bodyPr wrap="square" rtlCol="0" anchor="ctr" anchorCtr="1">
+            <a:spAutoFit/>
+            <a:scene3d>
+              <a:camera prst="orthographicFront"/>
+              <a:lightRig rig="threePt" dir="t"/>
+            </a:scene3d>
+            <a:sp3d contourW="12700"/>
+          </a:bodyPr>
+          <a:lstStyle/>
+          <a:p>
+            <a:pPr algn="ctr"/>
+            <a:r>
+              <a:rPr lang="zh-CN" altLang="en-US" sz="2400" dirty="0" smtClean="0"/>
+              <a:t>使用</a:t>
+            </a:r>
+            <a:r>
+              <a:rPr lang="zh-CN" altLang="en-US" sz="2400" dirty="0"/>
+              <a:t>方法</a:t>
+            </a:r>
+            <a:endParaRPr lang="zh-CN" altLang="en-US" sz="2400" dirty="0">
+              <a:solidFill>
+                <a:srgbClr val="646450"/>
+              </a:solidFill>
+              <a:latin typeface="+mj-ea"/>
+            </a:endParaRPr>
+          </a:p>
+        </p:txBody>
+      </p:sp>
+      <p:sp>
+        <p:nvSpPr>
+          <p:cNvPr id="12" name="文本框 10"/>
+          <p:cNvSpPr txBox="1"/>
+          <p:nvPr/>
+        </p:nvSpPr>
+        <p:spPr>
+          <a:xfrm>
+            <a:off x="1259632" y="615716"/>
+            <a:ext cx="1368152" cy="461665"/>
+          </a:xfrm>
+          <a:prstGeom prst="rect">
+            <a:avLst/>
+          </a:prstGeom>
+          <a:noFill/>
+        </p:spPr>
+        <p:txBody>
+          <a:bodyPr wrap="square" rtlCol="0" anchor="ctr" anchorCtr="1">
+            <a:spAutoFit/>
+            <a:scene3d>
+              <a:camera prst="orthographicFront"/>
+              <a:lightRig rig="threePt" dir="t"/>
+            </a:scene3d>
+            <a:sp3d contourW="12700"/>
+          </a:bodyPr>
+          <a:lstStyle/>
+          <a:p>
+            <a:pPr algn="ctr"/>
+            <a:r>
+              <a:rPr lang="zh-CN" altLang="en-US" sz="2400" dirty="0"/>
+              <a:t>引</a:t>
+            </a:r>
+            <a:r>
+              <a:rPr lang="zh-CN" altLang="en-US" sz="2400" dirty="0" smtClean="0"/>
+              <a:t>言</a:t>
+            </a:r>
+            <a:endParaRPr lang="zh-CN" altLang="en-US" sz="2400" dirty="0">
+              <a:solidFill>
+                <a:srgbClr val="646450"/>
+              </a:solidFill>
+              <a:latin typeface="+mj-ea"/>
+            </a:endParaRPr>
+          </a:p>
+        </p:txBody>
+      </p:sp>
+    </p:spTree>
+    <p:extLst>
+      <p:ext uri="{BB962C8B-B14F-4D97-AF65-F5344CB8AC3E}">
+        <p14:creationId xmlns:p14="http://schemas.microsoft.com/office/powerpoint/2010/main" val="3961825641"/>
+      </p:ext>
+    </p:extLst>
+  </p:cSld>
+  <p:clrMapOvr>
+    <a:masterClrMapping/>
+  </p:clrMapOvr>
+  <p:timing>
+    <p:tnLst>
+      <p:par>
+        <p:cTn id="1" dur="indefinite" restart="never" nodeType="tmRoot"/>
+      </p:par>
+    </p:tnLst>
+  </p:timing>
+</p:sld>
+</file>
+
+<file path=ppt/slides/slide3.xml><?xml version="1.0" encoding="utf-8"?>
+<p:sld xmlns:a="http://schemas.openxmlformats.org/drawingml/2006/main" xmlns:r="http://schemas.openxmlformats.org/officeDocument/2006/relationships" xmlns:p="http://schemas.openxmlformats.org/presentationml/2006/main">
+  <p:cSld>
+    <p:spTree>
+      <p:nvGrpSpPr>
+        <p:cNvPr id="1" name=""/>
+        <p:cNvGrpSpPr/>
+        <p:nvPr/>
+      </p:nvGrpSpPr>
+      <p:grpSpPr>
+        <a:xfrm>
+          <a:off x="0" y="0"/>
+          <a:ext cx="0" cy="0"/>
+          <a:chOff x="0" y="0"/>
+          <a:chExt cx="0" cy="0"/>
+        </a:xfrm>
+      </p:grpSpPr>
+      <p:sp>
+        <p:nvSpPr>
+          <p:cNvPr id="4" name="AutoShape 3"/>
+          <p:cNvSpPr>
+            <a:spLocks noChangeAspect="1" noChangeArrowheads="1" noTextEdit="1"/>
+          </p:cNvSpPr>
+          <p:nvPr/>
+        </p:nvSpPr>
+        <p:spPr bwMode="auto">
+          <a:xfrm>
+            <a:off x="-92392" y="-75565"/>
+            <a:ext cx="12188825" cy="6858000"/>
+          </a:xfrm>
+          <a:prstGeom prst="rect">
+            <a:avLst/>
+          </a:prstGeom>
+          <a:noFill/>
+          <a:ln>
+            <a:noFill/>
+          </a:ln>
+          <a:extLst>
+            <a:ext uri="{909E8E84-426E-40DD-AFC4-6F175D3DCCD1}">
+              <a14:hiddenFill xmlns:a14="http://schemas.microsoft.com/office/drawing/2010/main">
+                <a:solidFill>
+                  <a:srgbClr val="FFFFFF"/>
+                </a:solidFill>
+              </a14:hiddenFill>
+            </a:ext>
+            <a:ext uri="{91240B29-F687-4F45-9708-019B960494DF}">
+              <a14:hiddenLine xmlns:a14="http://schemas.microsoft.com/office/drawing/2010/main" w="9525">
+                <a:solidFill>
+                  <a:srgbClr val="000000"/>
+                </a:solidFill>
+                <a:miter lim="800000"/>
+                <a:headEnd/>
+                <a:tailEnd/>
+              </a14:hiddenLine>
+            </a:ext>
+          </a:extLst>
+        </p:spPr>
+        <p:txBody>
+          <a:bodyPr vert="horz" wrap="square" lIns="91440" tIns="45720" rIns="91440" bIns="45720" numCol="1" anchor="t" anchorCtr="0" compatLnSpc="1"/>
+          <a:lstStyle/>
+          <a:p>
+            <a:endParaRPr lang="zh-CN" altLang="en-US" dirty="0">
+              <a:cs typeface="+mn-ea"/>
+              <a:sym typeface="+mn-lt"/>
+            </a:endParaRPr>
+          </a:p>
+        </p:txBody>
+      </p:sp>
+      <p:sp>
+        <p:nvSpPr>
+          <p:cNvPr id="5" name="AutoShape 3"/>
+          <p:cNvSpPr>
+            <a:spLocks noChangeAspect="1" noChangeArrowheads="1" noTextEdit="1"/>
+          </p:cNvSpPr>
+          <p:nvPr/>
+        </p:nvSpPr>
+        <p:spPr bwMode="auto">
+          <a:xfrm>
+            <a:off x="34608" y="51435"/>
+            <a:ext cx="12188825" cy="6858000"/>
+          </a:xfrm>
+          <a:prstGeom prst="rect">
+            <a:avLst/>
+          </a:prstGeom>
+          <a:noFill/>
+          <a:ln>
+            <a:noFill/>
+          </a:ln>
+          <a:extLst>
+            <a:ext uri="{909E8E84-426E-40DD-AFC4-6F175D3DCCD1}">
+              <a14:hiddenFill xmlns:a14="http://schemas.microsoft.com/office/drawing/2010/main">
+                <a:solidFill>
+                  <a:srgbClr val="FFFFFF"/>
+                </a:solidFill>
+              </a14:hiddenFill>
+            </a:ext>
+            <a:ext uri="{91240B29-F687-4F45-9708-019B960494DF}">
+              <a14:hiddenLine xmlns:a14="http://schemas.microsoft.com/office/drawing/2010/main" w="9525">
+                <a:solidFill>
+                  <a:srgbClr val="000000"/>
+                </a:solidFill>
+                <a:miter lim="800000"/>
+                <a:headEnd/>
+                <a:tailEnd/>
+              </a14:hiddenLine>
+            </a:ext>
+          </a:extLst>
+        </p:spPr>
+        <p:txBody>
+          <a:bodyPr vert="horz" wrap="square" lIns="91440" tIns="45720" rIns="91440" bIns="45720" numCol="1" anchor="t" anchorCtr="0" compatLnSpc="1"/>
+          <a:lstStyle/>
+          <a:p>
+            <a:endParaRPr lang="zh-CN" altLang="en-US" dirty="0">
+              <a:cs typeface="+mn-ea"/>
+              <a:sym typeface="+mn-lt"/>
+            </a:endParaRPr>
+          </a:p>
+        </p:txBody>
+      </p:sp>
       <p:pic>
         <p:nvPicPr>
           <p:cNvPr id="6" name="Picture 5"/>
@@ -3591,8 +4095,8 @@
         </p:nvSpPr>
         <p:spPr>
           <a:xfrm>
-            <a:off x="1259632" y="1305076"/>
-            <a:ext cx="1944216" cy="461665"/>
+            <a:off x="899592" y="387340"/>
+            <a:ext cx="1368152" cy="461665"/>
           </a:xfrm>
           <a:prstGeom prst="rect">
             <a:avLst/>
@@ -3610,11 +4114,88 @@
           </a:bodyPr>
           <a:lstStyle/>
           <a:p>
+            <a:pPr algn="ctr"/>
             <a:r>
               <a:rPr lang="zh-CN" altLang="en-US" sz="2400" dirty="0" smtClean="0"/>
-              <a:t>一 设计目的</a:t>
-            </a:r>
-            <a:endParaRPr lang="zh-CN" altLang="en-US" sz="2400" b="1" dirty="0">
+              <a:t>引言</a:t>
+            </a:r>
+            <a:endParaRPr lang="zh-CN" altLang="en-US" sz="2400" dirty="0">
+              <a:solidFill>
+                <a:srgbClr val="646450"/>
+              </a:solidFill>
+              <a:latin typeface="+mj-ea"/>
+            </a:endParaRPr>
+          </a:p>
+        </p:txBody>
+      </p:sp>
+      <p:pic>
+        <p:nvPicPr>
+          <p:cNvPr id="12" name="图片 11"/>
+          <p:cNvPicPr/>
+          <p:nvPr/>
+        </p:nvPicPr>
+        <p:blipFill>
+          <a:blip r:embed="rId4" cstate="print">
+            <a:extLst>
+              <a:ext uri="{28A0092B-C50C-407E-A947-70E740481C1C}">
+                <a14:useLocalDpi xmlns:a14="http://schemas.microsoft.com/office/drawing/2010/main" val="0"/>
+              </a:ext>
+            </a:extLst>
+          </a:blip>
+          <a:stretch>
+            <a:fillRect/>
+          </a:stretch>
+        </p:blipFill>
+        <p:spPr>
+          <a:xfrm>
+            <a:off x="3563888" y="849005"/>
+            <a:ext cx="5275587" cy="3960440"/>
+          </a:xfrm>
+          <a:prstGeom prst="rect">
+            <a:avLst/>
+          </a:prstGeom>
+        </p:spPr>
+      </p:pic>
+      <p:sp>
+        <p:nvSpPr>
+          <p:cNvPr id="13" name="文本框 10"/>
+          <p:cNvSpPr txBox="1"/>
+          <p:nvPr/>
+        </p:nvSpPr>
+        <p:spPr>
+          <a:xfrm>
+            <a:off x="742599" y="1149777"/>
+            <a:ext cx="2664296" cy="461665"/>
+          </a:xfrm>
+          <a:prstGeom prst="rect">
+            <a:avLst/>
+          </a:prstGeom>
+          <a:noFill/>
+        </p:spPr>
+        <p:txBody>
+          <a:bodyPr wrap="square" rtlCol="0" anchor="ctr" anchorCtr="1">
+            <a:spAutoFit/>
+            <a:scene3d>
+              <a:camera prst="orthographicFront"/>
+              <a:lightRig rig="threePt" dir="t"/>
+            </a:scene3d>
+            <a:sp3d contourW="12700"/>
+          </a:bodyPr>
+          <a:lstStyle/>
+          <a:p>
+            <a:r>
+              <a:rPr lang="en-US" altLang="zh-CN" sz="1200" dirty="0" smtClean="0">
+                <a:sym typeface="+mn-lt"/>
+              </a:rPr>
+              <a:t>1.</a:t>
+            </a:r>
+            <a:r>
+              <a:rPr lang="zh-CN" altLang="en-US" sz="1200" dirty="0" smtClean="0">
+                <a:sym typeface="+mn-lt"/>
+              </a:rPr>
+              <a:t>在某一时间内，遇上大流量如何保证我们的服务能正常运行？</a:t>
+            </a:r>
+            <a:endParaRPr lang="zh-CN" altLang="en-US" sz="1200" b="1" dirty="0">
               <a:solidFill>
                 <a:schemeClr val="tx1">
                   <a:lumMod val="65000"/>
@@ -3629,14 +4210,14 @@
       </p:sp>
       <p:sp>
         <p:nvSpPr>
-          <p:cNvPr id="9" name="文本框 10"/>
+          <p:cNvPr id="14" name="文本框 10"/>
           <p:cNvSpPr txBox="1"/>
           <p:nvPr/>
         </p:nvSpPr>
         <p:spPr>
           <a:xfrm>
-            <a:off x="1259632" y="3557653"/>
-            <a:ext cx="2808312" cy="461665"/>
+            <a:off x="728695" y="2352360"/>
+            <a:ext cx="2574042" cy="461665"/>
           </a:xfrm>
           <a:prstGeom prst="rect">
             <a:avLst/>
@@ -3654,20 +4235,19 @@
           </a:bodyPr>
           <a:lstStyle/>
           <a:p>
-            <a:pPr algn="ctr"/>
-            <a:r>
-              <a:rPr lang="zh-CN" altLang="en-US" sz="2400" dirty="0" smtClean="0"/>
-              <a:t>三 适用场景</a:t>
-            </a:r>
-            <a:r>
-              <a:rPr lang="en-US" altLang="zh-CN" sz="2400" dirty="0" smtClean="0"/>
-              <a:t>&amp;</a:t>
-            </a:r>
-            <a:r>
-              <a:rPr lang="zh-CN" altLang="en-US" sz="2400" dirty="0" smtClean="0"/>
-              <a:t>比较</a:t>
-            </a:r>
-            <a:endParaRPr lang="zh-CN" altLang="en-US" sz="2400" b="1" dirty="0">
+            <a:r>
+              <a:rPr lang="en-US" altLang="zh-CN" sz="1200" dirty="0" smtClean="0">
+                <a:sym typeface="+mn-lt"/>
+              </a:rPr>
+              <a:t>2.</a:t>
+            </a:r>
+            <a:r>
+              <a:rPr lang="zh-CN" altLang="en-US" sz="1200" dirty="0" smtClean="0">
+                <a:sym typeface="+mn-lt"/>
+              </a:rPr>
+              <a:t>当服务不可用时，我们正常会怎么操作？</a:t>
+            </a:r>
+            <a:endParaRPr lang="zh-CN" altLang="en-US" sz="1200" b="1" dirty="0">
               <a:solidFill>
                 <a:schemeClr val="tx1">
                   <a:lumMod val="65000"/>
@@ -3682,14 +4262,14 @@
       </p:sp>
       <p:sp>
         <p:nvSpPr>
-          <p:cNvPr id="10" name="文本框 10"/>
+          <p:cNvPr id="15" name="文本框 10"/>
           <p:cNvSpPr txBox="1"/>
           <p:nvPr/>
         </p:nvSpPr>
         <p:spPr>
           <a:xfrm>
-            <a:off x="1259632" y="2431364"/>
-            <a:ext cx="1966383" cy="461665"/>
+            <a:off x="737008" y="3744203"/>
+            <a:ext cx="2565729" cy="276999"/>
           </a:xfrm>
           <a:prstGeom prst="rect">
             <a:avLst/>
@@ -3707,28 +4287,27 @@
           </a:bodyPr>
           <a:lstStyle/>
           <a:p>
-            <a:pPr algn="ctr"/>
-            <a:r>
-              <a:rPr lang="zh-CN" altLang="en-US" sz="2400" dirty="0" smtClean="0"/>
-              <a:t>二</a:t>
-            </a:r>
-            <a:r>
-              <a:rPr lang="en-US" altLang="zh-CN" sz="2400" dirty="0"/>
-              <a:t> </a:t>
-            </a:r>
-            <a:r>
-              <a:rPr lang="zh-CN" altLang="en-US" sz="2400" dirty="0" smtClean="0"/>
-              <a:t>使用</a:t>
-            </a:r>
-            <a:r>
-              <a:rPr lang="zh-CN" altLang="en-US" sz="2400" dirty="0"/>
-              <a:t>方法</a:t>
-            </a:r>
-            <a:endParaRPr lang="zh-CN" altLang="en-US" sz="2400" dirty="0">
+            <a:r>
+              <a:rPr lang="en-US" altLang="zh-CN" sz="1200" dirty="0" smtClean="0">
+                <a:sym typeface="+mn-lt"/>
+              </a:rPr>
+              <a:t>3.</a:t>
+            </a:r>
+            <a:r>
+              <a:rPr lang="zh-CN" altLang="en-US" sz="1200" dirty="0" smtClean="0">
+                <a:sym typeface="+mn-lt"/>
+              </a:rPr>
+              <a:t>如何知晓大流量接口的实时状态</a:t>
+            </a:r>
+            <a:endParaRPr lang="zh-CN" altLang="en-US" sz="1200" b="1" dirty="0">
               <a:solidFill>
-                <a:srgbClr val="646450"/>
+                <a:schemeClr val="tx1">
+                  <a:lumMod val="65000"/>
+                  <a:lumOff val="35000"/>
+                </a:schemeClr>
               </a:solidFill>
-              <a:latin typeface="+mj-ea"/>
+              <a:cs typeface="+mn-ea"/>
+              <a:sym typeface="+mn-lt"/>
             </a:endParaRPr>
           </a:p>
         </p:txBody>
@@ -3736,7 +4315,7 @@
     </p:spTree>
     <p:extLst>
       <p:ext uri="{BB962C8B-B14F-4D97-AF65-F5344CB8AC3E}">
-        <p14:creationId xmlns:p14="http://schemas.microsoft.com/office/powerpoint/2010/main" val="3961825641"/>
+        <p14:creationId xmlns:p14="http://schemas.microsoft.com/office/powerpoint/2010/main" val="4208113307"/>
       </p:ext>
     </p:extLst>
   </p:cSld>
@@ -3755,9 +4334,6 @@
                     <p:cTn id="3" fill="hold">
                       <p:stCondLst>
                         <p:cond delay="indefinite"/>
-                        <p:cond evt="onBegin" delay="0">
-                          <p:tn val="2"/>
-                        </p:cond>
                       </p:stCondLst>
                       <p:childTnLst>
                         <p:par>
@@ -3767,7 +4343,7 @@
                             </p:stCondLst>
                             <p:childTnLst>
                               <p:par>
-                                <p:cTn id="5" presetID="22" presetClass="entr" presetSubtype="8" fill="hold" grpId="0" nodeType="afterEffect">
+                                <p:cTn id="5" presetID="22" presetClass="entr" presetSubtype="4" fill="hold" nodeType="clickEffect">
                                   <p:stCondLst>
                                     <p:cond delay="0"/>
                                   </p:stCondLst>
@@ -3780,7 +4356,7 @@
                                           </p:stCondLst>
                                         </p:cTn>
                                         <p:tgtEl>
-                                          <p:spTgt spid="11"/>
+                                          <p:spTgt spid="12"/>
                                         </p:tgtEl>
                                         <p:attrNameLst>
                                           <p:attrName>style.visibility</p:attrName>
@@ -3790,99 +4366,11 @@
                                         <p:strVal val="visible"/>
                                       </p:to>
                                     </p:set>
-                                    <p:animEffect transition="in" filter="wipe(left)">
+                                    <p:animEffect transition="in" filter="wipe(down)">
                                       <p:cBhvr>
                                         <p:cTn id="7" dur="500"/>
                                         <p:tgtEl>
-                                          <p:spTgt spid="11"/>
-                                        </p:tgtEl>
-                                      </p:cBhvr>
-                                    </p:animEffect>
-                                  </p:childTnLst>
-                                </p:cTn>
-                              </p:par>
-                            </p:childTnLst>
-                          </p:cTn>
-                        </p:par>
-                        <p:par>
-                          <p:cTn id="8" fill="hold">
-                            <p:stCondLst>
-                              <p:cond delay="500"/>
-                            </p:stCondLst>
-                            <p:childTnLst>
-                              <p:par>
-                                <p:cTn id="9" presetID="22" presetClass="entr" presetSubtype="8" fill="hold" grpId="0" nodeType="afterEffect">
-                                  <p:stCondLst>
-                                    <p:cond delay="0"/>
-                                  </p:stCondLst>
-                                  <p:childTnLst>
-                                    <p:set>
-                                      <p:cBhvr>
-                                        <p:cTn id="10" dur="1" fill="hold">
-                                          <p:stCondLst>
-                                            <p:cond delay="0"/>
-                                          </p:stCondLst>
-                                        </p:cTn>
-                                        <p:tgtEl>
-                                          <p:spTgt spid="9"/>
-                                        </p:tgtEl>
-                                        <p:attrNameLst>
-                                          <p:attrName>style.visibility</p:attrName>
-                                        </p:attrNameLst>
-                                      </p:cBhvr>
-                                      <p:to>
-                                        <p:strVal val="visible"/>
-                                      </p:to>
-                                    </p:set>
-                                    <p:animEffect transition="in" filter="wipe(left)">
-                                      <p:cBhvr>
-                                        <p:cTn id="11" dur="500"/>
-                                        <p:tgtEl>
-                                          <p:spTgt spid="9"/>
-                                        </p:tgtEl>
-                                      </p:cBhvr>
-                                    </p:animEffect>
-                                  </p:childTnLst>
-                                </p:cTn>
-                              </p:par>
-                            </p:childTnLst>
-                          </p:cTn>
-                        </p:par>
-                        <p:par>
-                          <p:cTn id="12" fill="hold">
-                            <p:stCondLst>
-                              <p:cond delay="1000"/>
-                            </p:stCondLst>
-                            <p:childTnLst>
-                              <p:par>
-                                <p:cTn id="13" presetID="22" presetClass="entr" presetSubtype="8" fill="hold" grpId="0" nodeType="afterEffect">
-                                  <p:stCondLst>
-                                    <p:cond delay="0"/>
-                                  </p:stCondLst>
-                                  <p:childTnLst>
-                                    <p:set>
-                                      <p:cBhvr>
-                                        <p:cTn id="14" dur="1" fill="hold">
-                                          <p:stCondLst>
-                                            <p:cond delay="0"/>
-                                          </p:stCondLst>
-                                        </p:cTn>
-                                        <p:tgtEl>
-                                          <p:spTgt spid="10"/>
-                                        </p:tgtEl>
-                                        <p:attrNameLst>
-                                          <p:attrName>style.visibility</p:attrName>
-                                        </p:attrNameLst>
-                                      </p:cBhvr>
-                                      <p:to>
-                                        <p:strVal val="visible"/>
-                                      </p:to>
-                                    </p:set>
-                                    <p:animEffect transition="in" filter="wipe(left)">
-                                      <p:cBhvr>
-                                        <p:cTn id="15" dur="500"/>
-                                        <p:tgtEl>
-                                          <p:spTgt spid="10"/>
+                                          <p:spTgt spid="12"/>
                                         </p:tgtEl>
                                       </p:cBhvr>
                                     </p:animEffect>
@@ -3916,16 +4404,11 @@
         </p:cTn>
       </p:par>
     </p:tnLst>
-    <p:bldLst>
-      <p:bldP spid="11" grpId="0"/>
-      <p:bldP spid="9" grpId="0"/>
-      <p:bldP spid="10" grpId="0"/>
-    </p:bldLst>
   </p:timing>
 </p:sld>
 </file>
 
-<file path=ppt/slides/slide3.xml><?xml version="1.0" encoding="utf-8"?>
+<file path=ppt/slides/slide4.xml><?xml version="1.0" encoding="utf-8"?>
 <p:sld xmlns:a="http://schemas.openxmlformats.org/drawingml/2006/main" xmlns:r="http://schemas.openxmlformats.org/officeDocument/2006/relationships" xmlns:p="http://schemas.openxmlformats.org/presentationml/2006/main">
   <p:cSld>
     <p:spTree>
@@ -4513,96 +4996,14 @@
   <p:timing>
     <p:tnLst>
       <p:par>
-        <p:cTn id="1" dur="indefinite" restart="never" nodeType="tmRoot">
-          <p:childTnLst>
-            <p:seq concurrent="1" nextAc="seek">
-              <p:cTn id="2" dur="indefinite" nodeType="mainSeq">
-                <p:childTnLst>
-                  <p:par>
-                    <p:cTn id="3" fill="hold">
-                      <p:stCondLst>
-                        <p:cond delay="indefinite"/>
-                        <p:cond evt="onBegin" delay="0">
-                          <p:tn val="2"/>
-                        </p:cond>
-                      </p:stCondLst>
-                      <p:childTnLst>
-                        <p:par>
-                          <p:cTn id="4" fill="hold">
-                            <p:stCondLst>
-                              <p:cond delay="0"/>
-                            </p:stCondLst>
-                            <p:childTnLst>
-                              <p:par>
-                                <p:cTn id="5" presetID="22" presetClass="entr" presetSubtype="8" fill="hold" grpId="0" nodeType="afterEffect">
-                                  <p:stCondLst>
-                                    <p:cond delay="0"/>
-                                  </p:stCondLst>
-                                  <p:childTnLst>
-                                    <p:set>
-                                      <p:cBhvr>
-                                        <p:cTn id="6" dur="1" fill="hold">
-                                          <p:stCondLst>
-                                            <p:cond delay="0"/>
-                                          </p:stCondLst>
-                                        </p:cTn>
-                                        <p:tgtEl>
-                                          <p:spTgt spid="11"/>
-                                        </p:tgtEl>
-                                        <p:attrNameLst>
-                                          <p:attrName>style.visibility</p:attrName>
-                                        </p:attrNameLst>
-                                      </p:cBhvr>
-                                      <p:to>
-                                        <p:strVal val="visible"/>
-                                      </p:to>
-                                    </p:set>
-                                    <p:animEffect transition="in" filter="wipe(left)">
-                                      <p:cBhvr>
-                                        <p:cTn id="7" dur="500"/>
-                                        <p:tgtEl>
-                                          <p:spTgt spid="11"/>
-                                        </p:tgtEl>
-                                      </p:cBhvr>
-                                    </p:animEffect>
-                                  </p:childTnLst>
-                                </p:cTn>
-                              </p:par>
-                            </p:childTnLst>
-                          </p:cTn>
-                        </p:par>
-                      </p:childTnLst>
-                    </p:cTn>
-                  </p:par>
-                </p:childTnLst>
-              </p:cTn>
-              <p:prevCondLst>
-                <p:cond evt="onPrev" delay="0">
-                  <p:tgtEl>
-                    <p:sldTgt/>
-                  </p:tgtEl>
-                </p:cond>
-              </p:prevCondLst>
-              <p:nextCondLst>
-                <p:cond evt="onNext" delay="0">
-                  <p:tgtEl>
-                    <p:sldTgt/>
-                  </p:tgtEl>
-                </p:cond>
-              </p:nextCondLst>
-            </p:seq>
-          </p:childTnLst>
-        </p:cTn>
+        <p:cTn id="1" dur="indefinite" restart="never" nodeType="tmRoot"/>
       </p:par>
     </p:tnLst>
-    <p:bldLst>
-      <p:bldP spid="11" grpId="0"/>
-    </p:bldLst>
   </p:timing>
 </p:sld>
 </file>
 
-<file path=ppt/slides/slide4.xml><?xml version="1.0" encoding="utf-8"?>
+<file path=ppt/slides/slide5.xml><?xml version="1.0" encoding="utf-8"?>
 <p:sld xmlns:a="http://schemas.openxmlformats.org/drawingml/2006/main" xmlns:r="http://schemas.openxmlformats.org/officeDocument/2006/relationships" xmlns:p="http://schemas.openxmlformats.org/presentationml/2006/main">
   <p:cSld>
     <p:spTree>
@@ -5095,1130 +5496,6 @@
     <p:extLst>
       <p:ext uri="{BB962C8B-B14F-4D97-AF65-F5344CB8AC3E}">
         <p14:creationId xmlns:p14="http://schemas.microsoft.com/office/powerpoint/2010/main" val="818032740"/>
-      </p:ext>
-    </p:extLst>
-  </p:cSld>
-  <p:clrMapOvr>
-    <a:masterClrMapping/>
-  </p:clrMapOvr>
-  <p:timing>
-    <p:tnLst>
-      <p:par>
-        <p:cTn id="1" dur="indefinite" restart="never" nodeType="tmRoot">
-          <p:childTnLst>
-            <p:seq concurrent="1" nextAc="seek">
-              <p:cTn id="2" dur="indefinite" nodeType="mainSeq">
-                <p:childTnLst>
-                  <p:par>
-                    <p:cTn id="3" fill="hold">
-                      <p:stCondLst>
-                        <p:cond delay="indefinite"/>
-                        <p:cond evt="onBegin" delay="0">
-                          <p:tn val="2"/>
-                        </p:cond>
-                      </p:stCondLst>
-                      <p:childTnLst>
-                        <p:par>
-                          <p:cTn id="4" fill="hold">
-                            <p:stCondLst>
-                              <p:cond delay="0"/>
-                            </p:stCondLst>
-                            <p:childTnLst>
-                              <p:par>
-                                <p:cTn id="5" presetID="22" presetClass="entr" presetSubtype="8" fill="hold" grpId="0" nodeType="afterEffect">
-                                  <p:stCondLst>
-                                    <p:cond delay="0"/>
-                                  </p:stCondLst>
-                                  <p:childTnLst>
-                                    <p:set>
-                                      <p:cBhvr>
-                                        <p:cTn id="6" dur="1" fill="hold">
-                                          <p:stCondLst>
-                                            <p:cond delay="0"/>
-                                          </p:stCondLst>
-                                        </p:cTn>
-                                        <p:tgtEl>
-                                          <p:spTgt spid="11"/>
-                                        </p:tgtEl>
-                                        <p:attrNameLst>
-                                          <p:attrName>style.visibility</p:attrName>
-                                        </p:attrNameLst>
-                                      </p:cBhvr>
-                                      <p:to>
-                                        <p:strVal val="visible"/>
-                                      </p:to>
-                                    </p:set>
-                                    <p:animEffect transition="in" filter="wipe(left)">
-                                      <p:cBhvr>
-                                        <p:cTn id="7" dur="500"/>
-                                        <p:tgtEl>
-                                          <p:spTgt spid="11"/>
-                                        </p:tgtEl>
-                                      </p:cBhvr>
-                                    </p:animEffect>
-                                  </p:childTnLst>
-                                </p:cTn>
-                              </p:par>
-                            </p:childTnLst>
-                          </p:cTn>
-                        </p:par>
-                        <p:par>
-                          <p:cTn id="8" fill="hold">
-                            <p:stCondLst>
-                              <p:cond delay="500"/>
-                            </p:stCondLst>
-                            <p:childTnLst>
-                              <p:par>
-                                <p:cTn id="9" presetID="22" presetClass="entr" presetSubtype="8" fill="hold" grpId="0" nodeType="afterEffect">
-                                  <p:stCondLst>
-                                    <p:cond delay="0"/>
-                                  </p:stCondLst>
-                                  <p:childTnLst>
-                                    <p:set>
-                                      <p:cBhvr>
-                                        <p:cTn id="10" dur="1" fill="hold">
-                                          <p:stCondLst>
-                                            <p:cond delay="0"/>
-                                          </p:stCondLst>
-                                        </p:cTn>
-                                        <p:tgtEl>
-                                          <p:spTgt spid="9"/>
-                                        </p:tgtEl>
-                                        <p:attrNameLst>
-                                          <p:attrName>style.visibility</p:attrName>
-                                        </p:attrNameLst>
-                                      </p:cBhvr>
-                                      <p:to>
-                                        <p:strVal val="visible"/>
-                                      </p:to>
-                                    </p:set>
-                                    <p:animEffect transition="in" filter="wipe(left)">
-                                      <p:cBhvr>
-                                        <p:cTn id="11" dur="500"/>
-                                        <p:tgtEl>
-                                          <p:spTgt spid="9"/>
-                                        </p:tgtEl>
-                                      </p:cBhvr>
-                                    </p:animEffect>
-                                  </p:childTnLst>
-                                </p:cTn>
-                              </p:par>
-                            </p:childTnLst>
-                          </p:cTn>
-                        </p:par>
-                        <p:par>
-                          <p:cTn id="12" fill="hold">
-                            <p:stCondLst>
-                              <p:cond delay="1000"/>
-                            </p:stCondLst>
-                            <p:childTnLst>
-                              <p:par>
-                                <p:cTn id="13" presetID="22" presetClass="entr" presetSubtype="8" fill="hold" grpId="0" nodeType="afterEffect">
-                                  <p:stCondLst>
-                                    <p:cond delay="0"/>
-                                  </p:stCondLst>
-                                  <p:childTnLst>
-                                    <p:set>
-                                      <p:cBhvr>
-                                        <p:cTn id="14" dur="1" fill="hold">
-                                          <p:stCondLst>
-                                            <p:cond delay="0"/>
-                                          </p:stCondLst>
-                                        </p:cTn>
-                                        <p:tgtEl>
-                                          <p:spTgt spid="15"/>
-                                        </p:tgtEl>
-                                        <p:attrNameLst>
-                                          <p:attrName>style.visibility</p:attrName>
-                                        </p:attrNameLst>
-                                      </p:cBhvr>
-                                      <p:to>
-                                        <p:strVal val="visible"/>
-                                      </p:to>
-                                    </p:set>
-                                    <p:animEffect transition="in" filter="wipe(left)">
-                                      <p:cBhvr>
-                                        <p:cTn id="15" dur="500"/>
-                                        <p:tgtEl>
-                                          <p:spTgt spid="15"/>
-                                        </p:tgtEl>
-                                      </p:cBhvr>
-                                    </p:animEffect>
-                                  </p:childTnLst>
-                                </p:cTn>
-                              </p:par>
-                            </p:childTnLst>
-                          </p:cTn>
-                        </p:par>
-                        <p:par>
-                          <p:cTn id="16" fill="hold">
-                            <p:stCondLst>
-                              <p:cond delay="1500"/>
-                            </p:stCondLst>
-                            <p:childTnLst>
-                              <p:par>
-                                <p:cTn id="17" presetID="22" presetClass="entr" presetSubtype="8" fill="hold" grpId="0" nodeType="afterEffect">
-                                  <p:stCondLst>
-                                    <p:cond delay="0"/>
-                                  </p:stCondLst>
-                                  <p:childTnLst>
-                                    <p:set>
-                                      <p:cBhvr>
-                                        <p:cTn id="18" dur="1" fill="hold">
-                                          <p:stCondLst>
-                                            <p:cond delay="0"/>
-                                          </p:stCondLst>
-                                        </p:cTn>
-                                        <p:tgtEl>
-                                          <p:spTgt spid="16"/>
-                                        </p:tgtEl>
-                                        <p:attrNameLst>
-                                          <p:attrName>style.visibility</p:attrName>
-                                        </p:attrNameLst>
-                                      </p:cBhvr>
-                                      <p:to>
-                                        <p:strVal val="visible"/>
-                                      </p:to>
-                                    </p:set>
-                                    <p:animEffect transition="in" filter="wipe(left)">
-                                      <p:cBhvr>
-                                        <p:cTn id="19" dur="500"/>
-                                        <p:tgtEl>
-                                          <p:spTgt spid="16"/>
-                                        </p:tgtEl>
-                                      </p:cBhvr>
-                                    </p:animEffect>
-                                  </p:childTnLst>
-                                </p:cTn>
-                              </p:par>
-                            </p:childTnLst>
-                          </p:cTn>
-                        </p:par>
-                      </p:childTnLst>
-                    </p:cTn>
-                  </p:par>
-                </p:childTnLst>
-              </p:cTn>
-              <p:prevCondLst>
-                <p:cond evt="onPrev" delay="0">
-                  <p:tgtEl>
-                    <p:sldTgt/>
-                  </p:tgtEl>
-                </p:cond>
-              </p:prevCondLst>
-              <p:nextCondLst>
-                <p:cond evt="onNext" delay="0">
-                  <p:tgtEl>
-                    <p:sldTgt/>
-                  </p:tgtEl>
-                </p:cond>
-              </p:nextCondLst>
-            </p:seq>
-          </p:childTnLst>
-        </p:cTn>
-      </p:par>
-    </p:tnLst>
-    <p:bldLst>
-      <p:bldP spid="11" grpId="0"/>
-      <p:bldP spid="9" grpId="0"/>
-      <p:bldP spid="15" grpId="0"/>
-      <p:bldP spid="16" grpId="0"/>
-    </p:bldLst>
-  </p:timing>
-</p:sld>
-</file>
-
-<file path=ppt/slides/slide5.xml><?xml version="1.0" encoding="utf-8"?>
-<p:sld xmlns:a="http://schemas.openxmlformats.org/drawingml/2006/main" xmlns:r="http://schemas.openxmlformats.org/officeDocument/2006/relationships" xmlns:p="http://schemas.openxmlformats.org/presentationml/2006/main">
-  <p:cSld>
-    <p:spTree>
-      <p:nvGrpSpPr>
-        <p:cNvPr id="1" name=""/>
-        <p:cNvGrpSpPr/>
-        <p:nvPr/>
-      </p:nvGrpSpPr>
-      <p:grpSpPr>
-        <a:xfrm>
-          <a:off x="0" y="0"/>
-          <a:ext cx="0" cy="0"/>
-          <a:chOff x="0" y="0"/>
-          <a:chExt cx="0" cy="0"/>
-        </a:xfrm>
-      </p:grpSpPr>
-      <p:pic>
-        <p:nvPicPr>
-          <p:cNvPr id="19" name="Picture 3"/>
-          <p:cNvPicPr>
-            <a:picLocks noChangeAspect="1" noChangeArrowheads="1"/>
-          </p:cNvPicPr>
-          <p:nvPr/>
-        </p:nvPicPr>
-        <p:blipFill>
-          <a:blip r:embed="rId2" cstate="print">
-            <a:extLst>
-              <a:ext uri="{28A0092B-C50C-407E-A947-70E740481C1C}">
-                <a14:useLocalDpi xmlns:a14="http://schemas.microsoft.com/office/drawing/2010/main" val="0"/>
-              </a:ext>
-            </a:extLst>
-          </a:blip>
-          <a:srcRect/>
-          <a:stretch>
-            <a:fillRect/>
-          </a:stretch>
-        </p:blipFill>
-        <p:spPr bwMode="auto">
-          <a:xfrm>
-            <a:off x="3275856" y="1635646"/>
-            <a:ext cx="5201784" cy="2808312"/>
-          </a:xfrm>
-          <a:prstGeom prst="rect">
-            <a:avLst/>
-          </a:prstGeom>
-          <a:noFill/>
-          <a:ln>
-            <a:noFill/>
-          </a:ln>
-          <a:extLst>
-            <a:ext uri="{909E8E84-426E-40DD-AFC4-6F175D3DCCD1}">
-              <a14:hiddenFill xmlns:a14="http://schemas.microsoft.com/office/drawing/2010/main">
-                <a:solidFill>
-                  <a:schemeClr val="accent1"/>
-                </a:solidFill>
-              </a14:hiddenFill>
-            </a:ext>
-            <a:ext uri="{91240B29-F687-4F45-9708-019B960494DF}">
-              <a14:hiddenLine xmlns:a14="http://schemas.microsoft.com/office/drawing/2010/main" w="9525">
-                <a:solidFill>
-                  <a:schemeClr val="tx1"/>
-                </a:solidFill>
-                <a:miter lim="800000"/>
-                <a:headEnd/>
-                <a:tailEnd/>
-              </a14:hiddenLine>
-            </a:ext>
-          </a:extLst>
-        </p:spPr>
-      </p:pic>
-      <p:sp>
-        <p:nvSpPr>
-          <p:cNvPr id="20" name="文本框 10"/>
-          <p:cNvSpPr txBox="1"/>
-          <p:nvPr/>
-        </p:nvSpPr>
-        <p:spPr>
-          <a:xfrm>
-            <a:off x="793932" y="696628"/>
-            <a:ext cx="1296144" cy="338554"/>
-          </a:xfrm>
-          <a:prstGeom prst="rect">
-            <a:avLst/>
-          </a:prstGeom>
-          <a:noFill/>
-        </p:spPr>
-        <p:txBody>
-          <a:bodyPr wrap="square" rtlCol="0" anchor="ctr" anchorCtr="1">
-            <a:spAutoFit/>
-            <a:scene3d>
-              <a:camera prst="orthographicFront"/>
-              <a:lightRig rig="threePt" dir="t"/>
-            </a:scene3d>
-            <a:sp3d contourW="12700"/>
-          </a:bodyPr>
-          <a:lstStyle/>
-          <a:p>
-            <a:r>
-              <a:rPr lang="en-US" altLang="zh-CN" sz="1600" dirty="0" smtClean="0"/>
-              <a:t>2.</a:t>
-            </a:r>
-            <a:r>
-              <a:rPr lang="zh-CN" altLang="en-US" sz="1600" dirty="0"/>
-              <a:t>服务</a:t>
-            </a:r>
-            <a:r>
-              <a:rPr lang="zh-CN" altLang="en-US" sz="1600" dirty="0" smtClean="0"/>
-              <a:t>降级</a:t>
-            </a:r>
-            <a:endParaRPr lang="zh-CN" altLang="en-US" sz="1600" dirty="0"/>
-          </a:p>
-        </p:txBody>
-      </p:sp>
-      <p:sp>
-        <p:nvSpPr>
-          <p:cNvPr id="21" name="文本框 10"/>
-          <p:cNvSpPr txBox="1"/>
-          <p:nvPr/>
-        </p:nvSpPr>
-        <p:spPr>
-          <a:xfrm>
-            <a:off x="899592" y="1131590"/>
-            <a:ext cx="7632848" cy="400110"/>
-          </a:xfrm>
-          <a:prstGeom prst="rect">
-            <a:avLst/>
-          </a:prstGeom>
-          <a:noFill/>
-        </p:spPr>
-        <p:txBody>
-          <a:bodyPr wrap="square" rtlCol="0" anchor="ctr" anchorCtr="1">
-            <a:spAutoFit/>
-            <a:scene3d>
-              <a:camera prst="orthographicFront"/>
-              <a:lightRig rig="threePt" dir="t"/>
-            </a:scene3d>
-            <a:sp3d contourW="12700"/>
-          </a:bodyPr>
-          <a:lstStyle/>
-          <a:p>
-            <a:r>
-              <a:rPr lang="zh-CN" altLang="zh-CN" sz="1000" dirty="0">
-                <a:solidFill>
-                  <a:schemeClr val="tx1">
-                    <a:lumMod val="95000"/>
-                    <a:lumOff val="5000"/>
-                  </a:schemeClr>
-                </a:solidFill>
-              </a:rPr>
-              <a:t>服务降级是对服务调用过程的出现的异常的友好封装，当出现异常时，我们不希望直接把异常原样返回，所以当出现异常时我们需要对异常信息进行包装，抛一个友好的信息给前端。</a:t>
-            </a:r>
-            <a:endParaRPr lang="zh-CN" altLang="en-US" sz="1000" dirty="0">
-              <a:solidFill>
-                <a:schemeClr val="tx1">
-                  <a:lumMod val="95000"/>
-                  <a:lumOff val="5000"/>
-                </a:schemeClr>
-              </a:solidFill>
-            </a:endParaRPr>
-          </a:p>
-        </p:txBody>
-      </p:sp>
-      <p:sp>
-        <p:nvSpPr>
-          <p:cNvPr id="22" name="文本框 10"/>
-          <p:cNvSpPr txBox="1"/>
-          <p:nvPr/>
-        </p:nvSpPr>
-        <p:spPr>
-          <a:xfrm>
-            <a:off x="971600" y="2571750"/>
-            <a:ext cx="1787126" cy="276999"/>
-          </a:xfrm>
-          <a:prstGeom prst="rect">
-            <a:avLst/>
-          </a:prstGeom>
-          <a:noFill/>
-        </p:spPr>
-        <p:txBody>
-          <a:bodyPr wrap="square" rtlCol="0" anchor="ctr" anchorCtr="1">
-            <a:spAutoFit/>
-            <a:scene3d>
-              <a:camera prst="orthographicFront"/>
-              <a:lightRig rig="threePt" dir="t"/>
-            </a:scene3d>
-            <a:sp3d contourW="12700"/>
-          </a:bodyPr>
-          <a:lstStyle/>
-          <a:p>
-            <a:r>
-              <a:rPr lang="en-US" altLang="zh-CN" sz="1200" dirty="0" err="1" smtClean="0">
-                <a:solidFill>
-                  <a:schemeClr val="bg1">
-                    <a:lumMod val="50000"/>
-                  </a:schemeClr>
-                </a:solidFill>
-              </a:rPr>
-              <a:t>Fegin</a:t>
-            </a:r>
-            <a:r>
-              <a:rPr lang="zh-CN" altLang="en-US" sz="1200" dirty="0" smtClean="0">
-                <a:solidFill>
-                  <a:schemeClr val="bg1">
-                    <a:lumMod val="50000"/>
-                  </a:schemeClr>
-                </a:solidFill>
-              </a:rPr>
-              <a:t>也支持接口降级</a:t>
-            </a:r>
-            <a:endParaRPr lang="zh-CN" altLang="en-US" sz="1200" dirty="0">
-              <a:solidFill>
-                <a:schemeClr val="bg1">
-                  <a:lumMod val="50000"/>
-                </a:schemeClr>
-              </a:solidFill>
-            </a:endParaRPr>
-          </a:p>
-        </p:txBody>
-      </p:sp>
-    </p:spTree>
-    <p:extLst>
-      <p:ext uri="{BB962C8B-B14F-4D97-AF65-F5344CB8AC3E}">
-        <p14:creationId xmlns:p14="http://schemas.microsoft.com/office/powerpoint/2010/main" val="3123454039"/>
-      </p:ext>
-    </p:extLst>
-  </p:cSld>
-  <p:clrMapOvr>
-    <a:masterClrMapping/>
-  </p:clrMapOvr>
-  <p:timing>
-    <p:tnLst>
-      <p:par>
-        <p:cTn id="1" dur="indefinite" restart="never" nodeType="tmRoot">
-          <p:childTnLst>
-            <p:seq concurrent="1" nextAc="seek">
-              <p:cTn id="2" dur="indefinite" nodeType="mainSeq">
-                <p:childTnLst>
-                  <p:par>
-                    <p:cTn id="3" fill="hold">
-                      <p:stCondLst>
-                        <p:cond delay="indefinite"/>
-                        <p:cond evt="onBegin" delay="0">
-                          <p:tn val="2"/>
-                        </p:cond>
-                      </p:stCondLst>
-                      <p:childTnLst>
-                        <p:par>
-                          <p:cTn id="4" fill="hold">
-                            <p:stCondLst>
-                              <p:cond delay="0"/>
-                            </p:stCondLst>
-                            <p:childTnLst>
-                              <p:par>
-                                <p:cTn id="5" presetID="22" presetClass="entr" presetSubtype="8" fill="hold" grpId="0" nodeType="afterEffect">
-                                  <p:stCondLst>
-                                    <p:cond delay="0"/>
-                                  </p:stCondLst>
-                                  <p:childTnLst>
-                                    <p:set>
-                                      <p:cBhvr>
-                                        <p:cTn id="6" dur="1" fill="hold">
-                                          <p:stCondLst>
-                                            <p:cond delay="0"/>
-                                          </p:stCondLst>
-                                        </p:cTn>
-                                        <p:tgtEl>
-                                          <p:spTgt spid="20"/>
-                                        </p:tgtEl>
-                                        <p:attrNameLst>
-                                          <p:attrName>style.visibility</p:attrName>
-                                        </p:attrNameLst>
-                                      </p:cBhvr>
-                                      <p:to>
-                                        <p:strVal val="visible"/>
-                                      </p:to>
-                                    </p:set>
-                                    <p:animEffect transition="in" filter="wipe(left)">
-                                      <p:cBhvr>
-                                        <p:cTn id="7" dur="500"/>
-                                        <p:tgtEl>
-                                          <p:spTgt spid="20"/>
-                                        </p:tgtEl>
-                                      </p:cBhvr>
-                                    </p:animEffect>
-                                  </p:childTnLst>
-                                </p:cTn>
-                              </p:par>
-                            </p:childTnLst>
-                          </p:cTn>
-                        </p:par>
-                        <p:par>
-                          <p:cTn id="8" fill="hold">
-                            <p:stCondLst>
-                              <p:cond delay="500"/>
-                            </p:stCondLst>
-                            <p:childTnLst>
-                              <p:par>
-                                <p:cTn id="9" presetID="22" presetClass="entr" presetSubtype="8" fill="hold" grpId="0" nodeType="afterEffect">
-                                  <p:stCondLst>
-                                    <p:cond delay="0"/>
-                                  </p:stCondLst>
-                                  <p:childTnLst>
-                                    <p:set>
-                                      <p:cBhvr>
-                                        <p:cTn id="10" dur="1" fill="hold">
-                                          <p:stCondLst>
-                                            <p:cond delay="0"/>
-                                          </p:stCondLst>
-                                        </p:cTn>
-                                        <p:tgtEl>
-                                          <p:spTgt spid="21"/>
-                                        </p:tgtEl>
-                                        <p:attrNameLst>
-                                          <p:attrName>style.visibility</p:attrName>
-                                        </p:attrNameLst>
-                                      </p:cBhvr>
-                                      <p:to>
-                                        <p:strVal val="visible"/>
-                                      </p:to>
-                                    </p:set>
-                                    <p:animEffect transition="in" filter="wipe(left)">
-                                      <p:cBhvr>
-                                        <p:cTn id="11" dur="500"/>
-                                        <p:tgtEl>
-                                          <p:spTgt spid="21"/>
-                                        </p:tgtEl>
-                                      </p:cBhvr>
-                                    </p:animEffect>
-                                  </p:childTnLst>
-                                </p:cTn>
-                              </p:par>
-                            </p:childTnLst>
-                          </p:cTn>
-                        </p:par>
-                        <p:par>
-                          <p:cTn id="12" fill="hold">
-                            <p:stCondLst>
-                              <p:cond delay="1000"/>
-                            </p:stCondLst>
-                            <p:childTnLst>
-                              <p:par>
-                                <p:cTn id="13" presetID="22" presetClass="entr" presetSubtype="8" fill="hold" grpId="0" nodeType="afterEffect">
-                                  <p:stCondLst>
-                                    <p:cond delay="0"/>
-                                  </p:stCondLst>
-                                  <p:childTnLst>
-                                    <p:set>
-                                      <p:cBhvr>
-                                        <p:cTn id="14" dur="1" fill="hold">
-                                          <p:stCondLst>
-                                            <p:cond delay="0"/>
-                                          </p:stCondLst>
-                                        </p:cTn>
-                                        <p:tgtEl>
-                                          <p:spTgt spid="22"/>
-                                        </p:tgtEl>
-                                        <p:attrNameLst>
-                                          <p:attrName>style.visibility</p:attrName>
-                                        </p:attrNameLst>
-                                      </p:cBhvr>
-                                      <p:to>
-                                        <p:strVal val="visible"/>
-                                      </p:to>
-                                    </p:set>
-                                    <p:animEffect transition="in" filter="wipe(left)">
-                                      <p:cBhvr>
-                                        <p:cTn id="15" dur="500"/>
-                                        <p:tgtEl>
-                                          <p:spTgt spid="22"/>
-                                        </p:tgtEl>
-                                      </p:cBhvr>
-                                    </p:animEffect>
-                                  </p:childTnLst>
-                                </p:cTn>
-                              </p:par>
-                            </p:childTnLst>
-                          </p:cTn>
-                        </p:par>
-                      </p:childTnLst>
-                    </p:cTn>
-                  </p:par>
-                </p:childTnLst>
-              </p:cTn>
-              <p:prevCondLst>
-                <p:cond evt="onPrev" delay="0">
-                  <p:tgtEl>
-                    <p:sldTgt/>
-                  </p:tgtEl>
-                </p:cond>
-              </p:prevCondLst>
-              <p:nextCondLst>
-                <p:cond evt="onNext" delay="0">
-                  <p:tgtEl>
-                    <p:sldTgt/>
-                  </p:tgtEl>
-                </p:cond>
-              </p:nextCondLst>
-            </p:seq>
-          </p:childTnLst>
-        </p:cTn>
-      </p:par>
-    </p:tnLst>
-    <p:bldLst>
-      <p:bldP spid="20" grpId="0"/>
-      <p:bldP spid="21" grpId="0"/>
-      <p:bldP spid="22" grpId="0"/>
-    </p:bldLst>
-  </p:timing>
-</p:sld>
-</file>
-
-<file path=ppt/slides/slide6.xml><?xml version="1.0" encoding="utf-8"?>
-<p:sld xmlns:a="http://schemas.openxmlformats.org/drawingml/2006/main" xmlns:r="http://schemas.openxmlformats.org/officeDocument/2006/relationships" xmlns:p="http://schemas.openxmlformats.org/presentationml/2006/main">
-  <p:cSld>
-    <p:spTree>
-      <p:nvGrpSpPr>
-        <p:cNvPr id="1" name=""/>
-        <p:cNvGrpSpPr/>
-        <p:nvPr/>
-      </p:nvGrpSpPr>
-      <p:grpSpPr>
-        <a:xfrm>
-          <a:off x="0" y="0"/>
-          <a:ext cx="0" cy="0"/>
-          <a:chOff x="0" y="0"/>
-          <a:chExt cx="0" cy="0"/>
-        </a:xfrm>
-      </p:grpSpPr>
-      <p:sp>
-        <p:nvSpPr>
-          <p:cNvPr id="4" name="AutoShape 3"/>
-          <p:cNvSpPr>
-            <a:spLocks noChangeAspect="1" noChangeArrowheads="1" noTextEdit="1"/>
-          </p:cNvSpPr>
-          <p:nvPr/>
-        </p:nvSpPr>
-        <p:spPr bwMode="auto">
-          <a:xfrm>
-            <a:off x="-92392" y="-75565"/>
-            <a:ext cx="12188825" cy="6858000"/>
-          </a:xfrm>
-          <a:prstGeom prst="rect">
-            <a:avLst/>
-          </a:prstGeom>
-          <a:noFill/>
-          <a:ln>
-            <a:noFill/>
-          </a:ln>
-          <a:extLst>
-            <a:ext uri="{909E8E84-426E-40DD-AFC4-6F175D3DCCD1}">
-              <a14:hiddenFill xmlns:a14="http://schemas.microsoft.com/office/drawing/2010/main">
-                <a:solidFill>
-                  <a:srgbClr val="FFFFFF"/>
-                </a:solidFill>
-              </a14:hiddenFill>
-            </a:ext>
-            <a:ext uri="{91240B29-F687-4F45-9708-019B960494DF}">
-              <a14:hiddenLine xmlns:a14="http://schemas.microsoft.com/office/drawing/2010/main" w="9525">
-                <a:solidFill>
-                  <a:srgbClr val="000000"/>
-                </a:solidFill>
-                <a:miter lim="800000"/>
-                <a:headEnd/>
-                <a:tailEnd/>
-              </a14:hiddenLine>
-            </a:ext>
-          </a:extLst>
-        </p:spPr>
-        <p:txBody>
-          <a:bodyPr vert="horz" wrap="square" lIns="91440" tIns="45720" rIns="91440" bIns="45720" numCol="1" anchor="t" anchorCtr="0" compatLnSpc="1"/>
-          <a:lstStyle/>
-          <a:p>
-            <a:endParaRPr lang="zh-CN" altLang="en-US" dirty="0">
-              <a:cs typeface="+mn-ea"/>
-              <a:sym typeface="+mn-lt"/>
-            </a:endParaRPr>
-          </a:p>
-        </p:txBody>
-      </p:sp>
-      <p:sp>
-        <p:nvSpPr>
-          <p:cNvPr id="5" name="AutoShape 3"/>
-          <p:cNvSpPr>
-            <a:spLocks noChangeAspect="1" noChangeArrowheads="1" noTextEdit="1"/>
-          </p:cNvSpPr>
-          <p:nvPr/>
-        </p:nvSpPr>
-        <p:spPr bwMode="auto">
-          <a:xfrm>
-            <a:off x="34608" y="51435"/>
-            <a:ext cx="12188825" cy="6858000"/>
-          </a:xfrm>
-          <a:prstGeom prst="rect">
-            <a:avLst/>
-          </a:prstGeom>
-          <a:noFill/>
-          <a:ln>
-            <a:noFill/>
-          </a:ln>
-          <a:extLst>
-            <a:ext uri="{909E8E84-426E-40DD-AFC4-6F175D3DCCD1}">
-              <a14:hiddenFill xmlns:a14="http://schemas.microsoft.com/office/drawing/2010/main">
-                <a:solidFill>
-                  <a:srgbClr val="FFFFFF"/>
-                </a:solidFill>
-              </a14:hiddenFill>
-            </a:ext>
-            <a:ext uri="{91240B29-F687-4F45-9708-019B960494DF}">
-              <a14:hiddenLine xmlns:a14="http://schemas.microsoft.com/office/drawing/2010/main" w="9525">
-                <a:solidFill>
-                  <a:srgbClr val="000000"/>
-                </a:solidFill>
-                <a:miter lim="800000"/>
-                <a:headEnd/>
-                <a:tailEnd/>
-              </a14:hiddenLine>
-            </a:ext>
-          </a:extLst>
-        </p:spPr>
-        <p:txBody>
-          <a:bodyPr vert="horz" wrap="square" lIns="91440" tIns="45720" rIns="91440" bIns="45720" numCol="1" anchor="t" anchorCtr="0" compatLnSpc="1"/>
-          <a:lstStyle/>
-          <a:p>
-            <a:endParaRPr lang="zh-CN" altLang="en-US" dirty="0">
-              <a:cs typeface="+mn-ea"/>
-              <a:sym typeface="+mn-lt"/>
-            </a:endParaRPr>
-          </a:p>
-        </p:txBody>
-      </p:sp>
-      <p:pic>
-        <p:nvPicPr>
-          <p:cNvPr id="6" name="Picture 5"/>
-          <p:cNvPicPr>
-            <a:picLocks noChangeAspect="1" noChangeArrowheads="1"/>
-          </p:cNvPicPr>
-          <p:nvPr/>
-        </p:nvPicPr>
-        <p:blipFill>
-          <a:blip r:embed="rId2" cstate="screen"/>
-          <a:srcRect/>
-          <a:stretch>
-            <a:fillRect/>
-          </a:stretch>
-        </p:blipFill>
-        <p:spPr bwMode="auto">
-          <a:xfrm>
-            <a:off x="10462896" y="332423"/>
-            <a:ext cx="285750" cy="285750"/>
-          </a:xfrm>
-          <a:prstGeom prst="rect">
-            <a:avLst/>
-          </a:prstGeom>
-          <a:noFill/>
-          <a:ln>
-            <a:noFill/>
-          </a:ln>
-          <a:extLst>
-            <a:ext uri="{909E8E84-426E-40DD-AFC4-6F175D3DCCD1}">
-              <a14:hiddenFill xmlns:a14="http://schemas.microsoft.com/office/drawing/2010/main">
-                <a:solidFill>
-                  <a:srgbClr val="FFFFFF"/>
-                </a:solidFill>
-              </a14:hiddenFill>
-            </a:ext>
-            <a:ext uri="{91240B29-F687-4F45-9708-019B960494DF}">
-              <a14:hiddenLine xmlns:a14="http://schemas.microsoft.com/office/drawing/2010/main" w="9525">
-                <a:solidFill>
-                  <a:srgbClr val="000000"/>
-                </a:solidFill>
-                <a:miter lim="800000"/>
-                <a:headEnd/>
-                <a:tailEnd/>
-              </a14:hiddenLine>
-            </a:ext>
-          </a:extLst>
-        </p:spPr>
-      </p:pic>
-      <p:pic>
-        <p:nvPicPr>
-          <p:cNvPr id="7" name="Picture 6"/>
-          <p:cNvPicPr>
-            <a:picLocks noChangeAspect="1" noChangeArrowheads="1"/>
-          </p:cNvPicPr>
-          <p:nvPr/>
-        </p:nvPicPr>
-        <p:blipFill>
-          <a:blip r:embed="rId3" cstate="screen"/>
-          <a:srcRect/>
-          <a:stretch>
-            <a:fillRect/>
-          </a:stretch>
-        </p:blipFill>
-        <p:spPr bwMode="auto">
-          <a:xfrm>
-            <a:off x="10859771" y="-73977"/>
-            <a:ext cx="1238250" cy="833438"/>
-          </a:xfrm>
-          <a:prstGeom prst="rect">
-            <a:avLst/>
-          </a:prstGeom>
-          <a:noFill/>
-          <a:ln>
-            <a:noFill/>
-          </a:ln>
-          <a:extLst>
-            <a:ext uri="{909E8E84-426E-40DD-AFC4-6F175D3DCCD1}">
-              <a14:hiddenFill xmlns:a14="http://schemas.microsoft.com/office/drawing/2010/main">
-                <a:solidFill>
-                  <a:srgbClr val="FFFFFF"/>
-                </a:solidFill>
-              </a14:hiddenFill>
-            </a:ext>
-            <a:ext uri="{91240B29-F687-4F45-9708-019B960494DF}">
-              <a14:hiddenLine xmlns:a14="http://schemas.microsoft.com/office/drawing/2010/main" w="9525">
-                <a:solidFill>
-                  <a:srgbClr val="000000"/>
-                </a:solidFill>
-                <a:miter lim="800000"/>
-                <a:headEnd/>
-                <a:tailEnd/>
-              </a14:hiddenLine>
-            </a:ext>
-          </a:extLst>
-        </p:spPr>
-      </p:pic>
-      <p:sp>
-        <p:nvSpPr>
-          <p:cNvPr id="9" name="文本框 10"/>
-          <p:cNvSpPr txBox="1"/>
-          <p:nvPr/>
-        </p:nvSpPr>
-        <p:spPr>
-          <a:xfrm>
-            <a:off x="1034552" y="555526"/>
-            <a:ext cx="1377208" cy="338554"/>
-          </a:xfrm>
-          <a:prstGeom prst="rect">
-            <a:avLst/>
-          </a:prstGeom>
-          <a:noFill/>
-        </p:spPr>
-        <p:txBody>
-          <a:bodyPr wrap="square" rtlCol="0" anchor="ctr" anchorCtr="1">
-            <a:spAutoFit/>
-            <a:scene3d>
-              <a:camera prst="orthographicFront"/>
-              <a:lightRig rig="threePt" dir="t"/>
-            </a:scene3d>
-            <a:sp3d contourW="12700"/>
-          </a:bodyPr>
-          <a:lstStyle/>
-          <a:p>
-            <a:r>
-              <a:rPr lang="en-US" altLang="zh-CN" sz="1600" dirty="0" smtClean="0"/>
-              <a:t>3.</a:t>
-            </a:r>
-            <a:r>
-              <a:rPr lang="zh-CN" altLang="en-US" sz="1600" dirty="0" smtClean="0"/>
-              <a:t>服务监控</a:t>
-            </a:r>
-            <a:endParaRPr lang="zh-CN" altLang="en-US" sz="1600" dirty="0"/>
-          </a:p>
-        </p:txBody>
-      </p:sp>
-      <p:sp>
-        <p:nvSpPr>
-          <p:cNvPr id="2" name="矩形 1"/>
-          <p:cNvSpPr/>
-          <p:nvPr/>
-        </p:nvSpPr>
-        <p:spPr>
-          <a:xfrm>
-            <a:off x="1331640" y="987574"/>
-            <a:ext cx="5832648" cy="553998"/>
-          </a:xfrm>
-          <a:prstGeom prst="rect">
-            <a:avLst/>
-          </a:prstGeom>
-        </p:spPr>
-        <p:txBody>
-          <a:bodyPr wrap="square">
-            <a:spAutoFit/>
-          </a:bodyPr>
-          <a:lstStyle/>
-          <a:p>
-            <a:r>
-              <a:rPr lang="en-US" altLang="zh-CN" sz="1000" dirty="0" err="1"/>
-              <a:t>Hystrix</a:t>
-            </a:r>
-            <a:r>
-              <a:rPr lang="zh-CN" altLang="zh-CN" sz="1000" dirty="0"/>
-              <a:t>进行服务熔断时会对调用结果进行统计，比如超时数、</a:t>
-            </a:r>
-            <a:r>
-              <a:rPr lang="en-US" altLang="zh-CN" sz="1000" dirty="0"/>
-              <a:t>bad</a:t>
-            </a:r>
-            <a:r>
-              <a:rPr lang="zh-CN" altLang="zh-CN" sz="1000" dirty="0"/>
-              <a:t>请求数、降级数、异常数等等都会有统计，那么统计的数据就需要有一个界面来展示，</a:t>
-            </a:r>
-            <a:r>
-              <a:rPr lang="en-US" altLang="zh-CN" sz="1000" dirty="0" err="1"/>
-              <a:t>hystrix</a:t>
-            </a:r>
-            <a:r>
-              <a:rPr lang="en-US" altLang="zh-CN" sz="1000" dirty="0"/>
-              <a:t>-dashboard</a:t>
-            </a:r>
-            <a:r>
-              <a:rPr lang="zh-CN" altLang="zh-CN" sz="1000" dirty="0"/>
-              <a:t>就是这么一个展示</a:t>
-            </a:r>
-            <a:r>
-              <a:rPr lang="en-US" altLang="zh-CN" sz="1000" dirty="0" err="1"/>
-              <a:t>hystrix</a:t>
-            </a:r>
-            <a:r>
-              <a:rPr lang="zh-CN" altLang="zh-CN" sz="1000" dirty="0"/>
-              <a:t>统计结果的服务。</a:t>
-            </a:r>
-            <a:endParaRPr lang="zh-CN" altLang="en-US" sz="1000" dirty="0"/>
-          </a:p>
-        </p:txBody>
-      </p:sp>
-      <p:pic>
-        <p:nvPicPr>
-          <p:cNvPr id="2050" name="Picture 2"/>
-          <p:cNvPicPr>
-            <a:picLocks noChangeAspect="1" noChangeArrowheads="1"/>
-          </p:cNvPicPr>
-          <p:nvPr/>
-        </p:nvPicPr>
-        <p:blipFill>
-          <a:blip r:embed="rId4" cstate="print">
-            <a:extLst>
-              <a:ext uri="{28A0092B-C50C-407E-A947-70E740481C1C}">
-                <a14:useLocalDpi xmlns:a14="http://schemas.microsoft.com/office/drawing/2010/main" val="0"/>
-              </a:ext>
-            </a:extLst>
-          </a:blip>
-          <a:srcRect/>
-          <a:stretch>
-            <a:fillRect/>
-          </a:stretch>
-        </p:blipFill>
-        <p:spPr bwMode="auto">
-          <a:xfrm>
-            <a:off x="971600" y="1782134"/>
-            <a:ext cx="3530616" cy="522071"/>
-          </a:xfrm>
-          <a:prstGeom prst="rect">
-            <a:avLst/>
-          </a:prstGeom>
-          <a:noFill/>
-          <a:ln>
-            <a:noFill/>
-          </a:ln>
-          <a:extLst>
-            <a:ext uri="{909E8E84-426E-40DD-AFC4-6F175D3DCCD1}">
-              <a14:hiddenFill xmlns:a14="http://schemas.microsoft.com/office/drawing/2010/main">
-                <a:solidFill>
-                  <a:schemeClr val="accent1"/>
-                </a:solidFill>
-              </a14:hiddenFill>
-            </a:ext>
-            <a:ext uri="{91240B29-F687-4F45-9708-019B960494DF}">
-              <a14:hiddenLine xmlns:a14="http://schemas.microsoft.com/office/drawing/2010/main" w="9525">
-                <a:solidFill>
-                  <a:schemeClr val="tx1"/>
-                </a:solidFill>
-                <a:miter lim="800000"/>
-                <a:headEnd/>
-                <a:tailEnd/>
-              </a14:hiddenLine>
-            </a:ext>
-          </a:extLst>
-        </p:spPr>
-      </p:pic>
-      <p:pic>
-        <p:nvPicPr>
-          <p:cNvPr id="2051" name="Picture 3"/>
-          <p:cNvPicPr>
-            <a:picLocks noChangeAspect="1" noChangeArrowheads="1"/>
-          </p:cNvPicPr>
-          <p:nvPr/>
-        </p:nvPicPr>
-        <p:blipFill rotWithShape="1">
-          <a:blip r:embed="rId5" cstate="print">
-            <a:extLst>
-              <a:ext uri="{28A0092B-C50C-407E-A947-70E740481C1C}">
-                <a14:useLocalDpi xmlns:a14="http://schemas.microsoft.com/office/drawing/2010/main" val="0"/>
-              </a:ext>
-            </a:extLst>
-          </a:blip>
-          <a:srcRect r="22874"/>
-          <a:stretch/>
-        </p:blipFill>
-        <p:spPr bwMode="auto">
-          <a:xfrm>
-            <a:off x="973824" y="2588093"/>
-            <a:ext cx="3527550" cy="1567833"/>
-          </a:xfrm>
-          <a:prstGeom prst="rect">
-            <a:avLst/>
-          </a:prstGeom>
-          <a:noFill/>
-          <a:ln>
-            <a:noFill/>
-          </a:ln>
-          <a:extLst>
-            <a:ext uri="{909E8E84-426E-40DD-AFC4-6F175D3DCCD1}">
-              <a14:hiddenFill xmlns:a14="http://schemas.microsoft.com/office/drawing/2010/main">
-                <a:solidFill>
-                  <a:schemeClr val="accent1"/>
-                </a:solidFill>
-              </a14:hiddenFill>
-            </a:ext>
-            <a:ext uri="{91240B29-F687-4F45-9708-019B960494DF}">
-              <a14:hiddenLine xmlns:a14="http://schemas.microsoft.com/office/drawing/2010/main" w="9525">
-                <a:solidFill>
-                  <a:schemeClr val="tx1"/>
-                </a:solidFill>
-                <a:miter lim="800000"/>
-                <a:headEnd/>
-                <a:tailEnd/>
-              </a14:hiddenLine>
-            </a:ext>
-          </a:extLst>
-        </p:spPr>
-      </p:pic>
-      <p:pic>
-        <p:nvPicPr>
-          <p:cNvPr id="2052" name="Picture 4"/>
-          <p:cNvPicPr>
-            <a:picLocks noChangeAspect="1" noChangeArrowheads="1"/>
-          </p:cNvPicPr>
-          <p:nvPr/>
-        </p:nvPicPr>
-        <p:blipFill>
-          <a:blip r:embed="rId6" cstate="print">
-            <a:extLst>
-              <a:ext uri="{28A0092B-C50C-407E-A947-70E740481C1C}">
-                <a14:useLocalDpi xmlns:a14="http://schemas.microsoft.com/office/drawing/2010/main" val="0"/>
-              </a:ext>
-            </a:extLst>
-          </a:blip>
-          <a:srcRect/>
-          <a:stretch>
-            <a:fillRect/>
-          </a:stretch>
-        </p:blipFill>
-        <p:spPr bwMode="auto">
-          <a:xfrm>
-            <a:off x="4644008" y="1782134"/>
-            <a:ext cx="4430622" cy="2373792"/>
-          </a:xfrm>
-          <a:prstGeom prst="rect">
-            <a:avLst/>
-          </a:prstGeom>
-          <a:noFill/>
-          <a:ln>
-            <a:noFill/>
-          </a:ln>
-          <a:extLst>
-            <a:ext uri="{909E8E84-426E-40DD-AFC4-6F175D3DCCD1}">
-              <a14:hiddenFill xmlns:a14="http://schemas.microsoft.com/office/drawing/2010/main">
-                <a:solidFill>
-                  <a:schemeClr val="accent1"/>
-                </a:solidFill>
-              </a14:hiddenFill>
-            </a:ext>
-            <a:ext uri="{91240B29-F687-4F45-9708-019B960494DF}">
-              <a14:hiddenLine xmlns:a14="http://schemas.microsoft.com/office/drawing/2010/main" w="9525">
-                <a:solidFill>
-                  <a:schemeClr val="tx1"/>
-                </a:solidFill>
-                <a:miter lim="800000"/>
-                <a:headEnd/>
-                <a:tailEnd/>
-              </a14:hiddenLine>
-            </a:ext>
-          </a:extLst>
-        </p:spPr>
-      </p:pic>
-    </p:spTree>
-    <p:extLst>
-      <p:ext uri="{BB962C8B-B14F-4D97-AF65-F5344CB8AC3E}">
-        <p14:creationId xmlns:p14="http://schemas.microsoft.com/office/powerpoint/2010/main" val="870811767"/>
       </p:ext>
     </p:extLst>
   </p:cSld>
@@ -6259,7 +5536,7 @@
                                           </p:stCondLst>
                                         </p:cTn>
                                         <p:tgtEl>
-                                          <p:spTgt spid="9"/>
+                                          <p:spTgt spid="15"/>
                                         </p:tgtEl>
                                         <p:attrNameLst>
                                           <p:attrName>style.visibility</p:attrName>
@@ -6273,7 +5550,7 @@
                                       <p:cBhvr>
                                         <p:cTn id="7" dur="500"/>
                                         <p:tgtEl>
-                                          <p:spTgt spid="9"/>
+                                          <p:spTgt spid="15"/>
                                         </p:tgtEl>
                                       </p:cBhvr>
                                     </p:animEffect>
@@ -6281,7 +5558,7 @@
                                 </p:cTn>
                               </p:par>
                               <p:par>
-                                <p:cTn id="8" presetID="22" presetClass="entr" presetSubtype="4" fill="hold" grpId="0" nodeType="withEffect">
+                                <p:cTn id="8" presetID="22" presetClass="entr" presetSubtype="4" fill="hold" nodeType="withEffect">
                                   <p:stCondLst>
                                     <p:cond delay="0"/>
                                   </p:stCondLst>
@@ -6294,7 +5571,7 @@
                                           </p:stCondLst>
                                         </p:cTn>
                                         <p:tgtEl>
-                                          <p:spTgt spid="2"/>
+                                          <p:spTgt spid="1026"/>
                                         </p:tgtEl>
                                         <p:attrNameLst>
                                           <p:attrName>style.visibility</p:attrName>
@@ -6308,7 +5585,7 @@
                                       <p:cBhvr>
                                         <p:cTn id="10" dur="500"/>
                                         <p:tgtEl>
-                                          <p:spTgt spid="2"/>
+                                          <p:spTgt spid="1026"/>
                                         </p:tgtEl>
                                       </p:cBhvr>
                                     </p:animEffect>
@@ -6334,7 +5611,7 @@
                             </p:stCondLst>
                             <p:childTnLst>
                               <p:par>
-                                <p:cTn id="13" presetID="22" presetClass="entr" presetSubtype="4" fill="hold" nodeType="clickEffect">
+                                <p:cTn id="13" presetID="22" presetClass="entr" presetSubtype="4" fill="hold" grpId="0" nodeType="clickEffect">
                                   <p:stCondLst>
                                     <p:cond delay="0"/>
                                   </p:stCondLst>
@@ -6347,7 +5624,7 @@
                                           </p:stCondLst>
                                         </p:cTn>
                                         <p:tgtEl>
-                                          <p:spTgt spid="2050"/>
+                                          <p:spTgt spid="16"/>
                                         </p:tgtEl>
                                         <p:attrNameLst>
                                           <p:attrName>style.visibility</p:attrName>
@@ -6361,7 +5638,7 @@
                                       <p:cBhvr>
                                         <p:cTn id="15" dur="500"/>
                                         <p:tgtEl>
-                                          <p:spTgt spid="2050"/>
+                                          <p:spTgt spid="16"/>
                                         </p:tgtEl>
                                       </p:cBhvr>
                                     </p:animEffect>
@@ -6382,7 +5659,7 @@
                                           </p:stCondLst>
                                         </p:cTn>
                                         <p:tgtEl>
-                                          <p:spTgt spid="2051"/>
+                                          <p:spTgt spid="1028"/>
                                         </p:tgtEl>
                                         <p:attrNameLst>
                                           <p:attrName>style.visibility</p:attrName>
@@ -6396,6 +5673,1006 @@
                                       <p:cBhvr>
                                         <p:cTn id="18" dur="500"/>
                                         <p:tgtEl>
+                                          <p:spTgt spid="1028"/>
+                                        </p:tgtEl>
+                                      </p:cBhvr>
+                                    </p:animEffect>
+                                  </p:childTnLst>
+                                </p:cTn>
+                              </p:par>
+                            </p:childTnLst>
+                          </p:cTn>
+                        </p:par>
+                      </p:childTnLst>
+                    </p:cTn>
+                  </p:par>
+                </p:childTnLst>
+              </p:cTn>
+              <p:prevCondLst>
+                <p:cond evt="onPrev" delay="0">
+                  <p:tgtEl>
+                    <p:sldTgt/>
+                  </p:tgtEl>
+                </p:cond>
+              </p:prevCondLst>
+              <p:nextCondLst>
+                <p:cond evt="onNext" delay="0">
+                  <p:tgtEl>
+                    <p:sldTgt/>
+                  </p:tgtEl>
+                </p:cond>
+              </p:nextCondLst>
+            </p:seq>
+          </p:childTnLst>
+        </p:cTn>
+      </p:par>
+    </p:tnLst>
+    <p:bldLst>
+      <p:bldP spid="15" grpId="0"/>
+      <p:bldP spid="16" grpId="0"/>
+    </p:bldLst>
+  </p:timing>
+</p:sld>
+</file>
+
+<file path=ppt/slides/slide6.xml><?xml version="1.0" encoding="utf-8"?>
+<p:sld xmlns:a="http://schemas.openxmlformats.org/drawingml/2006/main" xmlns:r="http://schemas.openxmlformats.org/officeDocument/2006/relationships" xmlns:p="http://schemas.openxmlformats.org/presentationml/2006/main">
+  <p:cSld>
+    <p:spTree>
+      <p:nvGrpSpPr>
+        <p:cNvPr id="1" name=""/>
+        <p:cNvGrpSpPr/>
+        <p:nvPr/>
+      </p:nvGrpSpPr>
+      <p:grpSpPr>
+        <a:xfrm>
+          <a:off x="0" y="0"/>
+          <a:ext cx="0" cy="0"/>
+          <a:chOff x="0" y="0"/>
+          <a:chExt cx="0" cy="0"/>
+        </a:xfrm>
+      </p:grpSpPr>
+      <p:pic>
+        <p:nvPicPr>
+          <p:cNvPr id="19" name="Picture 3"/>
+          <p:cNvPicPr>
+            <a:picLocks noChangeAspect="1" noChangeArrowheads="1"/>
+          </p:cNvPicPr>
+          <p:nvPr/>
+        </p:nvPicPr>
+        <p:blipFill>
+          <a:blip r:embed="rId2" cstate="print">
+            <a:extLst>
+              <a:ext uri="{28A0092B-C50C-407E-A947-70E740481C1C}">
+                <a14:useLocalDpi xmlns:a14="http://schemas.microsoft.com/office/drawing/2010/main" val="0"/>
+              </a:ext>
+            </a:extLst>
+          </a:blip>
+          <a:srcRect/>
+          <a:stretch>
+            <a:fillRect/>
+          </a:stretch>
+        </p:blipFill>
+        <p:spPr bwMode="auto">
+          <a:xfrm>
+            <a:off x="3275856" y="1635646"/>
+            <a:ext cx="5201784" cy="2808312"/>
+          </a:xfrm>
+          <a:prstGeom prst="rect">
+            <a:avLst/>
+          </a:prstGeom>
+          <a:noFill/>
+          <a:ln>
+            <a:noFill/>
+          </a:ln>
+          <a:extLst>
+            <a:ext uri="{909E8E84-426E-40DD-AFC4-6F175D3DCCD1}">
+              <a14:hiddenFill xmlns:a14="http://schemas.microsoft.com/office/drawing/2010/main">
+                <a:solidFill>
+                  <a:schemeClr val="accent1"/>
+                </a:solidFill>
+              </a14:hiddenFill>
+            </a:ext>
+            <a:ext uri="{91240B29-F687-4F45-9708-019B960494DF}">
+              <a14:hiddenLine xmlns:a14="http://schemas.microsoft.com/office/drawing/2010/main" w="9525">
+                <a:solidFill>
+                  <a:schemeClr val="tx1"/>
+                </a:solidFill>
+                <a:miter lim="800000"/>
+                <a:headEnd/>
+                <a:tailEnd/>
+              </a14:hiddenLine>
+            </a:ext>
+          </a:extLst>
+        </p:spPr>
+      </p:pic>
+      <p:sp>
+        <p:nvSpPr>
+          <p:cNvPr id="20" name="文本框 10"/>
+          <p:cNvSpPr txBox="1"/>
+          <p:nvPr/>
+        </p:nvSpPr>
+        <p:spPr>
+          <a:xfrm>
+            <a:off x="793932" y="696628"/>
+            <a:ext cx="1296144" cy="338554"/>
+          </a:xfrm>
+          <a:prstGeom prst="rect">
+            <a:avLst/>
+          </a:prstGeom>
+          <a:noFill/>
+        </p:spPr>
+        <p:txBody>
+          <a:bodyPr wrap="square" rtlCol="0" anchor="ctr" anchorCtr="1">
+            <a:spAutoFit/>
+            <a:scene3d>
+              <a:camera prst="orthographicFront"/>
+              <a:lightRig rig="threePt" dir="t"/>
+            </a:scene3d>
+            <a:sp3d contourW="12700"/>
+          </a:bodyPr>
+          <a:lstStyle/>
+          <a:p>
+            <a:r>
+              <a:rPr lang="en-US" altLang="zh-CN" sz="1600" dirty="0" smtClean="0"/>
+              <a:t>2.</a:t>
+            </a:r>
+            <a:r>
+              <a:rPr lang="zh-CN" altLang="en-US" sz="1600" dirty="0"/>
+              <a:t>服务</a:t>
+            </a:r>
+            <a:r>
+              <a:rPr lang="zh-CN" altLang="en-US" sz="1600" dirty="0" smtClean="0"/>
+              <a:t>降级</a:t>
+            </a:r>
+            <a:endParaRPr lang="zh-CN" altLang="en-US" sz="1600" dirty="0"/>
+          </a:p>
+        </p:txBody>
+      </p:sp>
+      <p:sp>
+        <p:nvSpPr>
+          <p:cNvPr id="21" name="文本框 10"/>
+          <p:cNvSpPr txBox="1"/>
+          <p:nvPr/>
+        </p:nvSpPr>
+        <p:spPr>
+          <a:xfrm>
+            <a:off x="899592" y="1131590"/>
+            <a:ext cx="7632848" cy="400110"/>
+          </a:xfrm>
+          <a:prstGeom prst="rect">
+            <a:avLst/>
+          </a:prstGeom>
+          <a:noFill/>
+        </p:spPr>
+        <p:txBody>
+          <a:bodyPr wrap="square" rtlCol="0" anchor="ctr" anchorCtr="1">
+            <a:spAutoFit/>
+            <a:scene3d>
+              <a:camera prst="orthographicFront"/>
+              <a:lightRig rig="threePt" dir="t"/>
+            </a:scene3d>
+            <a:sp3d contourW="12700"/>
+          </a:bodyPr>
+          <a:lstStyle/>
+          <a:p>
+            <a:r>
+              <a:rPr lang="zh-CN" altLang="zh-CN" sz="1000" dirty="0">
+                <a:solidFill>
+                  <a:schemeClr val="tx1">
+                    <a:lumMod val="95000"/>
+                    <a:lumOff val="5000"/>
+                  </a:schemeClr>
+                </a:solidFill>
+              </a:rPr>
+              <a:t>服务降级是对服务调用过程的出现的异常的友好封装，当出现异常时，我们不希望直接把异常原样返回，所以当出现异常时我们需要对异常信息进行包装，抛一个友好的信息给前端。</a:t>
+            </a:r>
+            <a:endParaRPr lang="zh-CN" altLang="en-US" sz="1000" dirty="0">
+              <a:solidFill>
+                <a:schemeClr val="tx1">
+                  <a:lumMod val="95000"/>
+                  <a:lumOff val="5000"/>
+                </a:schemeClr>
+              </a:solidFill>
+            </a:endParaRPr>
+          </a:p>
+        </p:txBody>
+      </p:sp>
+      <p:sp>
+        <p:nvSpPr>
+          <p:cNvPr id="22" name="文本框 10"/>
+          <p:cNvSpPr txBox="1"/>
+          <p:nvPr/>
+        </p:nvSpPr>
+        <p:spPr>
+          <a:xfrm>
+            <a:off x="971600" y="2571750"/>
+            <a:ext cx="1787126" cy="276999"/>
+          </a:xfrm>
+          <a:prstGeom prst="rect">
+            <a:avLst/>
+          </a:prstGeom>
+          <a:noFill/>
+        </p:spPr>
+        <p:txBody>
+          <a:bodyPr wrap="square" rtlCol="0" anchor="ctr" anchorCtr="1">
+            <a:spAutoFit/>
+            <a:scene3d>
+              <a:camera prst="orthographicFront"/>
+              <a:lightRig rig="threePt" dir="t"/>
+            </a:scene3d>
+            <a:sp3d contourW="12700"/>
+          </a:bodyPr>
+          <a:lstStyle/>
+          <a:p>
+            <a:r>
+              <a:rPr lang="en-US" altLang="zh-CN" sz="1200" dirty="0" err="1" smtClean="0">
+                <a:solidFill>
+                  <a:schemeClr val="bg1">
+                    <a:lumMod val="50000"/>
+                  </a:schemeClr>
+                </a:solidFill>
+              </a:rPr>
+              <a:t>Fegin</a:t>
+            </a:r>
+            <a:r>
+              <a:rPr lang="zh-CN" altLang="en-US" sz="1200" dirty="0" smtClean="0">
+                <a:solidFill>
+                  <a:schemeClr val="bg1">
+                    <a:lumMod val="50000"/>
+                  </a:schemeClr>
+                </a:solidFill>
+              </a:rPr>
+              <a:t>也支持接口降级</a:t>
+            </a:r>
+            <a:endParaRPr lang="zh-CN" altLang="en-US" sz="1200" dirty="0">
+              <a:solidFill>
+                <a:schemeClr val="bg1">
+                  <a:lumMod val="50000"/>
+                </a:schemeClr>
+              </a:solidFill>
+            </a:endParaRPr>
+          </a:p>
+        </p:txBody>
+      </p:sp>
+    </p:spTree>
+    <p:extLst>
+      <p:ext uri="{BB962C8B-B14F-4D97-AF65-F5344CB8AC3E}">
+        <p14:creationId xmlns:p14="http://schemas.microsoft.com/office/powerpoint/2010/main" val="3123454039"/>
+      </p:ext>
+    </p:extLst>
+  </p:cSld>
+  <p:clrMapOvr>
+    <a:masterClrMapping/>
+  </p:clrMapOvr>
+  <p:timing>
+    <p:tnLst>
+      <p:par>
+        <p:cTn id="1" dur="indefinite" restart="never" nodeType="tmRoot">
+          <p:childTnLst>
+            <p:seq concurrent="1" nextAc="seek">
+              <p:cTn id="2" dur="indefinite" nodeType="mainSeq">
+                <p:childTnLst>
+                  <p:par>
+                    <p:cTn id="3" fill="hold">
+                      <p:stCondLst>
+                        <p:cond delay="indefinite"/>
+                      </p:stCondLst>
+                      <p:childTnLst>
+                        <p:par>
+                          <p:cTn id="4" fill="hold">
+                            <p:stCondLst>
+                              <p:cond delay="0"/>
+                            </p:stCondLst>
+                            <p:childTnLst>
+                              <p:par>
+                                <p:cTn id="5" presetID="22" presetClass="entr" presetSubtype="4" fill="hold" nodeType="clickEffect">
+                                  <p:stCondLst>
+                                    <p:cond delay="0"/>
+                                  </p:stCondLst>
+                                  <p:childTnLst>
+                                    <p:set>
+                                      <p:cBhvr>
+                                        <p:cTn id="6" dur="1" fill="hold">
+                                          <p:stCondLst>
+                                            <p:cond delay="0"/>
+                                          </p:stCondLst>
+                                        </p:cTn>
+                                        <p:tgtEl>
+                                          <p:spTgt spid="19"/>
+                                        </p:tgtEl>
+                                        <p:attrNameLst>
+                                          <p:attrName>style.visibility</p:attrName>
+                                        </p:attrNameLst>
+                                      </p:cBhvr>
+                                      <p:to>
+                                        <p:strVal val="visible"/>
+                                      </p:to>
+                                    </p:set>
+                                    <p:animEffect transition="in" filter="wipe(down)">
+                                      <p:cBhvr>
+                                        <p:cTn id="7" dur="500"/>
+                                        <p:tgtEl>
+                                          <p:spTgt spid="19"/>
+                                        </p:tgtEl>
+                                      </p:cBhvr>
+                                    </p:animEffect>
+                                  </p:childTnLst>
+                                </p:cTn>
+                              </p:par>
+                            </p:childTnLst>
+                          </p:cTn>
+                        </p:par>
+                      </p:childTnLst>
+                    </p:cTn>
+                  </p:par>
+                  <p:par>
+                    <p:cTn id="8" fill="hold">
+                      <p:stCondLst>
+                        <p:cond delay="indefinite"/>
+                      </p:stCondLst>
+                      <p:childTnLst>
+                        <p:par>
+                          <p:cTn id="9" fill="hold">
+                            <p:stCondLst>
+                              <p:cond delay="0"/>
+                            </p:stCondLst>
+                            <p:childTnLst>
+                              <p:par>
+                                <p:cTn id="10" presetID="22" presetClass="entr" presetSubtype="8" fill="hold" grpId="0" nodeType="clickEffect">
+                                  <p:stCondLst>
+                                    <p:cond delay="0"/>
+                                  </p:stCondLst>
+                                  <p:childTnLst>
+                                    <p:set>
+                                      <p:cBhvr>
+                                        <p:cTn id="11" dur="1" fill="hold">
+                                          <p:stCondLst>
+                                            <p:cond delay="0"/>
+                                          </p:stCondLst>
+                                        </p:cTn>
+                                        <p:tgtEl>
+                                          <p:spTgt spid="22"/>
+                                        </p:tgtEl>
+                                        <p:attrNameLst>
+                                          <p:attrName>style.visibility</p:attrName>
+                                        </p:attrNameLst>
+                                      </p:cBhvr>
+                                      <p:to>
+                                        <p:strVal val="visible"/>
+                                      </p:to>
+                                    </p:set>
+                                    <p:animEffect transition="in" filter="wipe(left)">
+                                      <p:cBhvr>
+                                        <p:cTn id="12" dur="500"/>
+                                        <p:tgtEl>
+                                          <p:spTgt spid="22"/>
+                                        </p:tgtEl>
+                                      </p:cBhvr>
+                                    </p:animEffect>
+                                  </p:childTnLst>
+                                </p:cTn>
+                              </p:par>
+                            </p:childTnLst>
+                          </p:cTn>
+                        </p:par>
+                      </p:childTnLst>
+                    </p:cTn>
+                  </p:par>
+                </p:childTnLst>
+              </p:cTn>
+              <p:prevCondLst>
+                <p:cond evt="onPrev" delay="0">
+                  <p:tgtEl>
+                    <p:sldTgt/>
+                  </p:tgtEl>
+                </p:cond>
+              </p:prevCondLst>
+              <p:nextCondLst>
+                <p:cond evt="onNext" delay="0">
+                  <p:tgtEl>
+                    <p:sldTgt/>
+                  </p:tgtEl>
+                </p:cond>
+              </p:nextCondLst>
+            </p:seq>
+          </p:childTnLst>
+        </p:cTn>
+      </p:par>
+    </p:tnLst>
+    <p:bldLst>
+      <p:bldP spid="22" grpId="0"/>
+    </p:bldLst>
+  </p:timing>
+</p:sld>
+</file>
+
+<file path=ppt/slides/slide7.xml><?xml version="1.0" encoding="utf-8"?>
+<p:sld xmlns:a="http://schemas.openxmlformats.org/drawingml/2006/main" xmlns:r="http://schemas.openxmlformats.org/officeDocument/2006/relationships" xmlns:p="http://schemas.openxmlformats.org/presentationml/2006/main">
+  <p:cSld>
+    <p:spTree>
+      <p:nvGrpSpPr>
+        <p:cNvPr id="1" name=""/>
+        <p:cNvGrpSpPr/>
+        <p:nvPr/>
+      </p:nvGrpSpPr>
+      <p:grpSpPr>
+        <a:xfrm>
+          <a:off x="0" y="0"/>
+          <a:ext cx="0" cy="0"/>
+          <a:chOff x="0" y="0"/>
+          <a:chExt cx="0" cy="0"/>
+        </a:xfrm>
+      </p:grpSpPr>
+      <p:sp>
+        <p:nvSpPr>
+          <p:cNvPr id="4" name="AutoShape 3"/>
+          <p:cNvSpPr>
+            <a:spLocks noChangeAspect="1" noChangeArrowheads="1" noTextEdit="1"/>
+          </p:cNvSpPr>
+          <p:nvPr/>
+        </p:nvSpPr>
+        <p:spPr bwMode="auto">
+          <a:xfrm>
+            <a:off x="-92392" y="-75565"/>
+            <a:ext cx="12188825" cy="6858000"/>
+          </a:xfrm>
+          <a:prstGeom prst="rect">
+            <a:avLst/>
+          </a:prstGeom>
+          <a:noFill/>
+          <a:ln>
+            <a:noFill/>
+          </a:ln>
+          <a:extLst>
+            <a:ext uri="{909E8E84-426E-40DD-AFC4-6F175D3DCCD1}">
+              <a14:hiddenFill xmlns:a14="http://schemas.microsoft.com/office/drawing/2010/main">
+                <a:solidFill>
+                  <a:srgbClr val="FFFFFF"/>
+                </a:solidFill>
+              </a14:hiddenFill>
+            </a:ext>
+            <a:ext uri="{91240B29-F687-4F45-9708-019B960494DF}">
+              <a14:hiddenLine xmlns:a14="http://schemas.microsoft.com/office/drawing/2010/main" w="9525">
+                <a:solidFill>
+                  <a:srgbClr val="000000"/>
+                </a:solidFill>
+                <a:miter lim="800000"/>
+                <a:headEnd/>
+                <a:tailEnd/>
+              </a14:hiddenLine>
+            </a:ext>
+          </a:extLst>
+        </p:spPr>
+        <p:txBody>
+          <a:bodyPr vert="horz" wrap="square" lIns="91440" tIns="45720" rIns="91440" bIns="45720" numCol="1" anchor="t" anchorCtr="0" compatLnSpc="1"/>
+          <a:lstStyle/>
+          <a:p>
+            <a:endParaRPr lang="zh-CN" altLang="en-US" dirty="0">
+              <a:cs typeface="+mn-ea"/>
+              <a:sym typeface="+mn-lt"/>
+            </a:endParaRPr>
+          </a:p>
+        </p:txBody>
+      </p:sp>
+      <p:sp>
+        <p:nvSpPr>
+          <p:cNvPr id="5" name="AutoShape 3"/>
+          <p:cNvSpPr>
+            <a:spLocks noChangeAspect="1" noChangeArrowheads="1" noTextEdit="1"/>
+          </p:cNvSpPr>
+          <p:nvPr/>
+        </p:nvSpPr>
+        <p:spPr bwMode="auto">
+          <a:xfrm>
+            <a:off x="34608" y="51435"/>
+            <a:ext cx="12188825" cy="6858000"/>
+          </a:xfrm>
+          <a:prstGeom prst="rect">
+            <a:avLst/>
+          </a:prstGeom>
+          <a:noFill/>
+          <a:ln>
+            <a:noFill/>
+          </a:ln>
+          <a:extLst>
+            <a:ext uri="{909E8E84-426E-40DD-AFC4-6F175D3DCCD1}">
+              <a14:hiddenFill xmlns:a14="http://schemas.microsoft.com/office/drawing/2010/main">
+                <a:solidFill>
+                  <a:srgbClr val="FFFFFF"/>
+                </a:solidFill>
+              </a14:hiddenFill>
+            </a:ext>
+            <a:ext uri="{91240B29-F687-4F45-9708-019B960494DF}">
+              <a14:hiddenLine xmlns:a14="http://schemas.microsoft.com/office/drawing/2010/main" w="9525">
+                <a:solidFill>
+                  <a:srgbClr val="000000"/>
+                </a:solidFill>
+                <a:miter lim="800000"/>
+                <a:headEnd/>
+                <a:tailEnd/>
+              </a14:hiddenLine>
+            </a:ext>
+          </a:extLst>
+        </p:spPr>
+        <p:txBody>
+          <a:bodyPr vert="horz" wrap="square" lIns="91440" tIns="45720" rIns="91440" bIns="45720" numCol="1" anchor="t" anchorCtr="0" compatLnSpc="1"/>
+          <a:lstStyle/>
+          <a:p>
+            <a:endParaRPr lang="zh-CN" altLang="en-US" dirty="0">
+              <a:cs typeface="+mn-ea"/>
+              <a:sym typeface="+mn-lt"/>
+            </a:endParaRPr>
+          </a:p>
+        </p:txBody>
+      </p:sp>
+      <p:pic>
+        <p:nvPicPr>
+          <p:cNvPr id="6" name="Picture 5"/>
+          <p:cNvPicPr>
+            <a:picLocks noChangeAspect="1" noChangeArrowheads="1"/>
+          </p:cNvPicPr>
+          <p:nvPr/>
+        </p:nvPicPr>
+        <p:blipFill>
+          <a:blip r:embed="rId2" cstate="screen"/>
+          <a:srcRect/>
+          <a:stretch>
+            <a:fillRect/>
+          </a:stretch>
+        </p:blipFill>
+        <p:spPr bwMode="auto">
+          <a:xfrm>
+            <a:off x="10462896" y="332423"/>
+            <a:ext cx="285750" cy="285750"/>
+          </a:xfrm>
+          <a:prstGeom prst="rect">
+            <a:avLst/>
+          </a:prstGeom>
+          <a:noFill/>
+          <a:ln>
+            <a:noFill/>
+          </a:ln>
+          <a:extLst>
+            <a:ext uri="{909E8E84-426E-40DD-AFC4-6F175D3DCCD1}">
+              <a14:hiddenFill xmlns:a14="http://schemas.microsoft.com/office/drawing/2010/main">
+                <a:solidFill>
+                  <a:srgbClr val="FFFFFF"/>
+                </a:solidFill>
+              </a14:hiddenFill>
+            </a:ext>
+            <a:ext uri="{91240B29-F687-4F45-9708-019B960494DF}">
+              <a14:hiddenLine xmlns:a14="http://schemas.microsoft.com/office/drawing/2010/main" w="9525">
+                <a:solidFill>
+                  <a:srgbClr val="000000"/>
+                </a:solidFill>
+                <a:miter lim="800000"/>
+                <a:headEnd/>
+                <a:tailEnd/>
+              </a14:hiddenLine>
+            </a:ext>
+          </a:extLst>
+        </p:spPr>
+      </p:pic>
+      <p:pic>
+        <p:nvPicPr>
+          <p:cNvPr id="7" name="Picture 6"/>
+          <p:cNvPicPr>
+            <a:picLocks noChangeAspect="1" noChangeArrowheads="1"/>
+          </p:cNvPicPr>
+          <p:nvPr/>
+        </p:nvPicPr>
+        <p:blipFill>
+          <a:blip r:embed="rId3" cstate="screen"/>
+          <a:srcRect/>
+          <a:stretch>
+            <a:fillRect/>
+          </a:stretch>
+        </p:blipFill>
+        <p:spPr bwMode="auto">
+          <a:xfrm>
+            <a:off x="10859771" y="-73977"/>
+            <a:ext cx="1238250" cy="833438"/>
+          </a:xfrm>
+          <a:prstGeom prst="rect">
+            <a:avLst/>
+          </a:prstGeom>
+          <a:noFill/>
+          <a:ln>
+            <a:noFill/>
+          </a:ln>
+          <a:extLst>
+            <a:ext uri="{909E8E84-426E-40DD-AFC4-6F175D3DCCD1}">
+              <a14:hiddenFill xmlns:a14="http://schemas.microsoft.com/office/drawing/2010/main">
+                <a:solidFill>
+                  <a:srgbClr val="FFFFFF"/>
+                </a:solidFill>
+              </a14:hiddenFill>
+            </a:ext>
+            <a:ext uri="{91240B29-F687-4F45-9708-019B960494DF}">
+              <a14:hiddenLine xmlns:a14="http://schemas.microsoft.com/office/drawing/2010/main" w="9525">
+                <a:solidFill>
+                  <a:srgbClr val="000000"/>
+                </a:solidFill>
+                <a:miter lim="800000"/>
+                <a:headEnd/>
+                <a:tailEnd/>
+              </a14:hiddenLine>
+            </a:ext>
+          </a:extLst>
+        </p:spPr>
+      </p:pic>
+      <p:sp>
+        <p:nvSpPr>
+          <p:cNvPr id="9" name="文本框 10"/>
+          <p:cNvSpPr txBox="1"/>
+          <p:nvPr/>
+        </p:nvSpPr>
+        <p:spPr>
+          <a:xfrm>
+            <a:off x="1034552" y="555526"/>
+            <a:ext cx="1377208" cy="338554"/>
+          </a:xfrm>
+          <a:prstGeom prst="rect">
+            <a:avLst/>
+          </a:prstGeom>
+          <a:noFill/>
+        </p:spPr>
+        <p:txBody>
+          <a:bodyPr wrap="square" rtlCol="0" anchor="ctr" anchorCtr="1">
+            <a:spAutoFit/>
+            <a:scene3d>
+              <a:camera prst="orthographicFront"/>
+              <a:lightRig rig="threePt" dir="t"/>
+            </a:scene3d>
+            <a:sp3d contourW="12700"/>
+          </a:bodyPr>
+          <a:lstStyle/>
+          <a:p>
+            <a:r>
+              <a:rPr lang="en-US" altLang="zh-CN" sz="1600" dirty="0" smtClean="0"/>
+              <a:t>3.</a:t>
+            </a:r>
+            <a:r>
+              <a:rPr lang="zh-CN" altLang="en-US" sz="1600" dirty="0" smtClean="0"/>
+              <a:t>服务监控</a:t>
+            </a:r>
+            <a:endParaRPr lang="zh-CN" altLang="en-US" sz="1600" dirty="0"/>
+          </a:p>
+        </p:txBody>
+      </p:sp>
+      <p:sp>
+        <p:nvSpPr>
+          <p:cNvPr id="2" name="矩形 1"/>
+          <p:cNvSpPr/>
+          <p:nvPr/>
+        </p:nvSpPr>
+        <p:spPr>
+          <a:xfrm>
+            <a:off x="1331640" y="987574"/>
+            <a:ext cx="5832648" cy="553998"/>
+          </a:xfrm>
+          <a:prstGeom prst="rect">
+            <a:avLst/>
+          </a:prstGeom>
+        </p:spPr>
+        <p:txBody>
+          <a:bodyPr wrap="square">
+            <a:spAutoFit/>
+          </a:bodyPr>
+          <a:lstStyle/>
+          <a:p>
+            <a:r>
+              <a:rPr lang="en-US" altLang="zh-CN" sz="1000" dirty="0" err="1"/>
+              <a:t>Hystrix</a:t>
+            </a:r>
+            <a:r>
+              <a:rPr lang="zh-CN" altLang="zh-CN" sz="1000" dirty="0"/>
+              <a:t>进行服务熔断时会对调用结果进行统计，比如超时数、</a:t>
+            </a:r>
+            <a:r>
+              <a:rPr lang="en-US" altLang="zh-CN" sz="1000" dirty="0"/>
+              <a:t>bad</a:t>
+            </a:r>
+            <a:r>
+              <a:rPr lang="zh-CN" altLang="zh-CN" sz="1000" dirty="0"/>
+              <a:t>请求数、降级数、异常数等等都会有统计，那么统计的数据就需要有一个界面来展示，</a:t>
+            </a:r>
+            <a:r>
+              <a:rPr lang="en-US" altLang="zh-CN" sz="1000" dirty="0" err="1"/>
+              <a:t>hystrix</a:t>
+            </a:r>
+            <a:r>
+              <a:rPr lang="en-US" altLang="zh-CN" sz="1000" dirty="0"/>
+              <a:t>-dashboard</a:t>
+            </a:r>
+            <a:r>
+              <a:rPr lang="zh-CN" altLang="zh-CN" sz="1000" dirty="0"/>
+              <a:t>就是这么一个展示</a:t>
+            </a:r>
+            <a:r>
+              <a:rPr lang="en-US" altLang="zh-CN" sz="1000" dirty="0" err="1"/>
+              <a:t>hystrix</a:t>
+            </a:r>
+            <a:r>
+              <a:rPr lang="zh-CN" altLang="zh-CN" sz="1000" dirty="0"/>
+              <a:t>统计结果的服务。</a:t>
+            </a:r>
+            <a:endParaRPr lang="zh-CN" altLang="en-US" sz="1000" dirty="0"/>
+          </a:p>
+        </p:txBody>
+      </p:sp>
+      <p:pic>
+        <p:nvPicPr>
+          <p:cNvPr id="2050" name="Picture 2"/>
+          <p:cNvPicPr>
+            <a:picLocks noChangeAspect="1" noChangeArrowheads="1"/>
+          </p:cNvPicPr>
+          <p:nvPr/>
+        </p:nvPicPr>
+        <p:blipFill>
+          <a:blip r:embed="rId4" cstate="print">
+            <a:extLst>
+              <a:ext uri="{28A0092B-C50C-407E-A947-70E740481C1C}">
+                <a14:useLocalDpi xmlns:a14="http://schemas.microsoft.com/office/drawing/2010/main" val="0"/>
+              </a:ext>
+            </a:extLst>
+          </a:blip>
+          <a:srcRect/>
+          <a:stretch>
+            <a:fillRect/>
+          </a:stretch>
+        </p:blipFill>
+        <p:spPr bwMode="auto">
+          <a:xfrm>
+            <a:off x="971600" y="1782134"/>
+            <a:ext cx="3530616" cy="522071"/>
+          </a:xfrm>
+          <a:prstGeom prst="rect">
+            <a:avLst/>
+          </a:prstGeom>
+          <a:noFill/>
+          <a:ln>
+            <a:noFill/>
+          </a:ln>
+          <a:extLst>
+            <a:ext uri="{909E8E84-426E-40DD-AFC4-6F175D3DCCD1}">
+              <a14:hiddenFill xmlns:a14="http://schemas.microsoft.com/office/drawing/2010/main">
+                <a:solidFill>
+                  <a:schemeClr val="accent1"/>
+                </a:solidFill>
+              </a14:hiddenFill>
+            </a:ext>
+            <a:ext uri="{91240B29-F687-4F45-9708-019B960494DF}">
+              <a14:hiddenLine xmlns:a14="http://schemas.microsoft.com/office/drawing/2010/main" w="9525">
+                <a:solidFill>
+                  <a:schemeClr val="tx1"/>
+                </a:solidFill>
+                <a:miter lim="800000"/>
+                <a:headEnd/>
+                <a:tailEnd/>
+              </a14:hiddenLine>
+            </a:ext>
+          </a:extLst>
+        </p:spPr>
+      </p:pic>
+      <p:pic>
+        <p:nvPicPr>
+          <p:cNvPr id="2051" name="Picture 3"/>
+          <p:cNvPicPr>
+            <a:picLocks noChangeAspect="1" noChangeArrowheads="1"/>
+          </p:cNvPicPr>
+          <p:nvPr/>
+        </p:nvPicPr>
+        <p:blipFill rotWithShape="1">
+          <a:blip r:embed="rId5" cstate="print">
+            <a:extLst>
+              <a:ext uri="{28A0092B-C50C-407E-A947-70E740481C1C}">
+                <a14:useLocalDpi xmlns:a14="http://schemas.microsoft.com/office/drawing/2010/main" val="0"/>
+              </a:ext>
+            </a:extLst>
+          </a:blip>
+          <a:srcRect r="22874"/>
+          <a:stretch/>
+        </p:blipFill>
+        <p:spPr bwMode="auto">
+          <a:xfrm>
+            <a:off x="973824" y="2588093"/>
+            <a:ext cx="3527550" cy="1567833"/>
+          </a:xfrm>
+          <a:prstGeom prst="rect">
+            <a:avLst/>
+          </a:prstGeom>
+          <a:noFill/>
+          <a:ln>
+            <a:noFill/>
+          </a:ln>
+          <a:extLst>
+            <a:ext uri="{909E8E84-426E-40DD-AFC4-6F175D3DCCD1}">
+              <a14:hiddenFill xmlns:a14="http://schemas.microsoft.com/office/drawing/2010/main">
+                <a:solidFill>
+                  <a:schemeClr val="accent1"/>
+                </a:solidFill>
+              </a14:hiddenFill>
+            </a:ext>
+            <a:ext uri="{91240B29-F687-4F45-9708-019B960494DF}">
+              <a14:hiddenLine xmlns:a14="http://schemas.microsoft.com/office/drawing/2010/main" w="9525">
+                <a:solidFill>
+                  <a:schemeClr val="tx1"/>
+                </a:solidFill>
+                <a:miter lim="800000"/>
+                <a:headEnd/>
+                <a:tailEnd/>
+              </a14:hiddenLine>
+            </a:ext>
+          </a:extLst>
+        </p:spPr>
+      </p:pic>
+      <p:pic>
+        <p:nvPicPr>
+          <p:cNvPr id="2052" name="Picture 4"/>
+          <p:cNvPicPr>
+            <a:picLocks noChangeAspect="1" noChangeArrowheads="1"/>
+          </p:cNvPicPr>
+          <p:nvPr/>
+        </p:nvPicPr>
+        <p:blipFill>
+          <a:blip r:embed="rId6" cstate="print">
+            <a:extLst>
+              <a:ext uri="{28A0092B-C50C-407E-A947-70E740481C1C}">
+                <a14:useLocalDpi xmlns:a14="http://schemas.microsoft.com/office/drawing/2010/main" val="0"/>
+              </a:ext>
+            </a:extLst>
+          </a:blip>
+          <a:srcRect/>
+          <a:stretch>
+            <a:fillRect/>
+          </a:stretch>
+        </p:blipFill>
+        <p:spPr bwMode="auto">
+          <a:xfrm>
+            <a:off x="4644008" y="1782134"/>
+            <a:ext cx="4430622" cy="2373792"/>
+          </a:xfrm>
+          <a:prstGeom prst="rect">
+            <a:avLst/>
+          </a:prstGeom>
+          <a:noFill/>
+          <a:ln>
+            <a:noFill/>
+          </a:ln>
+          <a:extLst>
+            <a:ext uri="{909E8E84-426E-40DD-AFC4-6F175D3DCCD1}">
+              <a14:hiddenFill xmlns:a14="http://schemas.microsoft.com/office/drawing/2010/main">
+                <a:solidFill>
+                  <a:schemeClr val="accent1"/>
+                </a:solidFill>
+              </a14:hiddenFill>
+            </a:ext>
+            <a:ext uri="{91240B29-F687-4F45-9708-019B960494DF}">
+              <a14:hiddenLine xmlns:a14="http://schemas.microsoft.com/office/drawing/2010/main" w="9525">
+                <a:solidFill>
+                  <a:schemeClr val="tx1"/>
+                </a:solidFill>
+                <a:miter lim="800000"/>
+                <a:headEnd/>
+                <a:tailEnd/>
+              </a14:hiddenLine>
+            </a:ext>
+          </a:extLst>
+        </p:spPr>
+      </p:pic>
+    </p:spTree>
+    <p:extLst>
+      <p:ext uri="{BB962C8B-B14F-4D97-AF65-F5344CB8AC3E}">
+        <p14:creationId xmlns:p14="http://schemas.microsoft.com/office/powerpoint/2010/main" val="870811767"/>
+      </p:ext>
+    </p:extLst>
+  </p:cSld>
+  <p:clrMapOvr>
+    <a:masterClrMapping/>
+  </p:clrMapOvr>
+  <p:timing>
+    <p:tnLst>
+      <p:par>
+        <p:cTn id="1" dur="indefinite" restart="never" nodeType="tmRoot">
+          <p:childTnLst>
+            <p:seq concurrent="1" nextAc="seek">
+              <p:cTn id="2" dur="indefinite" nodeType="mainSeq">
+                <p:childTnLst>
+                  <p:par>
+                    <p:cTn id="3" fill="hold">
+                      <p:stCondLst>
+                        <p:cond delay="indefinite"/>
+                      </p:stCondLst>
+                      <p:childTnLst>
+                        <p:par>
+                          <p:cTn id="4" fill="hold">
+                            <p:stCondLst>
+                              <p:cond delay="0"/>
+                            </p:stCondLst>
+                            <p:childTnLst>
+                              <p:par>
+                                <p:cTn id="5" presetID="22" presetClass="entr" presetSubtype="4" fill="hold" nodeType="clickEffect">
+                                  <p:stCondLst>
+                                    <p:cond delay="0"/>
+                                  </p:stCondLst>
+                                  <p:childTnLst>
+                                    <p:set>
+                                      <p:cBhvr>
+                                        <p:cTn id="6" dur="1" fill="hold">
+                                          <p:stCondLst>
+                                            <p:cond delay="0"/>
+                                          </p:stCondLst>
+                                        </p:cTn>
+                                        <p:tgtEl>
+                                          <p:spTgt spid="2050"/>
+                                        </p:tgtEl>
+                                        <p:attrNameLst>
+                                          <p:attrName>style.visibility</p:attrName>
+                                        </p:attrNameLst>
+                                      </p:cBhvr>
+                                      <p:to>
+                                        <p:strVal val="visible"/>
+                                      </p:to>
+                                    </p:set>
+                                    <p:animEffect transition="in" filter="wipe(down)">
+                                      <p:cBhvr>
+                                        <p:cTn id="7" dur="500"/>
+                                        <p:tgtEl>
+                                          <p:spTgt spid="2050"/>
+                                        </p:tgtEl>
+                                      </p:cBhvr>
+                                    </p:animEffect>
+                                  </p:childTnLst>
+                                </p:cTn>
+                              </p:par>
+                            </p:childTnLst>
+                          </p:cTn>
+                        </p:par>
+                      </p:childTnLst>
+                    </p:cTn>
+                  </p:par>
+                  <p:par>
+                    <p:cTn id="8" fill="hold">
+                      <p:stCondLst>
+                        <p:cond delay="indefinite"/>
+                      </p:stCondLst>
+                      <p:childTnLst>
+                        <p:par>
+                          <p:cTn id="9" fill="hold">
+                            <p:stCondLst>
+                              <p:cond delay="0"/>
+                            </p:stCondLst>
+                            <p:childTnLst>
+                              <p:par>
+                                <p:cTn id="10" presetID="22" presetClass="entr" presetSubtype="4" fill="hold" nodeType="clickEffect">
+                                  <p:stCondLst>
+                                    <p:cond delay="0"/>
+                                  </p:stCondLst>
+                                  <p:childTnLst>
+                                    <p:set>
+                                      <p:cBhvr>
+                                        <p:cTn id="11" dur="1" fill="hold">
+                                          <p:stCondLst>
+                                            <p:cond delay="0"/>
+                                          </p:stCondLst>
+                                        </p:cTn>
+                                        <p:tgtEl>
+                                          <p:spTgt spid="2051"/>
+                                        </p:tgtEl>
+                                        <p:attrNameLst>
+                                          <p:attrName>style.visibility</p:attrName>
+                                        </p:attrNameLst>
+                                      </p:cBhvr>
+                                      <p:to>
+                                        <p:strVal val="visible"/>
+                                      </p:to>
+                                    </p:set>
+                                    <p:animEffect transition="in" filter="wipe(down)">
+                                      <p:cBhvr>
+                                        <p:cTn id="12" dur="500"/>
+                                        <p:tgtEl>
                                           <p:spTgt spid="2051"/>
                                         </p:tgtEl>
                                       </p:cBhvr>
@@ -6403,15 +6680,33 @@
                                   </p:childTnLst>
                                 </p:cTn>
                               </p:par>
+                            </p:childTnLst>
+                          </p:cTn>
+                        </p:par>
+                      </p:childTnLst>
+                    </p:cTn>
+                  </p:par>
+                  <p:par>
+                    <p:cTn id="13" fill="hold">
+                      <p:stCondLst>
+                        <p:cond delay="indefinite"/>
+                      </p:stCondLst>
+                      <p:childTnLst>
+                        <p:par>
+                          <p:cTn id="14" fill="hold">
+                            <p:stCondLst>
+                              <p:cond delay="0"/>
+                            </p:stCondLst>
+                            <p:childTnLst>
                               <p:par>
-                                <p:cTn id="19" presetID="22" presetClass="entr" presetSubtype="4" fill="hold" nodeType="withEffect">
+                                <p:cTn id="15" presetID="22" presetClass="entr" presetSubtype="4" fill="hold" nodeType="clickEffect">
                                   <p:stCondLst>
                                     <p:cond delay="0"/>
                                   </p:stCondLst>
                                   <p:childTnLst>
                                     <p:set>
                                       <p:cBhvr>
-                                        <p:cTn id="20" dur="1" fill="hold">
+                                        <p:cTn id="16" dur="1" fill="hold">
                                           <p:stCondLst>
                                             <p:cond delay="0"/>
                                           </p:stCondLst>
@@ -6429,7 +6724,7 @@
                                     </p:set>
                                     <p:animEffect transition="in" filter="wipe(down)">
                                       <p:cBhvr>
-                                        <p:cTn id="21" dur="500"/>
+                                        <p:cTn id="17" dur="500"/>
                                         <p:tgtEl>
                                           <p:spTgt spid="2052"/>
                                         </p:tgtEl>
@@ -6465,15 +6760,11 @@
         </p:cTn>
       </p:par>
     </p:tnLst>
-    <p:bldLst>
-      <p:bldP spid="9" grpId="0"/>
-      <p:bldP spid="2" grpId="0"/>
-    </p:bldLst>
   </p:timing>
 </p:sld>
 </file>
 
-<file path=ppt/slides/slide7.xml><?xml version="1.0" encoding="utf-8"?>
+<file path=ppt/slides/slide8.xml><?xml version="1.0" encoding="utf-8"?>
 <p:sld xmlns:a="http://schemas.openxmlformats.org/drawingml/2006/main" xmlns:r="http://schemas.openxmlformats.org/officeDocument/2006/relationships" xmlns:p="http://schemas.openxmlformats.org/presentationml/2006/main">
   <p:cSld>
     <p:spTree>
@@ -6762,7 +7053,7 @@
 </p:sld>
 </file>
 
-<file path=ppt/slides/slide8.xml><?xml version="1.0" encoding="utf-8"?>
+<file path=ppt/slides/slide9.xml><?xml version="1.0" encoding="utf-8"?>
 <p:sld xmlns:a="http://schemas.openxmlformats.org/drawingml/2006/main" xmlns:r="http://schemas.openxmlformats.org/officeDocument/2006/relationships" xmlns:p="http://schemas.openxmlformats.org/presentationml/2006/main">
   <p:cSld>
     <p:spTree>
@@ -7320,7 +7611,7 @@
                             </p:stCondLst>
                             <p:childTnLst>
                               <p:par>
-                                <p:cTn id="5" presetID="22" presetClass="entr" presetSubtype="8" fill="hold" grpId="0" nodeType="clickEffect">
+                                <p:cTn id="5" presetID="10" presetClass="entr" presetSubtype="0" fill="hold" grpId="0" nodeType="clickEffect">
                                   <p:stCondLst>
                                     <p:cond delay="0"/>
                                   </p:stCondLst>
@@ -7328,59 +7619,6 @@
                                     <p:set>
                                       <p:cBhvr>
                                         <p:cTn id="6" dur="1" fill="hold">
-                                          <p:stCondLst>
-                                            <p:cond delay="0"/>
-                                          </p:stCondLst>
-                                        </p:cTn>
-                                        <p:tgtEl>
-                                          <p:spTgt spid="9"/>
-                                        </p:tgtEl>
-                                        <p:attrNameLst>
-                                          <p:attrName>style.visibility</p:attrName>
-                                        </p:attrNameLst>
-                                      </p:cBhvr>
-                                      <p:to>
-                                        <p:strVal val="visible"/>
-                                      </p:to>
-                                    </p:set>
-                                    <p:animEffect transition="in" filter="wipe(left)">
-                                      <p:cBhvr>
-                                        <p:cTn id="7" dur="500"/>
-                                        <p:tgtEl>
-                                          <p:spTgt spid="9"/>
-                                        </p:tgtEl>
-                                      </p:cBhvr>
-                                    </p:animEffect>
-                                  </p:childTnLst>
-                                </p:cTn>
-                              </p:par>
-                            </p:childTnLst>
-                          </p:cTn>
-                        </p:par>
-                      </p:childTnLst>
-                    </p:cTn>
-                  </p:par>
-                  <p:par>
-                    <p:cTn id="8" fill="hold">
-                      <p:stCondLst>
-                        <p:cond delay="indefinite"/>
-                      </p:stCondLst>
-                      <p:childTnLst>
-                        <p:par>
-                          <p:cTn id="9" fill="hold">
-                            <p:stCondLst>
-                              <p:cond delay="0"/>
-                            </p:stCondLst>
-                            <p:childTnLst>
-                              <p:par>
-                                <p:cTn id="10" presetID="22" presetClass="entr" presetSubtype="8" fill="hold" grpId="0" nodeType="clickEffect">
-                                  <p:stCondLst>
-                                    <p:cond delay="0"/>
-                                  </p:stCondLst>
-                                  <p:childTnLst>
-                                    <p:set>
-                                      <p:cBhvr>
-                                        <p:cTn id="11" dur="1" fill="hold">
                                           <p:stCondLst>
                                             <p:cond delay="0"/>
                                           </p:stCondLst>
@@ -7396,9 +7634,9 @@
                                         <p:strVal val="visible"/>
                                       </p:to>
                                     </p:set>
-                                    <p:animEffect transition="in" filter="wipe(left)">
+                                    <p:animEffect transition="in" filter="fade">
                                       <p:cBhvr>
-                                        <p:cTn id="12" dur="500"/>
+                                        <p:cTn id="7" dur="500"/>
                                         <p:tgtEl>
                                           <p:spTgt spid="8"/>
                                         </p:tgtEl>
@@ -7408,14 +7646,14 @@
                                 </p:cTn>
                               </p:par>
                               <p:par>
-                                <p:cTn id="13" presetID="22" presetClass="entr" presetSubtype="8" fill="hold" grpId="0" nodeType="withEffect">
+                                <p:cTn id="8" presetID="10" presetClass="entr" presetSubtype="0" fill="hold" grpId="0" nodeType="withEffect">
                                   <p:stCondLst>
                                     <p:cond delay="0"/>
                                   </p:stCondLst>
                                   <p:childTnLst>
                                     <p:set>
                                       <p:cBhvr>
-                                        <p:cTn id="14" dur="1" fill="hold">
+                                        <p:cTn id="9" dur="1" fill="hold">
                                           <p:stCondLst>
                                             <p:cond delay="0"/>
                                           </p:stCondLst>
@@ -7431,9 +7669,9 @@
                                         <p:strVal val="visible"/>
                                       </p:to>
                                     </p:set>
-                                    <p:animEffect transition="in" filter="wipe(left)">
+                                    <p:animEffect transition="in" filter="fade">
                                       <p:cBhvr>
-                                        <p:cTn id="15" dur="500"/>
+                                        <p:cTn id="10" dur="500"/>
                                         <p:tgtEl>
                                           <p:spTgt spid="10"/>
                                         </p:tgtEl>
@@ -7443,14 +7681,14 @@
                                 </p:cTn>
                               </p:par>
                               <p:par>
-                                <p:cTn id="16" presetID="22" presetClass="entr" presetSubtype="4" fill="hold" nodeType="withEffect">
+                                <p:cTn id="11" presetID="10" presetClass="entr" presetSubtype="0" fill="hold" nodeType="withEffect">
                                   <p:stCondLst>
                                     <p:cond delay="0"/>
                                   </p:stCondLst>
                                   <p:childTnLst>
                                     <p:set>
                                       <p:cBhvr>
-                                        <p:cTn id="17" dur="1" fill="hold">
+                                        <p:cTn id="12" dur="1" fill="hold">
                                           <p:stCondLst>
                                             <p:cond delay="0"/>
                                           </p:stCondLst>
@@ -7466,9 +7704,9 @@
                                         <p:strVal val="visible"/>
                                       </p:to>
                                     </p:set>
-                                    <p:animEffect transition="in" filter="wipe(down)">
+                                    <p:animEffect transition="in" filter="fade">
                                       <p:cBhvr>
-                                        <p:cTn id="18" dur="500"/>
+                                        <p:cTn id="13" dur="500"/>
                                         <p:tgtEl>
                                           <p:spTgt spid="12"/>
                                         </p:tgtEl>
@@ -7484,26 +7722,26 @@
                     </p:cTn>
                   </p:par>
                   <p:par>
-                    <p:cTn id="19" fill="hold">
+                    <p:cTn id="14" fill="hold">
                       <p:stCondLst>
                         <p:cond delay="indefinite"/>
                       </p:stCondLst>
                       <p:childTnLst>
                         <p:par>
-                          <p:cTn id="20" fill="hold">
+                          <p:cTn id="15" fill="hold">
                             <p:stCondLst>
                               <p:cond delay="0"/>
                             </p:stCondLst>
                             <p:childTnLst>
                               <p:par>
-                                <p:cTn id="21" presetID="22" presetClass="entr" presetSubtype="4" fill="hold" nodeType="clickEffect">
+                                <p:cTn id="16" presetID="22" presetClass="entr" presetSubtype="4" fill="hold" nodeType="clickEffect">
                                   <p:stCondLst>
                                     <p:cond delay="0"/>
                                   </p:stCondLst>
                                   <p:childTnLst>
                                     <p:set>
                                       <p:cBhvr>
-                                        <p:cTn id="22" dur="1" fill="hold">
+                                        <p:cTn id="17" dur="1" fill="hold">
                                           <p:stCondLst>
                                             <p:cond delay="0"/>
                                           </p:stCondLst>
@@ -7521,7 +7759,7 @@
                                     </p:set>
                                     <p:animEffect transition="in" filter="wipe(down)">
                                       <p:cBhvr>
-                                        <p:cTn id="23" dur="500"/>
+                                        <p:cTn id="18" dur="500"/>
                                         <p:tgtEl>
                                           <p:spTgt spid="5122"/>
                                         </p:tgtEl>
@@ -7558,338 +7796,8 @@
       </p:par>
     </p:tnLst>
     <p:bldLst>
-      <p:bldP spid="9" grpId="0"/>
       <p:bldP spid="8" grpId="0"/>
       <p:bldP spid="10" grpId="0"/>
-    </p:bldLst>
-  </p:timing>
-</p:sld>
-</file>
-
-<file path=ppt/slides/slide9.xml><?xml version="1.0" encoding="utf-8"?>
-<p:sld xmlns:a="http://schemas.openxmlformats.org/drawingml/2006/main" xmlns:r="http://schemas.openxmlformats.org/officeDocument/2006/relationships" xmlns:p="http://schemas.openxmlformats.org/presentationml/2006/main">
-  <p:cSld>
-    <p:spTree>
-      <p:nvGrpSpPr>
-        <p:cNvPr id="1" name=""/>
-        <p:cNvGrpSpPr/>
-        <p:nvPr/>
-      </p:nvGrpSpPr>
-      <p:grpSpPr>
-        <a:xfrm>
-          <a:off x="0" y="0"/>
-          <a:ext cx="0" cy="0"/>
-          <a:chOff x="0" y="0"/>
-          <a:chExt cx="0" cy="0"/>
-        </a:xfrm>
-      </p:grpSpPr>
-      <p:sp>
-        <p:nvSpPr>
-          <p:cNvPr id="2" name="矩形 1"/>
-          <p:cNvSpPr/>
-          <p:nvPr/>
-        </p:nvSpPr>
-        <p:spPr>
-          <a:xfrm>
-            <a:off x="611560" y="555526"/>
-            <a:ext cx="2031326" cy="369332"/>
-          </a:xfrm>
-          <a:prstGeom prst="rect">
-            <a:avLst/>
-          </a:prstGeom>
-        </p:spPr>
-        <p:txBody>
-          <a:bodyPr wrap="none">
-            <a:spAutoFit/>
-          </a:bodyPr>
-          <a:lstStyle/>
-          <a:p>
-            <a:pPr algn="ctr"/>
-            <a:r>
-              <a:rPr lang="zh-CN" altLang="en-US" dirty="0" smtClean="0"/>
-              <a:t>熔断器逻辑示意图</a:t>
-            </a:r>
-            <a:endParaRPr lang="zh-CN" altLang="en-US" b="1" dirty="0">
-              <a:solidFill>
-                <a:schemeClr val="tx1">
-                  <a:lumMod val="65000"/>
-                  <a:lumOff val="35000"/>
-                </a:schemeClr>
-              </a:solidFill>
-              <a:cs typeface="+mn-ea"/>
-              <a:sym typeface="+mn-lt"/>
-            </a:endParaRPr>
-          </a:p>
-        </p:txBody>
-      </p:sp>
-      <p:pic>
-        <p:nvPicPr>
-          <p:cNvPr id="3074" name="Picture 2" descr="在这里插入图片描述"/>
-          <p:cNvPicPr>
-            <a:picLocks noChangeAspect="1" noChangeArrowheads="1"/>
-          </p:cNvPicPr>
-          <p:nvPr/>
-        </p:nvPicPr>
-        <p:blipFill>
-          <a:blip r:embed="rId2">
-            <a:extLst>
-              <a:ext uri="{28A0092B-C50C-407E-A947-70E740481C1C}">
-                <a14:useLocalDpi xmlns:a14="http://schemas.microsoft.com/office/drawing/2010/main" val="0"/>
-              </a:ext>
-            </a:extLst>
-          </a:blip>
-          <a:srcRect/>
-          <a:stretch>
-            <a:fillRect/>
-          </a:stretch>
-        </p:blipFill>
-        <p:spPr bwMode="auto">
-          <a:xfrm>
-            <a:off x="4355976" y="699542"/>
-            <a:ext cx="4286250" cy="3867150"/>
-          </a:xfrm>
-          <a:prstGeom prst="rect">
-            <a:avLst/>
-          </a:prstGeom>
-          <a:noFill/>
-          <a:extLst>
-            <a:ext uri="{909E8E84-426E-40DD-AFC4-6F175D3DCCD1}">
-              <a14:hiddenFill xmlns:a14="http://schemas.microsoft.com/office/drawing/2010/main">
-                <a:solidFill>
-                  <a:srgbClr val="FFFFFF"/>
-                </a:solidFill>
-              </a14:hiddenFill>
-            </a:ext>
-          </a:extLst>
-        </p:spPr>
-      </p:pic>
-      <p:sp>
-        <p:nvSpPr>
-          <p:cNvPr id="19" name="文本框 10"/>
-          <p:cNvSpPr txBox="1"/>
-          <p:nvPr/>
-        </p:nvSpPr>
-        <p:spPr>
-          <a:xfrm>
-            <a:off x="646383" y="1563638"/>
-            <a:ext cx="3384376" cy="1954381"/>
-          </a:xfrm>
-          <a:prstGeom prst="rect">
-            <a:avLst/>
-          </a:prstGeom>
-          <a:noFill/>
-        </p:spPr>
-        <p:txBody>
-          <a:bodyPr wrap="square" rtlCol="0" anchor="ctr" anchorCtr="1">
-            <a:spAutoFit/>
-            <a:scene3d>
-              <a:camera prst="orthographicFront"/>
-              <a:lightRig rig="threePt" dir="t"/>
-            </a:scene3d>
-            <a:sp3d contourW="12700"/>
-          </a:bodyPr>
-          <a:lstStyle/>
-          <a:p>
-            <a:r>
-              <a:rPr lang="zh-CN" altLang="en-US" sz="1100" dirty="0"/>
-              <a:t>（</a:t>
-            </a:r>
-            <a:r>
-              <a:rPr lang="en-US" altLang="zh-CN" sz="1100" dirty="0"/>
-              <a:t>1</a:t>
-            </a:r>
-            <a:r>
-              <a:rPr lang="zh-CN" altLang="en-US" sz="1100" dirty="0"/>
-              <a:t>）</a:t>
-            </a:r>
-            <a:r>
-              <a:rPr lang="zh-CN" altLang="en-US" sz="1100" dirty="0"/>
-              <a:t>熔断关闭</a:t>
-            </a:r>
-            <a:r>
-              <a:rPr lang="zh-CN" altLang="en-US" sz="1100" dirty="0"/>
-              <a:t>：熔断关闭不会对服务熔断</a:t>
-            </a:r>
-            <a:r>
-              <a:rPr lang="zh-CN" altLang="en-US" sz="1100" dirty="0" smtClean="0"/>
-              <a:t>。</a:t>
-            </a:r>
-            <a:endParaRPr lang="en-US" altLang="zh-CN" sz="1100" dirty="0" smtClean="0"/>
-          </a:p>
-          <a:p>
-            <a:endParaRPr lang="en-US" altLang="zh-CN" sz="1100" dirty="0"/>
-          </a:p>
-          <a:p>
-            <a:r>
-              <a:rPr lang="zh-CN" altLang="en-US" sz="1100" dirty="0"/>
-              <a:t/>
-            </a:r>
-            <a:br>
-              <a:rPr lang="zh-CN" altLang="en-US" sz="1100" dirty="0"/>
-            </a:br>
-            <a:r>
-              <a:rPr lang="zh-CN" altLang="en-US" sz="1100" dirty="0"/>
-              <a:t>（</a:t>
-            </a:r>
-            <a:r>
-              <a:rPr lang="en-US" altLang="zh-CN" sz="1100" dirty="0"/>
-              <a:t>2</a:t>
-            </a:r>
-            <a:r>
-              <a:rPr lang="zh-CN" altLang="en-US" sz="1100" dirty="0"/>
-              <a:t>）</a:t>
-            </a:r>
-            <a:r>
-              <a:rPr lang="zh-CN" altLang="en-US" sz="1100" dirty="0"/>
-              <a:t>熔断打开：请求不在进行调用当前服务</a:t>
-            </a:r>
-            <a:r>
-              <a:rPr lang="zh-CN" altLang="en-US" sz="1100" dirty="0"/>
-              <a:t>，内部设置时钟一般为</a:t>
-            </a:r>
-            <a:r>
-              <a:rPr lang="en-US" altLang="zh-CN" sz="1100" dirty="0"/>
-              <a:t>MTTR</a:t>
-            </a:r>
-            <a:r>
-              <a:rPr lang="zh-CN" altLang="en-US" sz="1100" dirty="0"/>
-              <a:t>（平均故障处理时间），当打开时长达到所设置时钟则进入半熔断状态</a:t>
-            </a:r>
-            <a:r>
-              <a:rPr lang="zh-CN" altLang="en-US" sz="1100" dirty="0" smtClean="0"/>
-              <a:t>。</a:t>
-            </a:r>
-            <a:endParaRPr lang="en-US" altLang="zh-CN" sz="1100" dirty="0" smtClean="0"/>
-          </a:p>
-          <a:p>
-            <a:endParaRPr lang="en-US" altLang="zh-CN" sz="1100" dirty="0"/>
-          </a:p>
-          <a:p>
-            <a:r>
-              <a:rPr lang="zh-CN" altLang="en-US" sz="1100" dirty="0"/>
-              <a:t/>
-            </a:r>
-            <a:br>
-              <a:rPr lang="zh-CN" altLang="en-US" sz="1100" dirty="0"/>
-            </a:br>
-            <a:r>
-              <a:rPr lang="zh-CN" altLang="en-US" sz="1100" dirty="0"/>
-              <a:t>（</a:t>
-            </a:r>
-            <a:r>
-              <a:rPr lang="en-US" altLang="zh-CN" sz="1100" dirty="0"/>
-              <a:t>3</a:t>
-            </a:r>
-            <a:r>
-              <a:rPr lang="zh-CN" altLang="en-US" sz="1100" dirty="0"/>
-              <a:t>）</a:t>
-            </a:r>
-            <a:r>
-              <a:rPr lang="zh-CN" altLang="en-US" sz="1100" dirty="0"/>
-              <a:t>熔断半开</a:t>
-            </a:r>
-            <a:r>
-              <a:rPr lang="zh-CN" altLang="en-US" sz="1100" dirty="0"/>
-              <a:t>：部分请求根据规则条用当前服务，如果请求成功且符合规则，则认为当前服务恢复正常，关闭熔断。</a:t>
-            </a:r>
-            <a:endParaRPr lang="zh-CN" altLang="en-US" sz="1100" dirty="0"/>
-          </a:p>
-        </p:txBody>
-      </p:sp>
-    </p:spTree>
-    <p:extLst>
-      <p:ext uri="{BB962C8B-B14F-4D97-AF65-F5344CB8AC3E}">
-        <p14:creationId xmlns:p14="http://schemas.microsoft.com/office/powerpoint/2010/main" val="4262590657"/>
-      </p:ext>
-    </p:extLst>
-  </p:cSld>
-  <p:clrMapOvr>
-    <a:masterClrMapping/>
-  </p:clrMapOvr>
-  <p:timing>
-    <p:tnLst>
-      <p:par>
-        <p:cTn id="1" dur="indefinite" restart="never" nodeType="tmRoot">
-          <p:childTnLst>
-            <p:seq concurrent="1" nextAc="seek">
-              <p:cTn id="2" dur="indefinite" nodeType="mainSeq">
-                <p:childTnLst>
-                  <p:par>
-                    <p:cTn id="3" fill="hold">
-                      <p:stCondLst>
-                        <p:cond delay="indefinite"/>
-                      </p:stCondLst>
-                      <p:childTnLst>
-                        <p:par>
-                          <p:cTn id="4" fill="hold">
-                            <p:stCondLst>
-                              <p:cond delay="0"/>
-                            </p:stCondLst>
-                            <p:childTnLst>
-                              <p:par>
-                                <p:cTn id="5" presetID="22" presetClass="entr" presetSubtype="8" fill="hold" grpId="0" nodeType="clickEffect">
-                                  <p:stCondLst>
-                                    <p:cond delay="0"/>
-                                  </p:stCondLst>
-                                  <p:childTnLst>
-                                    <p:set>
-                                      <p:cBhvr>
-                                        <p:cTn id="6" dur="1" fill="hold">
-                                          <p:stCondLst>
-                                            <p:cond delay="0"/>
-                                          </p:stCondLst>
-                                        </p:cTn>
-                                        <p:tgtEl>
-                                          <p:spTgt spid="19"/>
-                                        </p:tgtEl>
-                                        <p:attrNameLst>
-                                          <p:attrName>style.visibility</p:attrName>
-                                        </p:attrNameLst>
-                                      </p:cBhvr>
-                                      <p:to>
-                                        <p:strVal val="visible"/>
-                                      </p:to>
-                                    </p:set>
-                                    <p:animEffect transition="in" filter="wipe(left)">
-                                      <p:cBhvr>
-                                        <p:cTn id="7" dur="500"/>
-                                        <p:tgtEl>
-                                          <p:spTgt spid="19"/>
-                                        </p:tgtEl>
-                                      </p:cBhvr>
-                                    </p:animEffect>
-                                  </p:childTnLst>
-                                </p:cTn>
-                              </p:par>
-                            </p:childTnLst>
-                          </p:cTn>
-                        </p:par>
-                      </p:childTnLst>
-                    </p:cTn>
-                  </p:par>
-                </p:childTnLst>
-              </p:cTn>
-              <p:prevCondLst>
-                <p:cond evt="onPrev" delay="0">
-                  <p:tgtEl>
-                    <p:sldTgt/>
-                  </p:tgtEl>
-                </p:cond>
-              </p:prevCondLst>
-              <p:nextCondLst>
-                <p:cond evt="onNext" delay="0">
-                  <p:tgtEl>
-                    <p:sldTgt/>
-                  </p:tgtEl>
-                </p:cond>
-              </p:nextCondLst>
-            </p:seq>
-          </p:childTnLst>
-        </p:cTn>
-      </p:par>
-    </p:tnLst>
-    <p:bldLst>
-      <p:bldP spid="19" grpId="0"/>
     </p:bldLst>
   </p:timing>
 </p:sld>

--- a/ppt/2022-8-3技术分享.pptx
+++ b/ppt/2022-8-3技术分享.pptx
@@ -124,6 +124,22 @@
       </a:defRPr>
     </a:lvl9pPr>
   </p:defaultTextStyle>
+  <p:extLst>
+    <p:ext uri="{EFAFB233-063F-42B5-8137-9DF3F51BA10A}">
+      <p15:sldGuideLst xmlns:p15="http://schemas.microsoft.com/office/powerpoint/2012/main">
+        <p15:guide id="1" orient="horz" pos="1488">
+          <p15:clr>
+            <a:srgbClr val="A4A3A4"/>
+          </p15:clr>
+        </p15:guide>
+        <p15:guide id="2" pos="2880">
+          <p15:clr>
+            <a:srgbClr val="A4A3A4"/>
+          </p15:clr>
+        </p15:guide>
+      </p15:sldGuideLst>
+    </p:ext>
+  </p:extLst>
 </p:presentation>
 </file>
 
@@ -209,7 +225,7 @@
           <a:p>
             <a:fld id="{0F9B84EA-7D68-4D60-9CB1-D50884785D1C}" type="datetimeFigureOut">
               <a:rPr lang="zh-CN" altLang="en-US" smtClean="0"/>
-              <a:t>2022/8/2</a:t>
+              <a:t>2022/8/3</a:t>
             </a:fld>
             <a:endParaRPr lang="zh-CN" altLang="en-US"/>
           </a:p>
@@ -374,7 +390,7 @@
           <a:p>
             <a:fld id="{7CE908D5-C41D-4D38-8B48-5AFE471E159B}" type="datetimeFigureOut">
               <a:rPr lang="zh-CN" altLang="en-US" smtClean="0"/>
-              <a:t>2022/8/2</a:t>
+              <a:t>2022/8/3</a:t>
             </a:fld>
             <a:endParaRPr lang="zh-CN" altLang="en-US"/>
           </a:p>
@@ -876,7 +892,7 @@
           <a:p>
             <a:fld id="{04B9B3C3-D605-4CD9-9803-7C80A9FCF189}" type="datetimeFigureOut">
               <a:rPr lang="zh-CN" altLang="en-US" smtClean="0"/>
-              <a:t>2022/8/2</a:t>
+              <a:t>2022/8/3</a:t>
             </a:fld>
             <a:endParaRPr lang="zh-CN" altLang="en-US"/>
           </a:p>
@@ -1225,7 +1241,7 @@
           <a:p>
             <a:fld id="{04B9B3C3-D605-4CD9-9803-7C80A9FCF189}" type="datetimeFigureOut">
               <a:rPr lang="zh-CN" altLang="en-US" smtClean="0"/>
-              <a:t>2022/8/2</a:t>
+              <a:t>2022/8/3</a:t>
             </a:fld>
             <a:endParaRPr lang="zh-CN" altLang="en-US"/>
           </a:p>
@@ -1423,7 +1439,7 @@
           <a:p>
             <a:fld id="{04B9B3C3-D605-4CD9-9803-7C80A9FCF189}" type="datetimeFigureOut">
               <a:rPr lang="zh-CN" altLang="en-US" smtClean="0"/>
-              <a:t>2022/8/2</a:t>
+              <a:t>2022/8/3</a:t>
             </a:fld>
             <a:endParaRPr lang="zh-CN" altLang="en-US"/>
           </a:p>
@@ -1616,7 +1632,7 @@
           <a:p>
             <a:fld id="{04B9B3C3-D605-4CD9-9803-7C80A9FCF189}" type="datetimeFigureOut">
               <a:rPr lang="zh-CN" altLang="en-US" smtClean="0"/>
-              <a:t>2022/8/2</a:t>
+              <a:t>2022/8/3</a:t>
             </a:fld>
             <a:endParaRPr lang="zh-CN" altLang="en-US"/>
           </a:p>
@@ -1706,7 +1722,7 @@
           <a:p>
             <a:fld id="{04B9B3C3-D605-4CD9-9803-7C80A9FCF189}" type="datetimeFigureOut">
               <a:rPr lang="zh-CN" altLang="en-US" smtClean="0"/>
-              <a:t>2022/8/2</a:t>
+              <a:t>2022/8/3</a:t>
             </a:fld>
             <a:endParaRPr lang="zh-CN" altLang="en-US"/>
           </a:p>
@@ -1912,7 +1928,7 @@
           <a:p>
             <a:fld id="{04B9B3C3-D605-4CD9-9803-7C80A9FCF189}" type="datetimeFigureOut">
               <a:rPr lang="zh-CN" altLang="en-US" smtClean="0"/>
-              <a:t>2022/8/2</a:t>
+              <a:t>2022/8/3</a:t>
             </a:fld>
             <a:endParaRPr lang="zh-CN" altLang="en-US"/>
           </a:p>
@@ -2360,7 +2376,7 @@
               <a:t>2022</a:t>
             </a:r>
             <a:r>
-              <a:rPr lang="zh-CN" altLang="en-US" sz="1800" b="0" dirty="0" smtClean="0">
+              <a:rPr lang="zh-CN" altLang="en-US" sz="1800" b="0" dirty="0">
                 <a:solidFill>
                   <a:srgbClr val="00825F"/>
                 </a:solidFill>
@@ -2372,7 +2388,7 @@
               <a:t>8</a:t>
             </a:r>
             <a:r>
-              <a:rPr lang="zh-CN" altLang="en-US" sz="1800" b="0" smtClean="0">
+              <a:rPr lang="zh-CN" altLang="en-US" sz="1800" b="0">
                 <a:solidFill>
                   <a:srgbClr val="00825F"/>
                 </a:solidFill>
@@ -2428,13 +2444,6 @@
   <p:clrMapOvr>
     <a:masterClrMapping/>
   </p:clrMapOvr>
-  <p:timing>
-    <p:tnLst>
-      <p:par>
-        <p:cTn id="1" dur="indefinite" restart="never" nodeType="tmRoot"/>
-      </p:par>
-    </p:tnLst>
-  </p:timing>
 </p:sld>
 </file>
 
@@ -2478,7 +2487,7 @@
           <a:p>
             <a:pPr algn="ctr"/>
             <a:r>
-              <a:rPr lang="zh-CN" altLang="en-US" dirty="0" smtClean="0"/>
+              <a:rPr lang="zh-CN" altLang="en-US" dirty="0"/>
               <a:t>熔断器逻辑示意图</a:t>
             </a:r>
             <a:endParaRPr lang="zh-CN" altLang="en-US" b="1" dirty="0">
@@ -2572,22 +2581,14 @@
             </a:r>
             <a:r>
               <a:rPr lang="zh-CN" altLang="en-US" sz="1100" dirty="0"/>
-              <a:t>）熔断关闭：熔断关闭不会对服务熔断</a:t>
-            </a:r>
-            <a:r>
-              <a:rPr lang="zh-CN" altLang="en-US" sz="1100" dirty="0" smtClean="0"/>
-              <a:t>。</a:t>
-            </a:r>
-            <a:endParaRPr lang="en-US" altLang="zh-CN" sz="1100" dirty="0" smtClean="0"/>
-          </a:p>
-          <a:p>
+              <a:t>）熔断关闭：熔断关闭不会对服务熔断。</a:t>
+            </a:r>
             <a:endParaRPr lang="en-US" altLang="zh-CN" sz="1100" dirty="0"/>
           </a:p>
           <a:p>
-            <a:r>
-              <a:rPr lang="zh-CN" altLang="en-US" sz="1100" dirty="0"/>
-              <a:t/>
-            </a:r>
+            <a:endParaRPr lang="en-US" altLang="zh-CN" sz="1100" dirty="0"/>
+          </a:p>
+          <a:p>
             <a:br>
               <a:rPr lang="zh-CN" altLang="en-US" sz="1100" dirty="0"/>
             </a:br>
@@ -2609,22 +2610,14 @@
             </a:r>
             <a:r>
               <a:rPr lang="zh-CN" altLang="en-US" sz="1100" dirty="0"/>
-              <a:t>（平均故障处理时间），当打开时长达到所设置时钟则进入半熔断状态</a:t>
-            </a:r>
-            <a:r>
-              <a:rPr lang="zh-CN" altLang="en-US" sz="1100" dirty="0" smtClean="0"/>
-              <a:t>。</a:t>
-            </a:r>
-            <a:endParaRPr lang="en-US" altLang="zh-CN" sz="1100" dirty="0" smtClean="0"/>
-          </a:p>
-          <a:p>
+              <a:t>（平均故障处理时间），当打开时长达到所设置时钟则进入半熔断状态。</a:t>
+            </a:r>
             <a:endParaRPr lang="en-US" altLang="zh-CN" sz="1100" dirty="0"/>
           </a:p>
           <a:p>
-            <a:r>
-              <a:rPr lang="zh-CN" altLang="en-US" sz="1100" dirty="0"/>
-              <a:t/>
-            </a:r>
+            <a:endParaRPr lang="en-US" altLang="zh-CN" sz="1100" dirty="0"/>
+          </a:p>
+          <a:p>
             <a:br>
               <a:rPr lang="zh-CN" altLang="en-US" sz="1100" dirty="0"/>
             </a:br>
@@ -3039,12 +3032,8 @@
           <a:p>
             <a:pPr algn="ctr"/>
             <a:r>
-              <a:rPr lang="zh-CN" altLang="en-US" sz="3200" dirty="0" smtClean="0"/>
-              <a:t>适应</a:t>
-            </a:r>
-            <a:r>
               <a:rPr lang="zh-CN" altLang="en-US" sz="3200" dirty="0"/>
-              <a:t>场景</a:t>
+              <a:t>适应场景</a:t>
             </a:r>
             <a:endParaRPr lang="zh-CN" altLang="en-US" sz="3200" b="1" dirty="0">
               <a:solidFill>
@@ -3087,14 +3076,13 @@
           <a:lstStyle/>
           <a:p>
             <a:r>
-              <a:rPr lang="en-US" altLang="zh-CN" sz="1200" dirty="0" smtClean="0"/>
+              <a:rPr lang="en-US" altLang="zh-CN" sz="1200" dirty="0"/>
               <a:t>1.</a:t>
             </a:r>
             <a:r>
-              <a:rPr lang="zh-CN" altLang="en-US" sz="1200" dirty="0" smtClean="0"/>
+              <a:rPr lang="zh-CN" altLang="en-US" sz="1200" dirty="0"/>
               <a:t>高并发接口</a:t>
             </a:r>
-            <a:endParaRPr lang="zh-CN" altLang="en-US" sz="1200" dirty="0"/>
           </a:p>
         </p:txBody>
       </p:sp>
@@ -3126,14 +3114,13 @@
           <a:lstStyle/>
           <a:p>
             <a:r>
-              <a:rPr lang="en-US" altLang="zh-CN" sz="1200" dirty="0" smtClean="0"/>
+              <a:rPr lang="en-US" altLang="zh-CN" sz="1200" dirty="0"/>
               <a:t>2.</a:t>
             </a:r>
             <a:r>
-              <a:rPr lang="zh-CN" altLang="en-US" sz="1200" dirty="0" smtClean="0"/>
+              <a:rPr lang="zh-CN" altLang="en-US" sz="1200" dirty="0"/>
               <a:t>接口限流</a:t>
             </a:r>
-            <a:endParaRPr lang="zh-CN" altLang="en-US" sz="1200" dirty="0"/>
           </a:p>
         </p:txBody>
       </p:sp>
@@ -3201,13 +3188,6 @@
   <p:clrMapOvr>
     <a:masterClrMapping/>
   </p:clrMapOvr>
-  <p:timing>
-    <p:tnLst>
-      <p:par>
-        <p:cTn id="1" dur="indefinite" restart="never" nodeType="tmRoot"/>
-      </p:par>
-    </p:tnLst>
-  </p:timing>
 </p:sld>
 </file>
 
@@ -3536,13 +3516,6 @@
   <p:clrMapOvr>
     <a:masterClrMapping/>
   </p:clrMapOvr>
-  <p:timing>
-    <p:tnLst>
-      <p:par>
-        <p:cTn id="1" dur="indefinite" restart="never" nodeType="tmRoot"/>
-      </p:par>
-    </p:tnLst>
-  </p:timing>
 </p:sld>
 </file>
 
@@ -3693,7 +3666,7 @@
           <a:lstStyle/>
           <a:p>
             <a:r>
-              <a:rPr lang="zh-CN" altLang="en-US" sz="2400" dirty="0" smtClean="0"/>
+              <a:rPr lang="zh-CN" altLang="en-US" sz="2400" dirty="0"/>
               <a:t>设计目的</a:t>
             </a:r>
             <a:endParaRPr lang="zh-CN" altLang="en-US" sz="2400" b="1" dirty="0">
@@ -3738,15 +3711,15 @@
           <a:p>
             <a:pPr algn="ctr"/>
             <a:r>
-              <a:rPr lang="zh-CN" altLang="en-US" sz="2400" dirty="0" smtClean="0"/>
+              <a:rPr lang="zh-CN" altLang="en-US" sz="2400" dirty="0"/>
               <a:t>适用场景</a:t>
             </a:r>
             <a:r>
-              <a:rPr lang="en-US" altLang="zh-CN" sz="2400" dirty="0" smtClean="0"/>
+              <a:rPr lang="en-US" altLang="zh-CN" sz="2400" dirty="0"/>
               <a:t>&amp;</a:t>
             </a:r>
             <a:r>
-              <a:rPr lang="zh-CN" altLang="en-US" sz="2400" dirty="0" smtClean="0"/>
+              <a:rPr lang="zh-CN" altLang="en-US" sz="2400" dirty="0"/>
               <a:t>比较</a:t>
             </a:r>
             <a:endParaRPr lang="zh-CN" altLang="en-US" sz="2400" b="1" dirty="0">
@@ -3791,12 +3764,8 @@
           <a:p>
             <a:pPr algn="ctr"/>
             <a:r>
-              <a:rPr lang="zh-CN" altLang="en-US" sz="2400" dirty="0" smtClean="0"/>
-              <a:t>使用</a:t>
-            </a:r>
-            <a:r>
               <a:rPr lang="zh-CN" altLang="en-US" sz="2400" dirty="0"/>
-              <a:t>方法</a:t>
+              <a:t>使用方法</a:t>
             </a:r>
             <a:endParaRPr lang="zh-CN" altLang="en-US" sz="2400" dirty="0">
               <a:solidFill>
@@ -3837,11 +3806,7 @@
             <a:pPr algn="ctr"/>
             <a:r>
               <a:rPr lang="zh-CN" altLang="en-US" sz="2400" dirty="0"/>
-              <a:t>引</a:t>
-            </a:r>
-            <a:r>
-              <a:rPr lang="zh-CN" altLang="en-US" sz="2400" dirty="0" smtClean="0"/>
-              <a:t>言</a:t>
+              <a:t>引言</a:t>
             </a:r>
             <a:endParaRPr lang="zh-CN" altLang="en-US" sz="2400" dirty="0">
               <a:solidFill>
@@ -3862,13 +3827,6 @@
   <p:clrMapOvr>
     <a:masterClrMapping/>
   </p:clrMapOvr>
-  <p:timing>
-    <p:tnLst>
-      <p:par>
-        <p:cTn id="1" dur="indefinite" restart="never" nodeType="tmRoot"/>
-      </p:par>
-    </p:tnLst>
-  </p:timing>
 </p:sld>
 </file>
 
@@ -3991,102 +3949,6 @@
           </a:p>
         </p:txBody>
       </p:sp>
-      <p:pic>
-        <p:nvPicPr>
-          <p:cNvPr id="6" name="Picture 5"/>
-          <p:cNvPicPr>
-            <a:picLocks noChangeAspect="1" noChangeArrowheads="1"/>
-          </p:cNvPicPr>
-          <p:nvPr/>
-        </p:nvPicPr>
-        <p:blipFill>
-          <a:blip r:embed="rId2" cstate="screen"/>
-          <a:srcRect/>
-          <a:stretch>
-            <a:fillRect/>
-          </a:stretch>
-        </p:blipFill>
-        <p:spPr bwMode="auto">
-          <a:xfrm>
-            <a:off x="10462896" y="332423"/>
-            <a:ext cx="285750" cy="285750"/>
-          </a:xfrm>
-          <a:prstGeom prst="rect">
-            <a:avLst/>
-          </a:prstGeom>
-          <a:noFill/>
-          <a:ln>
-            <a:noFill/>
-          </a:ln>
-          <a:extLst>
-            <a:ext uri="{909E8E84-426E-40DD-AFC4-6F175D3DCCD1}">
-              <a14:hiddenFill xmlns:a14="http://schemas.microsoft.com/office/drawing/2010/main">
-                <a:solidFill>
-                  <a:srgbClr val="FFFFFF"/>
-                </a:solidFill>
-              </a14:hiddenFill>
-            </a:ext>
-            <a:ext uri="{91240B29-F687-4F45-9708-019B960494DF}">
-              <a14:hiddenLine xmlns:a14="http://schemas.microsoft.com/office/drawing/2010/main" w="9525">
-                <a:solidFill>
-                  <a:srgbClr val="000000"/>
-                </a:solidFill>
-                <a:miter lim="800000"/>
-                <a:headEnd/>
-                <a:tailEnd/>
-              </a14:hiddenLine>
-            </a:ext>
-          </a:extLst>
-        </p:spPr>
-      </p:pic>
-      <p:pic>
-        <p:nvPicPr>
-          <p:cNvPr id="7" name="Picture 6"/>
-          <p:cNvPicPr>
-            <a:picLocks noChangeAspect="1" noChangeArrowheads="1"/>
-          </p:cNvPicPr>
-          <p:nvPr/>
-        </p:nvPicPr>
-        <p:blipFill>
-          <a:blip r:embed="rId3" cstate="screen"/>
-          <a:srcRect/>
-          <a:stretch>
-            <a:fillRect/>
-          </a:stretch>
-        </p:blipFill>
-        <p:spPr bwMode="auto">
-          <a:xfrm>
-            <a:off x="10859771" y="-73977"/>
-            <a:ext cx="1238250" cy="833438"/>
-          </a:xfrm>
-          <a:prstGeom prst="rect">
-            <a:avLst/>
-          </a:prstGeom>
-          <a:noFill/>
-          <a:ln>
-            <a:noFill/>
-          </a:ln>
-          <a:extLst>
-            <a:ext uri="{909E8E84-426E-40DD-AFC4-6F175D3DCCD1}">
-              <a14:hiddenFill xmlns:a14="http://schemas.microsoft.com/office/drawing/2010/main">
-                <a:solidFill>
-                  <a:srgbClr val="FFFFFF"/>
-                </a:solidFill>
-              </a14:hiddenFill>
-            </a:ext>
-            <a:ext uri="{91240B29-F687-4F45-9708-019B960494DF}">
-              <a14:hiddenLine xmlns:a14="http://schemas.microsoft.com/office/drawing/2010/main" w="9525">
-                <a:solidFill>
-                  <a:srgbClr val="000000"/>
-                </a:solidFill>
-                <a:miter lim="800000"/>
-                <a:headEnd/>
-                <a:tailEnd/>
-              </a14:hiddenLine>
-            </a:ext>
-          </a:extLst>
-        </p:spPr>
-      </p:pic>
       <p:sp>
         <p:nvSpPr>
           <p:cNvPr id="11" name="文本框 10"/>
@@ -4116,7 +3978,7 @@
           <a:p>
             <a:pPr algn="ctr"/>
             <a:r>
-              <a:rPr lang="zh-CN" altLang="en-US" sz="2400" dirty="0" smtClean="0"/>
+              <a:rPr lang="zh-CN" altLang="en-US" sz="2400" dirty="0"/>
               <a:t>引言</a:t>
             </a:r>
             <a:endParaRPr lang="zh-CN" altLang="en-US" sz="2400" dirty="0">
@@ -4135,7 +3997,7 @@
           <p:nvPr/>
         </p:nvPicPr>
         <p:blipFill>
-          <a:blip r:embed="rId4" cstate="print">
+          <a:blip r:embed="rId2" cstate="print">
             <a:extLst>
               <a:ext uri="{28A0092B-C50C-407E-A947-70E740481C1C}">
                 <a14:useLocalDpi xmlns:a14="http://schemas.microsoft.com/office/drawing/2010/main" val="0"/>
@@ -4184,13 +4046,13 @@
           <a:lstStyle/>
           <a:p>
             <a:r>
-              <a:rPr lang="en-US" altLang="zh-CN" sz="1200" dirty="0" smtClean="0">
+              <a:rPr lang="en-US" altLang="zh-CN" sz="1200" dirty="0">
                 <a:sym typeface="+mn-lt"/>
               </a:rPr>
               <a:t>1.</a:t>
             </a:r>
             <a:r>
-              <a:rPr lang="zh-CN" altLang="en-US" sz="1200" dirty="0" smtClean="0">
+              <a:rPr lang="zh-CN" altLang="en-US" sz="1200" dirty="0">
                 <a:sym typeface="+mn-lt"/>
               </a:rPr>
               <a:t>在某一时间内，遇上大流量如何保证我们的服务能正常运行？</a:t>
@@ -4216,8 +4078,8 @@
         </p:nvSpPr>
         <p:spPr>
           <a:xfrm>
-            <a:off x="728695" y="2352360"/>
-            <a:ext cx="2574042" cy="461665"/>
+            <a:off x="728695" y="2444693"/>
+            <a:ext cx="2574042" cy="276999"/>
           </a:xfrm>
           <a:prstGeom prst="rect">
             <a:avLst/>
@@ -4236,16 +4098,16 @@
           <a:lstStyle/>
           <a:p>
             <a:r>
-              <a:rPr lang="en-US" altLang="zh-CN" sz="1200" dirty="0" smtClean="0">
+              <a:rPr lang="en-US" altLang="zh-CN" sz="1200" dirty="0">
                 <a:sym typeface="+mn-lt"/>
               </a:rPr>
               <a:t>2.</a:t>
             </a:r>
             <a:r>
-              <a:rPr lang="zh-CN" altLang="en-US" sz="1200" dirty="0" smtClean="0">
+              <a:rPr lang="zh-CN" altLang="en-US" sz="1200" dirty="0">
                 <a:sym typeface="+mn-lt"/>
               </a:rPr>
-              <a:t>当服务不可用时，我们正常会怎么操作？</a:t>
+              <a:t> 如何保证服务接口的正常响应？</a:t>
             </a:r>
             <a:endParaRPr lang="zh-CN" altLang="en-US" sz="1200" b="1" dirty="0">
               <a:solidFill>
@@ -4288,16 +4150,16 @@
           <a:lstStyle/>
           <a:p>
             <a:r>
-              <a:rPr lang="en-US" altLang="zh-CN" sz="1200" dirty="0" smtClean="0">
+              <a:rPr lang="en-US" altLang="zh-CN" sz="1200" dirty="0">
                 <a:sym typeface="+mn-lt"/>
               </a:rPr>
               <a:t>3.</a:t>
             </a:r>
             <a:r>
-              <a:rPr lang="zh-CN" altLang="en-US" sz="1200" dirty="0" smtClean="0">
+              <a:rPr lang="zh-CN" altLang="en-US" sz="1200" dirty="0">
                 <a:sym typeface="+mn-lt"/>
               </a:rPr>
-              <a:t>如何知晓大流量接口的实时状态</a:t>
+              <a:t>如何知晓大流量接口的实时状态？</a:t>
             </a:r>
             <a:endParaRPr lang="zh-CN" altLang="en-US" sz="1200" b="1" dirty="0">
               <a:solidFill>
@@ -4652,7 +4514,7 @@
           <a:p>
             <a:pPr algn="ctr"/>
             <a:r>
-              <a:rPr lang="zh-CN" altLang="en-US" sz="3200" dirty="0" smtClean="0"/>
+              <a:rPr lang="zh-CN" altLang="en-US" sz="3200" dirty="0"/>
               <a:t>设计目的</a:t>
             </a:r>
             <a:endParaRPr lang="zh-CN" altLang="en-US" sz="3200" b="1" dirty="0">
@@ -4690,14 +4552,13 @@
           <a:lstStyle/>
           <a:p>
             <a:r>
-              <a:rPr lang="en-US" altLang="zh-CN" sz="1200" dirty="0" err="1" smtClean="0"/>
+              <a:rPr lang="en-US" altLang="zh-CN" sz="1200" dirty="0" err="1"/>
               <a:t>Hystrix</a:t>
             </a:r>
             <a:r>
-              <a:rPr lang="zh-CN" altLang="en-US" sz="1200" dirty="0" smtClean="0"/>
+              <a:rPr lang="zh-CN" altLang="en-US" sz="1200" dirty="0"/>
               <a:t>是一个延迟和容错库，旨在隔离远程系统、服务和第三方库的访问点，停止级联故障，并在故障不可避免的复杂分布式系统中保持弹性。</a:t>
             </a:r>
-            <a:endParaRPr lang="zh-CN" altLang="en-US" sz="1200" dirty="0"/>
           </a:p>
         </p:txBody>
       </p:sp>
@@ -4723,18 +4584,9 @@
           <a:lstStyle/>
           <a:p>
             <a:r>
-              <a:rPr lang="zh-CN" altLang="en-US" sz="1000" dirty="0" smtClean="0"/>
-              <a:t>切断</a:t>
-            </a:r>
-            <a:r>
               <a:rPr lang="zh-CN" altLang="en-US" sz="1000" dirty="0"/>
-              <a:t>负载并快速失败而不是让请求</a:t>
-            </a:r>
-            <a:r>
-              <a:rPr lang="zh-CN" altLang="en-US" sz="1000" dirty="0" smtClean="0"/>
-              <a:t>排队。</a:t>
-            </a:r>
-            <a:endParaRPr lang="zh-CN" altLang="en-US" sz="1000" dirty="0"/>
+              <a:t>切断负载并快速失败而不是让请求排队。</a:t>
+            </a:r>
           </a:p>
         </p:txBody>
       </p:sp>
@@ -4945,13 +4797,8 @@
             </a:r>
             <a:r>
               <a:rPr lang="zh-CN" altLang="en-US" sz="1000" dirty="0"/>
-              <a:t>）所有的用户线程</a:t>
-            </a:r>
-            <a:r>
-              <a:rPr lang="zh-CN" altLang="en-US" sz="1000" dirty="0" smtClean="0"/>
-              <a:t>。</a:t>
-            </a:r>
-            <a:endParaRPr lang="zh-CN" altLang="en-US" sz="1000" dirty="0"/>
+              <a:t>）所有的用户线程。</a:t>
+            </a:r>
           </a:p>
         </p:txBody>
       </p:sp>
@@ -4993,13 +4840,6 @@
   <p:clrMapOvr>
     <a:masterClrMapping/>
   </p:clrMapOvr>
-  <p:timing>
-    <p:tnLst>
-      <p:par>
-        <p:cTn id="1" dur="indefinite" restart="never" nodeType="tmRoot"/>
-      </p:par>
-    </p:tnLst>
-  </p:timing>
 </p:sld>
 </file>
 
@@ -5291,18 +5131,13 @@
           <a:lstStyle/>
           <a:p>
             <a:r>
-              <a:rPr lang="en-US" altLang="zh-CN" sz="1600" dirty="0" smtClean="0"/>
+              <a:rPr lang="en-US" altLang="zh-CN" sz="1600" dirty="0"/>
               <a:t>1.</a:t>
             </a:r>
             <a:r>
               <a:rPr lang="zh-CN" altLang="en-US" sz="1600" dirty="0"/>
-              <a:t>服务</a:t>
-            </a:r>
-            <a:r>
-              <a:rPr lang="zh-CN" altLang="en-US" sz="1600" dirty="0" smtClean="0"/>
-              <a:t>隔离</a:t>
-            </a:r>
-            <a:endParaRPr lang="zh-CN" altLang="en-US" sz="1600" dirty="0"/>
+              <a:t>服务隔离</a:t>
+            </a:r>
           </a:p>
         </p:txBody>
       </p:sp>
@@ -5334,14 +5169,13 @@
           <a:lstStyle/>
           <a:p>
             <a:r>
-              <a:rPr lang="en-US" altLang="zh-CN" sz="1600" dirty="0" smtClean="0"/>
+              <a:rPr lang="en-US" altLang="zh-CN" sz="1600" dirty="0"/>
               <a:t>a.</a:t>
             </a:r>
             <a:r>
-              <a:rPr lang="zh-CN" altLang="en-US" sz="1600" dirty="0" smtClean="0"/>
+              <a:rPr lang="zh-CN" altLang="en-US" sz="1600" dirty="0"/>
               <a:t>线程隔离策略</a:t>
             </a:r>
-            <a:endParaRPr lang="zh-CN" altLang="en-US" sz="1600" dirty="0"/>
           </a:p>
         </p:txBody>
       </p:sp>
@@ -5373,14 +5207,13 @@
           <a:lstStyle/>
           <a:p>
             <a:r>
-              <a:rPr lang="en-US" altLang="zh-CN" sz="1600" dirty="0" smtClean="0"/>
+              <a:rPr lang="en-US" altLang="zh-CN" sz="1600" dirty="0"/>
               <a:t>b.</a:t>
             </a:r>
             <a:r>
-              <a:rPr lang="zh-CN" altLang="en-US" sz="1600" dirty="0" smtClean="0"/>
+              <a:rPr lang="zh-CN" altLang="en-US" sz="1600" dirty="0"/>
               <a:t>信号量隔离</a:t>
             </a:r>
-            <a:endParaRPr lang="zh-CN" altLang="en-US" sz="1600" dirty="0"/>
           </a:p>
         </p:txBody>
       </p:sp>
@@ -5814,18 +5647,13 @@
           <a:lstStyle/>
           <a:p>
             <a:r>
-              <a:rPr lang="en-US" altLang="zh-CN" sz="1600" dirty="0" smtClean="0"/>
+              <a:rPr lang="en-US" altLang="zh-CN" sz="1600" dirty="0"/>
               <a:t>2.</a:t>
             </a:r>
             <a:r>
               <a:rPr lang="zh-CN" altLang="en-US" sz="1600" dirty="0"/>
-              <a:t>服务</a:t>
-            </a:r>
-            <a:r>
-              <a:rPr lang="zh-CN" altLang="en-US" sz="1600" dirty="0" smtClean="0"/>
-              <a:t>降级</a:t>
-            </a:r>
-            <a:endParaRPr lang="zh-CN" altLang="en-US" sz="1600" dirty="0"/>
+              <a:t>服务降级</a:t>
+            </a:r>
           </a:p>
         </p:txBody>
       </p:sp>
@@ -5906,7 +5734,7 @@
           <a:lstStyle/>
           <a:p>
             <a:r>
-              <a:rPr lang="en-US" altLang="zh-CN" sz="1200" dirty="0" err="1" smtClean="0">
+              <a:rPr lang="en-US" altLang="zh-CN" sz="1200" dirty="0" err="1">
                 <a:solidFill>
                   <a:schemeClr val="bg1">
                     <a:lumMod val="50000"/>
@@ -5916,7 +5744,7 @@
               <a:t>Fegin</a:t>
             </a:r>
             <a:r>
-              <a:rPr lang="zh-CN" altLang="en-US" sz="1200" dirty="0" smtClean="0">
+              <a:rPr lang="zh-CN" altLang="en-US" sz="1200" dirty="0">
                 <a:solidFill>
                   <a:schemeClr val="bg1">
                     <a:lumMod val="50000"/>
@@ -5925,13 +5753,6 @@
               </a:rPr>
               <a:t>也支持接口降级</a:t>
             </a:r>
-            <a:endParaRPr lang="zh-CN" altLang="en-US" sz="1200" dirty="0">
-              <a:solidFill>
-                <a:schemeClr val="bg1">
-                  <a:lumMod val="50000"/>
-                </a:schemeClr>
-              </a:solidFill>
-            </a:endParaRPr>
           </a:p>
         </p:txBody>
       </p:sp>
@@ -6330,14 +6151,13 @@
           <a:lstStyle/>
           <a:p>
             <a:r>
-              <a:rPr lang="en-US" altLang="zh-CN" sz="1600" dirty="0" smtClean="0"/>
+              <a:rPr lang="en-US" altLang="zh-CN" sz="1600" dirty="0"/>
               <a:t>3.</a:t>
             </a:r>
             <a:r>
-              <a:rPr lang="zh-CN" altLang="en-US" sz="1600" dirty="0" smtClean="0"/>
+              <a:rPr lang="zh-CN" altLang="en-US" sz="1600" dirty="0"/>
               <a:t>服务监控</a:t>
             </a:r>
-            <a:endParaRPr lang="zh-CN" altLang="en-US" sz="1600" dirty="0"/>
           </a:p>
         </p:txBody>
       </p:sp>
@@ -7043,13 +6863,6 @@
   <p:clrMapOvr>
     <a:masterClrMapping/>
   </p:clrMapOvr>
-  <p:timing>
-    <p:tnLst>
-      <p:par>
-        <p:cTn id="1" dur="indefinite" restart="never" nodeType="tmRoot"/>
-      </p:par>
-    </p:tnLst>
-  </p:timing>
 </p:sld>
 </file>
 
@@ -7298,11 +7111,7 @@
             <a:pPr algn="ctr"/>
             <a:r>
               <a:rPr lang="en-US" altLang="zh-CN" sz="1600" dirty="0"/>
-              <a:t>4</a:t>
-            </a:r>
-            <a:r>
-              <a:rPr lang="en-US" altLang="zh-CN" sz="1600" dirty="0" smtClean="0"/>
-              <a:t>.</a:t>
+              <a:t>4.</a:t>
             </a:r>
             <a:r>
               <a:rPr lang="zh-CN" altLang="en-US" sz="1600" dirty="0"/>
@@ -7350,26 +7159,22 @@
           <a:p>
             <a:r>
               <a:rPr lang="en-US" altLang="zh-CN" sz="1600" dirty="0"/>
-              <a:t>a</a:t>
-            </a:r>
-            <a:r>
-              <a:rPr lang="en-US" altLang="zh-CN" sz="1600" dirty="0" smtClean="0"/>
-              <a:t>.</a:t>
-            </a:r>
-            <a:r>
-              <a:rPr lang="zh-CN" altLang="en-US" sz="1600" dirty="0" smtClean="0"/>
+              <a:t>a.</a:t>
+            </a:r>
+            <a:r>
+              <a:rPr lang="zh-CN" altLang="en-US" sz="1600" dirty="0"/>
               <a:t>滑动窗口</a:t>
             </a:r>
             <a:r>
-              <a:rPr lang="en-US" altLang="zh-CN" sz="1600" dirty="0" smtClean="0"/>
+              <a:rPr lang="en-US" altLang="zh-CN" sz="1600" dirty="0"/>
               <a:t>(</a:t>
             </a:r>
             <a:r>
-              <a:rPr lang="zh-CN" altLang="en-US" sz="1600" dirty="0" smtClean="0"/>
+              <a:rPr lang="zh-CN" altLang="en-US" sz="1600" dirty="0"/>
               <a:t>在一定时间内</a:t>
             </a:r>
             <a:r>
-              <a:rPr lang="en-US" altLang="zh-CN" sz="1600" dirty="0" smtClean="0"/>
+              <a:rPr lang="en-US" altLang="zh-CN" sz="1600" dirty="0"/>
               <a:t>)</a:t>
             </a:r>
             <a:endParaRPr lang="zh-CN" altLang="en-US" sz="1600" dirty="0"/>
@@ -7404,14 +7209,13 @@
           <a:lstStyle/>
           <a:p>
             <a:r>
-              <a:rPr lang="en-US" altLang="zh-CN" sz="1600" dirty="0" smtClean="0"/>
+              <a:rPr lang="en-US" altLang="zh-CN" sz="1600" dirty="0"/>
               <a:t>b.</a:t>
             </a:r>
             <a:r>
-              <a:rPr lang="zh-CN" altLang="en-US" sz="1600" dirty="0" smtClean="0"/>
+              <a:rPr lang="zh-CN" altLang="en-US" sz="1600" dirty="0"/>
               <a:t>请求失败次数达到阈值</a:t>
             </a:r>
-            <a:endParaRPr lang="zh-CN" altLang="en-US" sz="1600" dirty="0"/>
           </a:p>
         </p:txBody>
       </p:sp>
@@ -7457,14 +7261,13 @@
             <a:lstStyle/>
             <a:p>
               <a:r>
-                <a:rPr lang="en-US" altLang="zh-CN" sz="1600" dirty="0" smtClean="0"/>
+                <a:rPr lang="en-US" altLang="zh-CN" sz="1600" dirty="0"/>
                 <a:t>c.</a:t>
               </a:r>
               <a:r>
-                <a:rPr lang="zh-CN" altLang="en-US" sz="1600" dirty="0" smtClean="0"/>
+                <a:rPr lang="zh-CN" altLang="en-US" sz="1600" dirty="0"/>
                 <a:t>请求失败率达到阈值</a:t>
               </a:r>
-              <a:endParaRPr lang="zh-CN" altLang="en-US" sz="1600" dirty="0"/>
             </a:p>
           </p:txBody>
         </p:sp>
@@ -7490,7 +7293,7 @@
             <a:lstStyle/>
             <a:p>
               <a:r>
-                <a:rPr lang="zh-CN" altLang="en-US" dirty="0" smtClean="0"/>
+                <a:rPr lang="zh-CN" altLang="en-US" dirty="0"/>
                 <a:t>（失败率</a:t>
               </a:r>
               <a:r>
@@ -7511,17 +7314,12 @@
               </a:r>
               <a:r>
                 <a:rPr lang="en-US" altLang="zh-CN" dirty="0"/>
-                <a:t>*</a:t>
+                <a:t>*100%</a:t>
               </a:r>
               <a:r>
-                <a:rPr lang="en-US" altLang="zh-CN" dirty="0" smtClean="0"/>
-                <a:t>100%</a:t>
-              </a:r>
-              <a:r>
-                <a:rPr lang="zh-CN" altLang="en-US" dirty="0" smtClean="0"/>
+                <a:rPr lang="zh-CN" altLang="en-US" dirty="0"/>
                 <a:t>）</a:t>
               </a:r>
-              <a:endParaRPr lang="zh-CN" altLang="en-US" dirty="0"/>
             </a:p>
           </p:txBody>
         </p:sp>
@@ -8169,7 +7967,7 @@
   <a:extraClrSchemeLst/>
   <a:extLst>
     <a:ext uri="{05A4C25C-085E-4340-85A3-A5531E510DB2}">
-      <thm15:themeFamily xmlns="" xmlns:thm15="http://schemas.microsoft.com/office/thememl/2012/main" name="Office Theme" id="{62F939B6-93AF-4DB8-9C6B-D6C7DFDC589F}" vid="{4A3C46E8-61CC-4603-A589-7422A47A8E4A}"/>
+      <thm15:themeFamily xmlns:thm15="http://schemas.microsoft.com/office/thememl/2012/main" name="Office Theme" id="{62F939B6-93AF-4DB8-9C6B-D6C7DFDC589F}" vid="{4A3C46E8-61CC-4603-A589-7422A47A8E4A}"/>
     </a:ext>
   </a:extLst>
 </a:theme>
@@ -8457,7 +8255,7 @@
   <a:extraClrSchemeLst/>
   <a:extLst>
     <a:ext uri="{05A4C25C-085E-4340-85A3-A5531E510DB2}">
-      <thm15:themeFamily xmlns="" xmlns:thm15="http://schemas.microsoft.com/office/thememl/2012/main" name="Office Theme" id="{62F939B6-93AF-4DB8-9C6B-D6C7DFDC589F}" vid="{4A3C46E8-61CC-4603-A589-7422A47A8E4A}"/>
+      <thm15:themeFamily xmlns:thm15="http://schemas.microsoft.com/office/thememl/2012/main" name="Office Theme" id="{62F939B6-93AF-4DB8-9C6B-D6C7DFDC589F}" vid="{4A3C46E8-61CC-4603-A589-7422A47A8E4A}"/>
     </a:ext>
   </a:extLst>
 </a:theme>
@@ -8718,7 +8516,7 @@
   <a:extraClrSchemeLst/>
   <a:extLst>
     <a:ext uri="{05A4C25C-085E-4340-85A3-A5531E510DB2}">
-      <thm15:themeFamily xmlns="" xmlns:thm15="http://schemas.microsoft.com/office/thememl/2012/main" name="Office Theme" id="{62F939B6-93AF-4DB8-9C6B-D6C7DFDC589F}" vid="{4A3C46E8-61CC-4603-A589-7422A47A8E4A}"/>
+      <thm15:themeFamily xmlns:thm15="http://schemas.microsoft.com/office/thememl/2012/main" name="Office Theme" id="{62F939B6-93AF-4DB8-9C6B-D6C7DFDC589F}" vid="{4A3C46E8-61CC-4603-A589-7422A47A8E4A}"/>
     </a:ext>
   </a:extLst>
 </a:theme>
